--- a/Documents/Design.pptx
+++ b/Documents/Design.pptx
@@ -3114,19 +3114,11 @@
             </a:r>
             <a:r>
               <a:rPr lang="en-US" altLang="ko-KR" dirty="0" smtClean="0"/>
-              <a:t> </a:t>
-            </a:r>
-            <a:r>
-              <a:rPr lang="en-US" altLang="ko-KR" dirty="0" smtClean="0"/>
-              <a:t>(</a:t>
+              <a:t> (</a:t>
             </a:r>
             <a:r>
               <a:rPr lang="ko-KR" altLang="en-US" dirty="0" smtClean="0"/>
-              <a:t>작동 </a:t>
-            </a:r>
-            <a:r>
-              <a:rPr lang="ko-KR" altLang="en-US" dirty="0" smtClean="0"/>
-              <a:t>중지</a:t>
+              <a:t>작동 중지</a:t>
             </a:r>
             <a:r>
               <a:rPr lang="en-US" altLang="ko-KR" dirty="0" smtClean="0"/>
@@ -4036,7 +4028,6 @@
               <a:rPr lang="en-US" altLang="ko-KR" dirty="0" smtClean="0"/>
               <a:t>)</a:t>
             </a:r>
-            <a:endParaRPr lang="en-US" altLang="ko-KR" dirty="0" smtClean="0"/>
           </a:p>
         </p:txBody>
       </p:sp>
@@ -11315,11 +11306,7 @@
           <a:p>
             <a:r>
               <a:rPr lang="en-US" altLang="ko-KR" dirty="0" smtClean="0"/>
-              <a:t>Figure</a:t>
-            </a:r>
-            <a:r>
-              <a:rPr lang="en-US" altLang="ko-KR" dirty="0" smtClean="0"/>
-              <a:t>1 (Prototype)</a:t>
+              <a:t>Figure1 (Prototype)</a:t>
             </a:r>
             <a:endParaRPr lang="ko-KR" altLang="en-US" dirty="0"/>
           </a:p>
@@ -16994,7 +16981,6 @@
               <a:rPr lang="en-US" altLang="ko-KR" dirty="0" smtClean="0"/>
               <a:t>Normal, Prototype)</a:t>
             </a:r>
-            <a:endParaRPr lang="en-US" altLang="ko-KR" dirty="0" smtClean="0"/>
           </a:p>
         </p:txBody>
       </p:sp>
@@ -18909,25 +18895,8 @@
           <a:p>
             <a:r>
               <a:rPr lang="en-US" altLang="ko-KR" dirty="0" smtClean="0"/>
-              <a:t>Flow </a:t>
+              <a:t>Flow Chart (Unlocked, Prototype)</a:t>
             </a:r>
-            <a:r>
-              <a:rPr lang="en-US" altLang="ko-KR" dirty="0" smtClean="0"/>
-              <a:t>Chart </a:t>
-            </a:r>
-            <a:r>
-              <a:rPr lang="en-US" altLang="ko-KR" dirty="0" smtClean="0"/>
-              <a:t>(</a:t>
-            </a:r>
-            <a:r>
-              <a:rPr lang="en-US" altLang="ko-KR" dirty="0" smtClean="0"/>
-              <a:t>Unlocked, Prototype</a:t>
-            </a:r>
-            <a:r>
-              <a:rPr lang="en-US" altLang="ko-KR" dirty="0" smtClean="0"/>
-              <a:t>)</a:t>
-            </a:r>
-            <a:endParaRPr lang="en-US" altLang="ko-KR" dirty="0" smtClean="0"/>
           </a:p>
         </p:txBody>
       </p:sp>
@@ -20752,11 +20721,7 @@
           <a:p>
             <a:r>
               <a:rPr lang="en-US" altLang="ko-KR" dirty="0" smtClean="0"/>
-              <a:t>Flow </a:t>
-            </a:r>
-            <a:r>
-              <a:rPr lang="en-US" altLang="ko-KR" dirty="0" smtClean="0"/>
-              <a:t>Chart </a:t>
+              <a:t>Flow Chart </a:t>
             </a:r>
             <a:r>
               <a:rPr lang="en-US" altLang="ko-KR" dirty="0"/>
@@ -20766,7 +20731,6 @@
               <a:rPr lang="en-US" altLang="ko-KR" dirty="0" smtClean="0"/>
               <a:t>Stopped, Prototype)</a:t>
             </a:r>
-            <a:endParaRPr lang="en-US" altLang="ko-KR" dirty="0" smtClean="0"/>
           </a:p>
         </p:txBody>
       </p:sp>
@@ -21622,3901 +21586,3885 @@
               <a:rPr lang="en-US" altLang="ko-KR" dirty="0" smtClean="0"/>
               <a:t>Overall, Prototype)</a:t>
             </a:r>
-            <a:endParaRPr lang="en-US" altLang="ko-KR" dirty="0" smtClean="0"/>
           </a:p>
         </p:txBody>
       </p:sp>
-      <p:grpSp>
-        <p:nvGrpSpPr>
-          <p:cNvPr id="3" name="그룹 2"/>
-          <p:cNvGrpSpPr/>
+      <p:sp>
+        <p:nvSpPr>
+          <p:cNvPr id="84" name="순서도: 처리 83"/>
+          <p:cNvSpPr/>
           <p:nvPr/>
-        </p:nvGrpSpPr>
-        <p:grpSpPr>
+        </p:nvSpPr>
+        <p:spPr>
           <a:xfrm>
-            <a:off x="284942" y="1716420"/>
-            <a:ext cx="11632738" cy="3411616"/>
-            <a:chOff x="284942" y="1716420"/>
-            <a:chExt cx="11632738" cy="3411616"/>
+            <a:off x="2931174" y="4404963"/>
+            <a:ext cx="992943" cy="333049"/>
           </a:xfrm>
-        </p:grpSpPr>
-        <p:sp>
-          <p:nvSpPr>
-            <p:cNvPr id="84" name="순서도: 처리 83"/>
-            <p:cNvSpPr/>
-            <p:nvPr/>
-          </p:nvSpPr>
-          <p:spPr>
-            <a:xfrm>
-              <a:off x="2931174" y="4404963"/>
-              <a:ext cx="992943" cy="333049"/>
-            </a:xfrm>
-            <a:prstGeom prst="flowChartProcess">
-              <a:avLst/>
-            </a:prstGeom>
-            <a:noFill/>
-            <a:ln w="38100" cap="flat">
-              <a:solidFill>
-                <a:schemeClr val="tx1">
-                  <a:lumMod val="50000"/>
-                  <a:lumOff val="50000"/>
-                </a:schemeClr>
-              </a:solidFill>
-            </a:ln>
-            <a:effectLst/>
-          </p:spPr>
-          <p:style>
-            <a:lnRef idx="2">
-              <a:schemeClr val="accent1">
-                <a:shade val="50000"/>
+          <a:prstGeom prst="flowChartProcess">
+            <a:avLst/>
+          </a:prstGeom>
+          <a:noFill/>
+          <a:ln w="38100" cap="flat">
+            <a:solidFill>
+              <a:schemeClr val="tx1">
+                <a:lumMod val="50000"/>
+                <a:lumOff val="50000"/>
               </a:schemeClr>
-            </a:lnRef>
-            <a:fillRef idx="1">
-              <a:schemeClr val="accent1"/>
-            </a:fillRef>
-            <a:effectRef idx="0">
-              <a:schemeClr val="accent1"/>
-            </a:effectRef>
-            <a:fontRef idx="minor">
-              <a:schemeClr val="lt1"/>
-            </a:fontRef>
-          </p:style>
-          <p:txBody>
-            <a:bodyPr rtlCol="0" anchor="ctr"/>
-            <a:lstStyle/>
-            <a:p>
-              <a:pPr algn="ctr"/>
-              <a:r>
-                <a:rPr lang="en-US" altLang="ko-KR" sz="800" b="1" dirty="0" smtClean="0">
-                  <a:solidFill>
-                    <a:schemeClr val="tx1"/>
-                  </a:solidFill>
-                </a:rPr>
-                <a:t>RELAY</a:t>
-              </a:r>
-              <a:r>
-                <a:rPr lang="ko-KR" altLang="en-US" sz="800" b="1" dirty="0" smtClean="0">
-                  <a:solidFill>
-                    <a:schemeClr val="tx1"/>
-                  </a:solidFill>
-                </a:rPr>
-                <a:t> </a:t>
-              </a:r>
-              <a:r>
-                <a:rPr lang="en-US" altLang="ko-KR" sz="800" b="1" dirty="0" smtClean="0">
-                  <a:solidFill>
-                    <a:schemeClr val="tx1"/>
-                  </a:solidFill>
-                </a:rPr>
-                <a:t>← OFF</a:t>
-              </a:r>
-            </a:p>
-          </p:txBody>
-        </p:sp>
-        <p:sp>
-          <p:nvSpPr>
-            <p:cNvPr id="89" name="순서도: 대체 처리 88"/>
-            <p:cNvSpPr/>
-            <p:nvPr/>
-          </p:nvSpPr>
-          <p:spPr>
-            <a:xfrm>
-              <a:off x="885808" y="1716420"/>
-              <a:ext cx="799160" cy="410277"/>
-            </a:xfrm>
-            <a:prstGeom prst="flowChartAlternateProcess">
-              <a:avLst/>
-            </a:prstGeom>
-            <a:noFill/>
-            <a:ln w="38100" cap="flat">
-              <a:solidFill>
-                <a:schemeClr val="tx1">
-                  <a:lumMod val="50000"/>
-                  <a:lumOff val="50000"/>
-                </a:schemeClr>
-              </a:solidFill>
-            </a:ln>
-            <a:effectLst/>
-          </p:spPr>
-          <p:style>
-            <a:lnRef idx="2">
-              <a:schemeClr val="accent1">
-                <a:shade val="50000"/>
-              </a:schemeClr>
-            </a:lnRef>
-            <a:fillRef idx="1">
-              <a:schemeClr val="accent1"/>
-            </a:fillRef>
-            <a:effectRef idx="0">
-              <a:schemeClr val="accent1"/>
-            </a:effectRef>
-            <a:fontRef idx="minor">
-              <a:schemeClr val="lt1"/>
-            </a:fontRef>
-          </p:style>
-          <p:txBody>
-            <a:bodyPr rtlCol="0" anchor="ctr"/>
-            <a:lstStyle/>
-            <a:p>
-              <a:pPr algn="ctr"/>
-              <a:r>
-                <a:rPr lang="en-US" altLang="ko-KR" sz="800" b="1" dirty="0" smtClean="0">
-                  <a:solidFill>
-                    <a:schemeClr val="tx1"/>
-                  </a:solidFill>
-                </a:rPr>
-                <a:t>INIT</a:t>
-              </a:r>
-              <a:endParaRPr lang="ko-KR" altLang="en-US" sz="800" b="1" dirty="0">
+            </a:solidFill>
+          </a:ln>
+          <a:effectLst/>
+        </p:spPr>
+        <p:style>
+          <a:lnRef idx="2">
+            <a:schemeClr val="accent1">
+              <a:shade val="50000"/>
+            </a:schemeClr>
+          </a:lnRef>
+          <a:fillRef idx="1">
+            <a:schemeClr val="accent1"/>
+          </a:fillRef>
+          <a:effectRef idx="0">
+            <a:schemeClr val="accent1"/>
+          </a:effectRef>
+          <a:fontRef idx="minor">
+            <a:schemeClr val="lt1"/>
+          </a:fontRef>
+        </p:style>
+        <p:txBody>
+          <a:bodyPr rtlCol="0" anchor="ctr"/>
+          <a:lstStyle/>
+          <a:p>
+            <a:pPr algn="ctr"/>
+            <a:r>
+              <a:rPr lang="en-US" altLang="ko-KR" sz="700" b="1" dirty="0" smtClean="0">
                 <a:solidFill>
                   <a:schemeClr val="tx1"/>
                 </a:solidFill>
-              </a:endParaRPr>
-            </a:p>
-          </p:txBody>
-        </p:sp>
-        <p:sp>
-          <p:nvSpPr>
-            <p:cNvPr id="90" name="순서도: 처리 89"/>
-            <p:cNvSpPr/>
-            <p:nvPr/>
-          </p:nvSpPr>
-          <p:spPr>
-            <a:xfrm>
-              <a:off x="704546" y="2324677"/>
-              <a:ext cx="1161682" cy="489930"/>
-            </a:xfrm>
-            <a:prstGeom prst="flowChartProcess">
-              <a:avLst/>
-            </a:prstGeom>
-            <a:noFill/>
-            <a:ln w="38100" cap="flat">
-              <a:solidFill>
-                <a:schemeClr val="tx1">
-                  <a:lumMod val="50000"/>
-                  <a:lumOff val="50000"/>
-                </a:schemeClr>
-              </a:solidFill>
-            </a:ln>
-            <a:effectLst/>
-          </p:spPr>
-          <p:style>
-            <a:lnRef idx="2">
-              <a:schemeClr val="accent1">
-                <a:shade val="50000"/>
-              </a:schemeClr>
-            </a:lnRef>
-            <a:fillRef idx="1">
-              <a:schemeClr val="accent1"/>
-            </a:fillRef>
-            <a:effectRef idx="0">
-              <a:schemeClr val="accent1"/>
-            </a:effectRef>
-            <a:fontRef idx="minor">
-              <a:schemeClr val="lt1"/>
-            </a:fontRef>
-          </p:style>
-          <p:txBody>
-            <a:bodyPr rtlCol="0" anchor="ctr"/>
-            <a:lstStyle/>
-            <a:p>
-              <a:pPr algn="ctr"/>
-              <a:r>
-                <a:rPr lang="en-US" altLang="ko-KR" sz="800" b="1" dirty="0">
-                  <a:solidFill>
-                    <a:schemeClr val="accent6"/>
-                  </a:solidFill>
-                </a:rPr>
-                <a:t>LED</a:t>
-              </a:r>
-              <a:r>
-                <a:rPr lang="en-US" altLang="ko-KR" sz="800" b="1" dirty="0">
-                  <a:solidFill>
-                    <a:schemeClr val="tx1"/>
-                  </a:solidFill>
-                </a:rPr>
-                <a:t> ← ON</a:t>
-              </a:r>
-            </a:p>
-            <a:p>
-              <a:pPr algn="ctr"/>
-              <a:r>
-                <a:rPr lang="en-US" altLang="ko-KR" sz="800" b="1" dirty="0" smtClean="0">
-                  <a:solidFill>
-                    <a:schemeClr val="tx1"/>
-                  </a:solidFill>
-                </a:rPr>
-                <a:t>RELAY</a:t>
-              </a:r>
-              <a:r>
-                <a:rPr lang="ko-KR" altLang="en-US" sz="800" b="1" dirty="0" smtClean="0">
-                  <a:solidFill>
-                    <a:schemeClr val="tx1"/>
-                  </a:solidFill>
-                </a:rPr>
-                <a:t> </a:t>
-              </a:r>
-              <a:r>
-                <a:rPr lang="en-US" altLang="ko-KR" sz="800" b="1" dirty="0">
-                  <a:solidFill>
-                    <a:schemeClr val="tx1"/>
-                  </a:solidFill>
-                </a:rPr>
-                <a:t>←</a:t>
-              </a:r>
-              <a:r>
-                <a:rPr lang="ko-KR" altLang="en-US" sz="800" b="1" dirty="0">
-                  <a:solidFill>
-                    <a:schemeClr val="tx1"/>
-                  </a:solidFill>
-                </a:rPr>
-                <a:t> </a:t>
-              </a:r>
-              <a:r>
-                <a:rPr lang="en-US" altLang="ko-KR" sz="800" b="1" dirty="0">
-                  <a:solidFill>
-                    <a:schemeClr val="tx1"/>
-                  </a:solidFill>
-                </a:rPr>
-                <a:t>ON</a:t>
-              </a:r>
-            </a:p>
-          </p:txBody>
-        </p:sp>
-        <p:cxnSp>
-          <p:nvCxnSpPr>
-            <p:cNvPr id="91" name="직선 화살표 연결선 90"/>
-            <p:cNvCxnSpPr>
-              <a:stCxn id="89" idx="2"/>
-              <a:endCxn id="90" idx="0"/>
-            </p:cNvCxnSpPr>
-            <p:nvPr/>
-          </p:nvCxnSpPr>
-          <p:spPr>
-            <a:xfrm>
-              <a:off x="1285388" y="2126697"/>
-              <a:ext cx="0" cy="197980"/>
-            </a:xfrm>
-            <a:prstGeom prst="straightConnector1">
-              <a:avLst/>
-            </a:prstGeom>
-            <a:ln w="38100">
-              <a:solidFill>
-                <a:schemeClr val="tx1">
-                  <a:lumMod val="50000"/>
-                  <a:lumOff val="50000"/>
-                </a:schemeClr>
-              </a:solidFill>
-              <a:tailEnd type="triangle"/>
-            </a:ln>
-          </p:spPr>
-          <p:style>
-            <a:lnRef idx="1">
-              <a:schemeClr val="accent1"/>
-            </a:lnRef>
-            <a:fillRef idx="0">
-              <a:schemeClr val="accent1"/>
-            </a:fillRef>
-            <a:effectRef idx="0">
-              <a:schemeClr val="accent1"/>
-            </a:effectRef>
-            <a:fontRef idx="minor">
-              <a:schemeClr val="tx1"/>
-            </a:fontRef>
-          </p:style>
-        </p:cxnSp>
-        <p:cxnSp>
-          <p:nvCxnSpPr>
-            <p:cNvPr id="93" name="꺾인 연결선 92"/>
-            <p:cNvCxnSpPr>
-              <a:stCxn id="99" idx="1"/>
-              <a:endCxn id="90" idx="1"/>
-            </p:cNvCxnSpPr>
-            <p:nvPr/>
-          </p:nvCxnSpPr>
-          <p:spPr>
-            <a:xfrm rot="10800000" flipH="1">
-              <a:off x="463774" y="2569643"/>
-              <a:ext cx="240773" cy="2001845"/>
-            </a:xfrm>
-            <a:prstGeom prst="bentConnector3">
-              <a:avLst>
-                <a:gd name="adj1" fmla="val -66941"/>
-              </a:avLst>
-            </a:prstGeom>
-            <a:ln w="38100">
-              <a:solidFill>
-                <a:schemeClr val="tx1">
-                  <a:lumMod val="50000"/>
-                  <a:lumOff val="50000"/>
-                </a:schemeClr>
-              </a:solidFill>
-              <a:tailEnd type="triangle"/>
-            </a:ln>
-          </p:spPr>
-          <p:style>
-            <a:lnRef idx="1">
-              <a:schemeClr val="accent1"/>
-            </a:lnRef>
-            <a:fillRef idx="0">
-              <a:schemeClr val="accent1"/>
-            </a:fillRef>
-            <a:effectRef idx="0">
-              <a:schemeClr val="accent1"/>
-            </a:effectRef>
-            <a:fontRef idx="minor">
-              <a:schemeClr val="tx1"/>
-            </a:fontRef>
-          </p:style>
-        </p:cxnSp>
-        <p:sp>
-          <p:nvSpPr>
-            <p:cNvPr id="94" name="TextBox 93"/>
-            <p:cNvSpPr txBox="1"/>
-            <p:nvPr/>
-          </p:nvSpPr>
-          <p:spPr>
-            <a:xfrm>
-              <a:off x="284942" y="4307314"/>
-              <a:ext cx="346570" cy="215444"/>
-            </a:xfrm>
-            <a:prstGeom prst="rect">
-              <a:avLst/>
-            </a:prstGeom>
-            <a:noFill/>
-          </p:spPr>
-          <p:txBody>
-            <a:bodyPr wrap="none" rtlCol="0">
-              <a:spAutoFit/>
-            </a:bodyPr>
-            <a:lstStyle/>
-            <a:p>
-              <a:pPr algn="ctr"/>
-              <a:r>
-                <a:rPr lang="en-US" altLang="ko-KR" sz="800" b="1" dirty="0" smtClean="0"/>
-                <a:t>NO</a:t>
-              </a:r>
-              <a:endParaRPr lang="ko-KR" altLang="en-US" sz="800" b="1" dirty="0"/>
-            </a:p>
-          </p:txBody>
-        </p:sp>
-        <p:sp>
-          <p:nvSpPr>
-            <p:cNvPr id="95" name="순서도: 데이터 94"/>
-            <p:cNvSpPr/>
-            <p:nvPr/>
-          </p:nvSpPr>
-          <p:spPr>
-            <a:xfrm>
-              <a:off x="558640" y="3012587"/>
-              <a:ext cx="1444704" cy="420167"/>
-            </a:xfrm>
-            <a:prstGeom prst="flowChartInputOutput">
-              <a:avLst/>
-            </a:prstGeom>
-            <a:noFill/>
-            <a:ln w="38100" cap="flat">
-              <a:solidFill>
-                <a:schemeClr val="tx1">
-                  <a:lumMod val="50000"/>
-                  <a:lumOff val="50000"/>
-                </a:schemeClr>
-              </a:solidFill>
-            </a:ln>
-            <a:effectLst/>
-          </p:spPr>
-          <p:style>
-            <a:lnRef idx="2">
-              <a:schemeClr val="accent1">
-                <a:shade val="50000"/>
-              </a:schemeClr>
-            </a:lnRef>
-            <a:fillRef idx="1">
-              <a:schemeClr val="accent1"/>
-            </a:fillRef>
-            <a:effectRef idx="0">
-              <a:schemeClr val="accent1"/>
-            </a:effectRef>
-            <a:fontRef idx="minor">
-              <a:schemeClr val="lt1"/>
-            </a:fontRef>
-          </p:style>
-          <p:txBody>
-            <a:bodyPr rtlCol="0" anchor="ctr"/>
-            <a:lstStyle/>
-            <a:p>
-              <a:pPr algn="ctr"/>
-              <a:r>
-                <a:rPr lang="en-US" altLang="ko-KR" sz="800" b="1" dirty="0" smtClean="0">
-                  <a:solidFill>
-                    <a:schemeClr val="tx1"/>
-                  </a:solidFill>
-                </a:rPr>
-                <a:t>INPUT BUTTON</a:t>
-              </a:r>
-            </a:p>
-            <a:p>
-              <a:pPr algn="ctr"/>
-              <a:r>
-                <a:rPr lang="en-US" altLang="ko-KR" sz="800" b="1" dirty="0" smtClean="0">
-                  <a:solidFill>
-                    <a:schemeClr val="tx1"/>
-                  </a:solidFill>
-                </a:rPr>
-                <a:t>READ TEMP</a:t>
-              </a:r>
-              <a:endParaRPr lang="ko-KR" altLang="en-US" sz="800" b="1" dirty="0">
+              </a:rPr>
+              <a:t>RELAY</a:t>
+            </a:r>
+            <a:r>
+              <a:rPr lang="ko-KR" altLang="en-US" sz="700" b="1" dirty="0" smtClean="0">
                 <a:solidFill>
                   <a:schemeClr val="tx1"/>
                 </a:solidFill>
-              </a:endParaRPr>
-            </a:p>
-          </p:txBody>
-        </p:sp>
-        <p:cxnSp>
-          <p:nvCxnSpPr>
-            <p:cNvPr id="96" name="직선 화살표 연결선 95"/>
-            <p:cNvCxnSpPr>
-              <a:stCxn id="99" idx="3"/>
-              <a:endCxn id="84" idx="1"/>
-            </p:cNvCxnSpPr>
-            <p:nvPr/>
-          </p:nvCxnSpPr>
-          <p:spPr>
-            <a:xfrm>
-              <a:off x="2098210" y="4571488"/>
-              <a:ext cx="832965" cy="1"/>
-            </a:xfrm>
-            <a:prstGeom prst="straightConnector1">
-              <a:avLst/>
-            </a:prstGeom>
-            <a:ln w="38100">
-              <a:solidFill>
-                <a:schemeClr val="tx1">
-                  <a:lumMod val="50000"/>
-                  <a:lumOff val="50000"/>
-                </a:schemeClr>
-              </a:solidFill>
-              <a:tailEnd type="triangle"/>
-            </a:ln>
-          </p:spPr>
-          <p:style>
-            <a:lnRef idx="1">
-              <a:schemeClr val="accent1"/>
-            </a:lnRef>
-            <a:fillRef idx="0">
-              <a:schemeClr val="accent1"/>
-            </a:fillRef>
-            <a:effectRef idx="0">
-              <a:schemeClr val="accent1"/>
-            </a:effectRef>
-            <a:fontRef idx="minor">
-              <a:schemeClr val="tx1"/>
-            </a:fontRef>
-          </p:style>
-        </p:cxnSp>
-        <p:cxnSp>
-          <p:nvCxnSpPr>
-            <p:cNvPr id="97" name="직선 화살표 연결선 96"/>
-            <p:cNvCxnSpPr>
-              <a:stCxn id="84" idx="0"/>
-              <a:endCxn id="106" idx="4"/>
-            </p:cNvCxnSpPr>
-            <p:nvPr/>
-          </p:nvCxnSpPr>
-          <p:spPr>
-            <a:xfrm flipV="1">
-              <a:off x="3427646" y="4122516"/>
-              <a:ext cx="0" cy="282448"/>
-            </a:xfrm>
-            <a:prstGeom prst="straightConnector1">
-              <a:avLst/>
-            </a:prstGeom>
-            <a:ln w="38100">
-              <a:solidFill>
-                <a:schemeClr val="tx1">
-                  <a:lumMod val="50000"/>
-                  <a:lumOff val="50000"/>
-                </a:schemeClr>
-              </a:solidFill>
-              <a:tailEnd type="triangle"/>
-            </a:ln>
-          </p:spPr>
-          <p:style>
-            <a:lnRef idx="1">
-              <a:schemeClr val="accent1"/>
-            </a:lnRef>
-            <a:fillRef idx="0">
-              <a:schemeClr val="accent1"/>
-            </a:fillRef>
-            <a:effectRef idx="0">
-              <a:schemeClr val="accent1"/>
-            </a:effectRef>
-            <a:fontRef idx="minor">
-              <a:schemeClr val="tx1"/>
-            </a:fontRef>
-          </p:style>
-        </p:cxnSp>
-        <p:sp>
-          <p:nvSpPr>
-            <p:cNvPr id="98" name="순서도: 판단 97"/>
-            <p:cNvSpPr/>
-            <p:nvPr/>
-          </p:nvSpPr>
-          <p:spPr>
-            <a:xfrm>
-              <a:off x="2610428" y="2324677"/>
-              <a:ext cx="1634436" cy="489930"/>
-            </a:xfrm>
-            <a:prstGeom prst="flowChartDecision">
-              <a:avLst/>
-            </a:prstGeom>
-            <a:noFill/>
-            <a:ln w="38100" cap="flat">
-              <a:solidFill>
-                <a:schemeClr val="tx1">
-                  <a:lumMod val="50000"/>
-                  <a:lumOff val="50000"/>
-                </a:schemeClr>
-              </a:solidFill>
-            </a:ln>
-            <a:effectLst/>
-          </p:spPr>
-          <p:style>
-            <a:lnRef idx="2">
-              <a:schemeClr val="accent1">
-                <a:shade val="50000"/>
-              </a:schemeClr>
-            </a:lnRef>
-            <a:fillRef idx="1">
-              <a:schemeClr val="accent1"/>
-            </a:fillRef>
-            <a:effectRef idx="0">
-              <a:schemeClr val="accent1"/>
-            </a:effectRef>
-            <a:fontRef idx="minor">
-              <a:schemeClr val="lt1"/>
-            </a:fontRef>
-          </p:style>
-          <p:txBody>
-            <a:bodyPr rtlCol="0" anchor="ctr"/>
-            <a:lstStyle/>
-            <a:p>
-              <a:pPr algn="ctr"/>
-              <a:r>
-                <a:rPr lang="en-US" altLang="ko-KR" sz="800" b="1" dirty="0" smtClean="0">
-                  <a:solidFill>
-                    <a:schemeClr val="tx1"/>
-                  </a:solidFill>
-                </a:rPr>
-                <a:t>TEMP</a:t>
-              </a:r>
-              <a:r>
-                <a:rPr lang="ko-KR" altLang="en-US" sz="800" b="1" dirty="0" smtClean="0">
-                  <a:solidFill>
-                    <a:schemeClr val="tx1"/>
-                  </a:solidFill>
-                </a:rPr>
-                <a:t> </a:t>
-              </a:r>
-              <a:r>
-                <a:rPr lang="en-US" altLang="ko-KR" sz="800" b="1" dirty="0">
-                  <a:solidFill>
-                    <a:schemeClr val="tx1"/>
-                  </a:solidFill>
-                </a:rPr>
-                <a:t>&lt;</a:t>
-              </a:r>
-              <a:r>
-                <a:rPr lang="en-US" altLang="ko-KR" sz="800" b="1" dirty="0" smtClean="0">
-                  <a:solidFill>
-                    <a:schemeClr val="tx1"/>
-                  </a:solidFill>
-                </a:rPr>
-                <a:t> </a:t>
-              </a:r>
-            </a:p>
-            <a:p>
-              <a:pPr algn="ctr"/>
-              <a:r>
-                <a:rPr lang="en-US" altLang="ko-KR" sz="800" b="1" dirty="0" smtClean="0">
-                  <a:solidFill>
-                    <a:schemeClr val="tx1"/>
-                  </a:solidFill>
-                </a:rPr>
-                <a:t>COOLDOWN</a:t>
-              </a:r>
-              <a:endParaRPr lang="ko-KR" altLang="en-US" sz="800" b="1" dirty="0">
+              </a:rPr>
+              <a:t> </a:t>
+            </a:r>
+            <a:r>
+              <a:rPr lang="en-US" altLang="ko-KR" sz="700" b="1" dirty="0" smtClean="0">
                 <a:solidFill>
                   <a:schemeClr val="tx1"/>
                 </a:solidFill>
-              </a:endParaRPr>
-            </a:p>
-          </p:txBody>
-        </p:sp>
-        <p:sp>
-          <p:nvSpPr>
-            <p:cNvPr id="99" name="순서도: 판단 98"/>
-            <p:cNvSpPr/>
-            <p:nvPr/>
-          </p:nvSpPr>
-          <p:spPr>
-            <a:xfrm>
-              <a:off x="463774" y="4326523"/>
-              <a:ext cx="1634436" cy="489930"/>
-            </a:xfrm>
-            <a:prstGeom prst="flowChartDecision">
-              <a:avLst/>
-            </a:prstGeom>
-            <a:noFill/>
-            <a:ln w="38100" cap="flat">
-              <a:solidFill>
-                <a:schemeClr val="tx1">
-                  <a:lumMod val="50000"/>
-                  <a:lumOff val="50000"/>
-                </a:schemeClr>
-              </a:solidFill>
-            </a:ln>
-            <a:effectLst/>
-          </p:spPr>
-          <p:style>
-            <a:lnRef idx="2">
-              <a:schemeClr val="accent1">
-                <a:shade val="50000"/>
+              </a:rPr>
+              <a:t>← OFF</a:t>
+            </a:r>
+          </a:p>
+        </p:txBody>
+      </p:sp>
+      <p:sp>
+        <p:nvSpPr>
+          <p:cNvPr id="89" name="순서도: 대체 처리 88"/>
+          <p:cNvSpPr/>
+          <p:nvPr/>
+        </p:nvSpPr>
+        <p:spPr>
+          <a:xfrm>
+            <a:off x="885808" y="1716420"/>
+            <a:ext cx="799160" cy="410277"/>
+          </a:xfrm>
+          <a:prstGeom prst="flowChartAlternateProcess">
+            <a:avLst/>
+          </a:prstGeom>
+          <a:noFill/>
+          <a:ln w="38100" cap="flat">
+            <a:solidFill>
+              <a:schemeClr val="tx1">
+                <a:lumMod val="50000"/>
+                <a:lumOff val="50000"/>
               </a:schemeClr>
-            </a:lnRef>
-            <a:fillRef idx="1">
-              <a:schemeClr val="accent1"/>
-            </a:fillRef>
-            <a:effectRef idx="0">
-              <a:schemeClr val="accent1"/>
-            </a:effectRef>
-            <a:fontRef idx="minor">
-              <a:schemeClr val="lt1"/>
-            </a:fontRef>
-          </p:style>
-          <p:txBody>
-            <a:bodyPr rtlCol="0" anchor="ctr"/>
-            <a:lstStyle/>
-            <a:p>
-              <a:pPr algn="ctr"/>
-              <a:r>
-                <a:rPr lang="en-US" altLang="ko-KR" sz="800" b="1" dirty="0" smtClean="0">
-                  <a:solidFill>
-                    <a:schemeClr val="tx1"/>
-                  </a:solidFill>
-                </a:rPr>
-                <a:t>TEMP</a:t>
-              </a:r>
-              <a:r>
-                <a:rPr lang="ko-KR" altLang="en-US" sz="800" b="1" dirty="0" smtClean="0">
-                  <a:solidFill>
-                    <a:schemeClr val="tx1"/>
-                  </a:solidFill>
-                </a:rPr>
-                <a:t> </a:t>
-              </a:r>
-              <a:r>
-                <a:rPr lang="en-US" altLang="ko-KR" sz="800" b="1" dirty="0" smtClean="0">
-                  <a:solidFill>
-                    <a:schemeClr val="tx1"/>
-                  </a:solidFill>
-                </a:rPr>
-                <a:t>&gt; </a:t>
-              </a:r>
-            </a:p>
-            <a:p>
-              <a:pPr algn="ctr"/>
-              <a:r>
-                <a:rPr lang="en-US" altLang="ko-KR" sz="800" b="1" dirty="0" smtClean="0">
-                  <a:solidFill>
-                    <a:schemeClr val="tx1"/>
-                  </a:solidFill>
-                </a:rPr>
-                <a:t>OVERHEATED</a:t>
-              </a:r>
-              <a:endParaRPr lang="ko-KR" altLang="en-US" sz="800" b="1" dirty="0">
+            </a:solidFill>
+          </a:ln>
+          <a:effectLst/>
+        </p:spPr>
+        <p:style>
+          <a:lnRef idx="2">
+            <a:schemeClr val="accent1">
+              <a:shade val="50000"/>
+            </a:schemeClr>
+          </a:lnRef>
+          <a:fillRef idx="1">
+            <a:schemeClr val="accent1"/>
+          </a:fillRef>
+          <a:effectRef idx="0">
+            <a:schemeClr val="accent1"/>
+          </a:effectRef>
+          <a:fontRef idx="minor">
+            <a:schemeClr val="lt1"/>
+          </a:fontRef>
+        </p:style>
+        <p:txBody>
+          <a:bodyPr rtlCol="0" anchor="ctr"/>
+          <a:lstStyle/>
+          <a:p>
+            <a:pPr algn="ctr"/>
+            <a:r>
+              <a:rPr lang="en-US" altLang="ko-KR" sz="700" b="1" dirty="0" smtClean="0">
                 <a:solidFill>
                   <a:schemeClr val="tx1"/>
                 </a:solidFill>
-              </a:endParaRPr>
-            </a:p>
-          </p:txBody>
-        </p:sp>
-        <p:cxnSp>
-          <p:nvCxnSpPr>
-            <p:cNvPr id="100" name="직선 화살표 연결선 99"/>
-            <p:cNvCxnSpPr>
-              <a:stCxn id="98" idx="1"/>
-              <a:endCxn id="90" idx="3"/>
-            </p:cNvCxnSpPr>
-            <p:nvPr/>
-          </p:nvCxnSpPr>
-          <p:spPr>
-            <a:xfrm flipH="1">
-              <a:off x="1866228" y="2569642"/>
-              <a:ext cx="744199" cy="0"/>
-            </a:xfrm>
-            <a:prstGeom prst="straightConnector1">
-              <a:avLst/>
-            </a:prstGeom>
-            <a:ln w="38100">
-              <a:solidFill>
-                <a:schemeClr val="tx1">
-                  <a:lumMod val="50000"/>
-                  <a:lumOff val="50000"/>
-                </a:schemeClr>
-              </a:solidFill>
-              <a:tailEnd type="triangle"/>
-            </a:ln>
-          </p:spPr>
-          <p:style>
-            <a:lnRef idx="1">
-              <a:schemeClr val="accent1"/>
-            </a:lnRef>
-            <a:fillRef idx="0">
-              <a:schemeClr val="accent1"/>
-            </a:fillRef>
-            <a:effectRef idx="0">
-              <a:schemeClr val="accent1"/>
-            </a:effectRef>
-            <a:fontRef idx="minor">
-              <a:schemeClr val="tx1"/>
-            </a:fontRef>
-          </p:style>
-        </p:cxnSp>
-        <p:sp>
-          <p:nvSpPr>
-            <p:cNvPr id="101" name="TextBox 100"/>
-            <p:cNvSpPr txBox="1"/>
-            <p:nvPr/>
-          </p:nvSpPr>
-          <p:spPr>
-            <a:xfrm>
-              <a:off x="2334996" y="2365635"/>
-              <a:ext cx="359394" cy="215444"/>
-            </a:xfrm>
-            <a:prstGeom prst="rect">
-              <a:avLst/>
-            </a:prstGeom>
-            <a:noFill/>
-          </p:spPr>
-          <p:txBody>
-            <a:bodyPr wrap="none" rtlCol="0">
-              <a:spAutoFit/>
-            </a:bodyPr>
-            <a:lstStyle/>
-            <a:p>
-              <a:pPr algn="ctr"/>
-              <a:r>
-                <a:rPr lang="en-US" altLang="ko-KR" sz="800" b="1" dirty="0" smtClean="0"/>
-                <a:t>YES</a:t>
-              </a:r>
-              <a:endParaRPr lang="ko-KR" altLang="en-US" sz="800" b="1" dirty="0"/>
-            </a:p>
-          </p:txBody>
-        </p:sp>
-        <p:cxnSp>
-          <p:nvCxnSpPr>
-            <p:cNvPr id="102" name="꺾인 연결선 101"/>
-            <p:cNvCxnSpPr>
-              <a:stCxn id="98" idx="3"/>
-              <a:endCxn id="84" idx="3"/>
-            </p:cNvCxnSpPr>
-            <p:nvPr/>
-          </p:nvCxnSpPr>
-          <p:spPr>
-            <a:xfrm flipH="1">
-              <a:off x="3924117" y="2569642"/>
-              <a:ext cx="320747" cy="2001846"/>
-            </a:xfrm>
-            <a:prstGeom prst="bentConnector3">
-              <a:avLst>
-                <a:gd name="adj1" fmla="val -50250"/>
-              </a:avLst>
-            </a:prstGeom>
-            <a:ln w="38100">
-              <a:solidFill>
-                <a:schemeClr val="tx1">
-                  <a:lumMod val="50000"/>
-                  <a:lumOff val="50000"/>
-                </a:schemeClr>
-              </a:solidFill>
-              <a:tailEnd type="triangle"/>
-            </a:ln>
-          </p:spPr>
-          <p:style>
-            <a:lnRef idx="1">
-              <a:schemeClr val="accent1"/>
-            </a:lnRef>
-            <a:fillRef idx="0">
-              <a:schemeClr val="accent1"/>
-            </a:fillRef>
-            <a:effectRef idx="0">
-              <a:schemeClr val="accent1"/>
-            </a:effectRef>
-            <a:fontRef idx="minor">
-              <a:schemeClr val="tx1"/>
-            </a:fontRef>
-          </p:style>
-        </p:cxnSp>
-        <p:sp>
-          <p:nvSpPr>
-            <p:cNvPr id="103" name="TextBox 102"/>
-            <p:cNvSpPr txBox="1"/>
-            <p:nvPr/>
-          </p:nvSpPr>
-          <p:spPr>
-            <a:xfrm>
-              <a:off x="4148573" y="2371014"/>
-              <a:ext cx="346570" cy="215444"/>
-            </a:xfrm>
-            <a:prstGeom prst="rect">
-              <a:avLst/>
-            </a:prstGeom>
-            <a:noFill/>
-          </p:spPr>
-          <p:txBody>
-            <a:bodyPr wrap="none" rtlCol="0">
-              <a:spAutoFit/>
-            </a:bodyPr>
-            <a:lstStyle/>
-            <a:p>
-              <a:pPr algn="ctr"/>
-              <a:r>
-                <a:rPr lang="en-US" altLang="ko-KR" sz="800" b="1" dirty="0" smtClean="0"/>
-                <a:t>NO</a:t>
-              </a:r>
-              <a:endParaRPr lang="ko-KR" altLang="en-US" sz="800" b="1" dirty="0"/>
-            </a:p>
-          </p:txBody>
-        </p:sp>
-        <p:sp>
-          <p:nvSpPr>
-            <p:cNvPr id="104" name="TextBox 103"/>
-            <p:cNvSpPr txBox="1"/>
-            <p:nvPr/>
-          </p:nvSpPr>
-          <p:spPr>
-            <a:xfrm>
-              <a:off x="2037097" y="4367481"/>
-              <a:ext cx="359394" cy="215444"/>
-            </a:xfrm>
-            <a:prstGeom prst="rect">
-              <a:avLst/>
-            </a:prstGeom>
-            <a:noFill/>
-          </p:spPr>
-          <p:txBody>
-            <a:bodyPr wrap="none" rtlCol="0">
-              <a:spAutoFit/>
-            </a:bodyPr>
-            <a:lstStyle/>
-            <a:p>
-              <a:pPr algn="ctr"/>
-              <a:r>
-                <a:rPr lang="en-US" altLang="ko-KR" sz="800" b="1" dirty="0" smtClean="0"/>
-                <a:t>YES</a:t>
-              </a:r>
-              <a:endParaRPr lang="ko-KR" altLang="en-US" sz="800" b="1" dirty="0"/>
-            </a:p>
-          </p:txBody>
-        </p:sp>
-        <p:cxnSp>
-          <p:nvCxnSpPr>
-            <p:cNvPr id="105" name="직선 화살표 연결선 104"/>
-            <p:cNvCxnSpPr>
-              <a:stCxn id="90" idx="2"/>
-              <a:endCxn id="95" idx="1"/>
-            </p:cNvCxnSpPr>
-            <p:nvPr/>
-          </p:nvCxnSpPr>
-          <p:spPr>
-            <a:xfrm flipH="1">
-              <a:off x="1280992" y="2814607"/>
-              <a:ext cx="4396" cy="197979"/>
-            </a:xfrm>
-            <a:prstGeom prst="straightConnector1">
-              <a:avLst/>
-            </a:prstGeom>
-            <a:ln w="38100">
-              <a:solidFill>
-                <a:schemeClr val="tx1">
-                  <a:lumMod val="50000"/>
-                  <a:lumOff val="50000"/>
-                </a:schemeClr>
-              </a:solidFill>
-              <a:tailEnd type="triangle"/>
-            </a:ln>
-          </p:spPr>
-          <p:style>
-            <a:lnRef idx="1">
-              <a:schemeClr val="accent1"/>
-            </a:lnRef>
-            <a:fillRef idx="0">
-              <a:schemeClr val="accent1"/>
-            </a:fillRef>
-            <a:effectRef idx="0">
-              <a:schemeClr val="accent1"/>
-            </a:effectRef>
-            <a:fontRef idx="minor">
-              <a:schemeClr val="tx1"/>
-            </a:fontRef>
-          </p:style>
-        </p:cxnSp>
-        <p:sp>
-          <p:nvSpPr>
-            <p:cNvPr id="106" name="순서도: 데이터 105"/>
-            <p:cNvSpPr/>
-            <p:nvPr/>
-          </p:nvSpPr>
-          <p:spPr>
-            <a:xfrm>
-              <a:off x="2705294" y="3702349"/>
-              <a:ext cx="1444704" cy="420167"/>
-            </a:xfrm>
-            <a:prstGeom prst="flowChartInputOutput">
-              <a:avLst/>
-            </a:prstGeom>
-            <a:noFill/>
-            <a:ln w="38100" cap="flat">
-              <a:solidFill>
-                <a:schemeClr val="tx1">
-                  <a:lumMod val="50000"/>
-                  <a:lumOff val="50000"/>
-                </a:schemeClr>
-              </a:solidFill>
-            </a:ln>
-            <a:effectLst/>
-          </p:spPr>
-          <p:style>
-            <a:lnRef idx="2">
-              <a:schemeClr val="accent1">
-                <a:shade val="50000"/>
+              </a:rPr>
+              <a:t>INIT</a:t>
+            </a:r>
+            <a:endParaRPr lang="ko-KR" altLang="en-US" sz="700" b="1" dirty="0">
+              <a:solidFill>
+                <a:schemeClr val="tx1"/>
+              </a:solidFill>
+            </a:endParaRPr>
+          </a:p>
+        </p:txBody>
+      </p:sp>
+      <p:sp>
+        <p:nvSpPr>
+          <p:cNvPr id="90" name="순서도: 처리 89"/>
+          <p:cNvSpPr/>
+          <p:nvPr/>
+        </p:nvSpPr>
+        <p:spPr>
+          <a:xfrm>
+            <a:off x="704546" y="2324677"/>
+            <a:ext cx="1161682" cy="489930"/>
+          </a:xfrm>
+          <a:prstGeom prst="flowChartProcess">
+            <a:avLst/>
+          </a:prstGeom>
+          <a:noFill/>
+          <a:ln w="38100" cap="flat">
+            <a:solidFill>
+              <a:schemeClr val="tx1">
+                <a:lumMod val="50000"/>
+                <a:lumOff val="50000"/>
               </a:schemeClr>
-            </a:lnRef>
-            <a:fillRef idx="1">
-              <a:schemeClr val="accent1"/>
-            </a:fillRef>
-            <a:effectRef idx="0">
-              <a:schemeClr val="accent1"/>
-            </a:effectRef>
-            <a:fontRef idx="minor">
-              <a:schemeClr val="lt1"/>
-            </a:fontRef>
-          </p:style>
-          <p:txBody>
-            <a:bodyPr rtlCol="0" anchor="ctr"/>
-            <a:lstStyle/>
-            <a:p>
-              <a:pPr algn="ctr"/>
-              <a:r>
-                <a:rPr lang="en-US" altLang="ko-KR" sz="800" b="1" dirty="0" smtClean="0">
-                  <a:solidFill>
-                    <a:schemeClr val="tx1"/>
-                  </a:solidFill>
-                </a:rPr>
-                <a:t>INPUT BUTTON</a:t>
-              </a:r>
-            </a:p>
-            <a:p>
-              <a:pPr algn="ctr"/>
-              <a:r>
-                <a:rPr lang="en-US" altLang="ko-KR" sz="800" b="1" dirty="0" smtClean="0">
-                  <a:solidFill>
-                    <a:schemeClr val="tx1"/>
-                  </a:solidFill>
-                </a:rPr>
-                <a:t>READ TEMP</a:t>
-              </a:r>
-              <a:endParaRPr lang="ko-KR" altLang="en-US" sz="800" b="1" dirty="0">
+            </a:solidFill>
+          </a:ln>
+          <a:effectLst/>
+        </p:spPr>
+        <p:style>
+          <a:lnRef idx="2">
+            <a:schemeClr val="accent1">
+              <a:shade val="50000"/>
+            </a:schemeClr>
+          </a:lnRef>
+          <a:fillRef idx="1">
+            <a:schemeClr val="accent1"/>
+          </a:fillRef>
+          <a:effectRef idx="0">
+            <a:schemeClr val="accent1"/>
+          </a:effectRef>
+          <a:fontRef idx="minor">
+            <a:schemeClr val="lt1"/>
+          </a:fontRef>
+        </p:style>
+        <p:txBody>
+          <a:bodyPr rtlCol="0" anchor="ctr"/>
+          <a:lstStyle/>
+          <a:p>
+            <a:pPr algn="ctr"/>
+            <a:r>
+              <a:rPr lang="en-US" altLang="ko-KR" sz="700" b="1" dirty="0">
+                <a:solidFill>
+                  <a:schemeClr val="accent6"/>
+                </a:solidFill>
+              </a:rPr>
+              <a:t>LED</a:t>
+            </a:r>
+            <a:r>
+              <a:rPr lang="en-US" altLang="ko-KR" sz="700" b="1" dirty="0">
                 <a:solidFill>
                   <a:schemeClr val="tx1"/>
                 </a:solidFill>
-              </a:endParaRPr>
-            </a:p>
-          </p:txBody>
-        </p:sp>
-        <p:sp>
-          <p:nvSpPr>
-            <p:cNvPr id="107" name="순서도: 판단 106"/>
-            <p:cNvSpPr/>
-            <p:nvPr/>
-          </p:nvSpPr>
-          <p:spPr>
-            <a:xfrm>
-              <a:off x="463774" y="3632586"/>
-              <a:ext cx="1634436" cy="489930"/>
-            </a:xfrm>
-            <a:prstGeom prst="flowChartDecision">
-              <a:avLst/>
-            </a:prstGeom>
-            <a:noFill/>
-            <a:ln w="38100" cap="flat">
-              <a:solidFill>
-                <a:schemeClr val="tx1">
-                  <a:lumMod val="50000"/>
-                  <a:lumOff val="50000"/>
-                </a:schemeClr>
-              </a:solidFill>
-            </a:ln>
-            <a:effectLst/>
-          </p:spPr>
-          <p:style>
-            <a:lnRef idx="2">
-              <a:schemeClr val="accent1">
-                <a:shade val="50000"/>
-              </a:schemeClr>
-            </a:lnRef>
-            <a:fillRef idx="1">
-              <a:schemeClr val="accent1"/>
-            </a:fillRef>
-            <a:effectRef idx="0">
-              <a:schemeClr val="accent1"/>
-            </a:effectRef>
-            <a:fontRef idx="minor">
-              <a:schemeClr val="lt1"/>
-            </a:fontRef>
-          </p:style>
-          <p:txBody>
-            <a:bodyPr rtlCol="0" anchor="ctr"/>
-            <a:lstStyle/>
-            <a:p>
-              <a:pPr algn="ctr"/>
-              <a:r>
-                <a:rPr lang="en-US" altLang="ko-KR" sz="800" b="1" dirty="0" smtClean="0">
-                  <a:solidFill>
-                    <a:schemeClr val="tx1"/>
-                  </a:solidFill>
-                </a:rPr>
-                <a:t>BUTTON</a:t>
-              </a:r>
-              <a:r>
-                <a:rPr lang="ko-KR" altLang="en-US" sz="800" b="1" dirty="0" smtClean="0">
-                  <a:solidFill>
-                    <a:schemeClr val="tx1"/>
-                  </a:solidFill>
-                </a:rPr>
-                <a:t> </a:t>
-              </a:r>
-              <a:r>
-                <a:rPr lang="en-US" altLang="ko-KR" sz="800" b="1" dirty="0" smtClean="0">
-                  <a:solidFill>
-                    <a:schemeClr val="tx1"/>
-                  </a:solidFill>
-                </a:rPr>
-                <a:t>==</a:t>
-              </a:r>
-            </a:p>
-            <a:p>
-              <a:pPr algn="ctr"/>
-              <a:r>
-                <a:rPr lang="en-US" altLang="ko-KR" sz="800" b="1" dirty="0" smtClean="0">
-                  <a:solidFill>
-                    <a:schemeClr val="tx1"/>
-                  </a:solidFill>
-                </a:rPr>
-                <a:t>PRESSSED</a:t>
-              </a:r>
-              <a:endParaRPr lang="ko-KR" altLang="en-US" sz="800" b="1" dirty="0">
+              </a:rPr>
+              <a:t> ← ON</a:t>
+            </a:r>
+          </a:p>
+          <a:p>
+            <a:pPr algn="ctr"/>
+            <a:r>
+              <a:rPr lang="en-US" altLang="ko-KR" sz="700" b="1" dirty="0" smtClean="0">
                 <a:solidFill>
                   <a:schemeClr val="tx1"/>
                 </a:solidFill>
-              </a:endParaRPr>
-            </a:p>
-          </p:txBody>
-        </p:sp>
-        <p:cxnSp>
-          <p:nvCxnSpPr>
-            <p:cNvPr id="108" name="직선 화살표 연결선 107"/>
-            <p:cNvCxnSpPr>
-              <a:stCxn id="95" idx="4"/>
-              <a:endCxn id="107" idx="0"/>
-            </p:cNvCxnSpPr>
-            <p:nvPr/>
-          </p:nvCxnSpPr>
-          <p:spPr>
-            <a:xfrm>
-              <a:off x="1280992" y="3432754"/>
-              <a:ext cx="0" cy="199832"/>
-            </a:xfrm>
-            <a:prstGeom prst="straightConnector1">
-              <a:avLst/>
-            </a:prstGeom>
-            <a:ln w="38100">
-              <a:solidFill>
-                <a:schemeClr val="tx1">
-                  <a:lumMod val="50000"/>
-                  <a:lumOff val="50000"/>
-                </a:schemeClr>
-              </a:solidFill>
-              <a:tailEnd type="triangle"/>
-            </a:ln>
-          </p:spPr>
-          <p:style>
-            <a:lnRef idx="1">
-              <a:schemeClr val="accent1"/>
-            </a:lnRef>
-            <a:fillRef idx="0">
-              <a:schemeClr val="accent1"/>
-            </a:fillRef>
-            <a:effectRef idx="0">
-              <a:schemeClr val="accent1"/>
-            </a:effectRef>
-            <a:fontRef idx="minor">
-              <a:schemeClr val="tx1"/>
-            </a:fontRef>
-          </p:style>
-        </p:cxnSp>
-        <p:cxnSp>
-          <p:nvCxnSpPr>
-            <p:cNvPr id="109" name="직선 화살표 연결선 108"/>
-            <p:cNvCxnSpPr>
-              <a:stCxn id="107" idx="2"/>
-              <a:endCxn id="99" idx="0"/>
-            </p:cNvCxnSpPr>
-            <p:nvPr/>
-          </p:nvCxnSpPr>
-          <p:spPr>
-            <a:xfrm>
-              <a:off x="1280992" y="4122516"/>
-              <a:ext cx="0" cy="204007"/>
-            </a:xfrm>
-            <a:prstGeom prst="straightConnector1">
-              <a:avLst/>
-            </a:prstGeom>
-            <a:ln w="38100">
-              <a:solidFill>
-                <a:schemeClr val="tx1">
-                  <a:lumMod val="50000"/>
-                  <a:lumOff val="50000"/>
-                </a:schemeClr>
-              </a:solidFill>
-              <a:tailEnd type="triangle"/>
-            </a:ln>
-          </p:spPr>
-          <p:style>
-            <a:lnRef idx="1">
-              <a:schemeClr val="accent1"/>
-            </a:lnRef>
-            <a:fillRef idx="0">
-              <a:schemeClr val="accent1"/>
-            </a:fillRef>
-            <a:effectRef idx="0">
-              <a:schemeClr val="accent1"/>
-            </a:effectRef>
-            <a:fontRef idx="minor">
-              <a:schemeClr val="tx1"/>
-            </a:fontRef>
-          </p:style>
-        </p:cxnSp>
-        <p:sp>
-          <p:nvSpPr>
-            <p:cNvPr id="110" name="TextBox 109"/>
-            <p:cNvSpPr txBox="1"/>
-            <p:nvPr/>
-          </p:nvSpPr>
-          <p:spPr>
-            <a:xfrm>
-              <a:off x="933161" y="4126869"/>
-              <a:ext cx="346570" cy="215444"/>
-            </a:xfrm>
-            <a:prstGeom prst="rect">
-              <a:avLst/>
-            </a:prstGeom>
-            <a:noFill/>
-          </p:spPr>
-          <p:txBody>
-            <a:bodyPr wrap="none" rtlCol="0">
-              <a:spAutoFit/>
-            </a:bodyPr>
-            <a:lstStyle/>
-            <a:p>
-              <a:pPr algn="ctr"/>
-              <a:r>
-                <a:rPr lang="en-US" altLang="ko-KR" sz="800" b="1" dirty="0" smtClean="0"/>
-                <a:t>NO</a:t>
-              </a:r>
-              <a:endParaRPr lang="ko-KR" altLang="en-US" sz="800" b="1" dirty="0"/>
-            </a:p>
-          </p:txBody>
-        </p:sp>
-        <p:sp>
-          <p:nvSpPr>
-            <p:cNvPr id="111" name="순서도: 판단 110"/>
-            <p:cNvSpPr/>
-            <p:nvPr/>
-          </p:nvSpPr>
-          <p:spPr>
-            <a:xfrm>
-              <a:off x="2610428" y="3012587"/>
-              <a:ext cx="1634436" cy="489930"/>
-            </a:xfrm>
-            <a:prstGeom prst="flowChartDecision">
-              <a:avLst/>
-            </a:prstGeom>
-            <a:noFill/>
-            <a:ln w="38100" cap="flat">
-              <a:solidFill>
-                <a:schemeClr val="tx1">
-                  <a:lumMod val="50000"/>
-                  <a:lumOff val="50000"/>
-                </a:schemeClr>
-              </a:solidFill>
-            </a:ln>
-            <a:effectLst/>
-          </p:spPr>
-          <p:style>
-            <a:lnRef idx="2">
-              <a:schemeClr val="accent1">
-                <a:shade val="50000"/>
-              </a:schemeClr>
-            </a:lnRef>
-            <a:fillRef idx="1">
-              <a:schemeClr val="accent1"/>
-            </a:fillRef>
-            <a:effectRef idx="0">
-              <a:schemeClr val="accent1"/>
-            </a:effectRef>
-            <a:fontRef idx="minor">
-              <a:schemeClr val="lt1"/>
-            </a:fontRef>
-          </p:style>
-          <p:txBody>
-            <a:bodyPr rtlCol="0" anchor="ctr"/>
-            <a:lstStyle/>
-            <a:p>
-              <a:pPr algn="ctr"/>
-              <a:r>
-                <a:rPr lang="en-US" altLang="ko-KR" sz="800" b="1" dirty="0" smtClean="0">
-                  <a:solidFill>
-                    <a:schemeClr val="tx1"/>
-                  </a:solidFill>
-                </a:rPr>
-                <a:t>BUTTON</a:t>
-              </a:r>
-              <a:r>
-                <a:rPr lang="ko-KR" altLang="en-US" sz="800" b="1" dirty="0" smtClean="0">
-                  <a:solidFill>
-                    <a:schemeClr val="tx1"/>
-                  </a:solidFill>
-                </a:rPr>
-                <a:t> </a:t>
-              </a:r>
-              <a:r>
-                <a:rPr lang="en-US" altLang="ko-KR" sz="800" b="1" dirty="0" smtClean="0">
-                  <a:solidFill>
-                    <a:schemeClr val="tx1"/>
-                  </a:solidFill>
-                </a:rPr>
-                <a:t>==</a:t>
-              </a:r>
-            </a:p>
-            <a:p>
-              <a:pPr algn="ctr"/>
-              <a:r>
-                <a:rPr lang="en-US" altLang="ko-KR" sz="800" b="1" dirty="0" smtClean="0">
-                  <a:solidFill>
-                    <a:schemeClr val="tx1"/>
-                  </a:solidFill>
-                </a:rPr>
-                <a:t>PRESSED</a:t>
-              </a:r>
-              <a:endParaRPr lang="ko-KR" altLang="en-US" sz="800" b="1" dirty="0">
+              </a:rPr>
+              <a:t>RELAY</a:t>
+            </a:r>
+            <a:r>
+              <a:rPr lang="ko-KR" altLang="en-US" sz="700" b="1" dirty="0" smtClean="0">
                 <a:solidFill>
                   <a:schemeClr val="tx1"/>
                 </a:solidFill>
-              </a:endParaRPr>
-            </a:p>
-          </p:txBody>
-        </p:sp>
-        <p:cxnSp>
-          <p:nvCxnSpPr>
-            <p:cNvPr id="112" name="직선 화살표 연결선 111"/>
-            <p:cNvCxnSpPr>
-              <a:stCxn id="111" idx="0"/>
-              <a:endCxn id="98" idx="2"/>
-            </p:cNvCxnSpPr>
-            <p:nvPr/>
-          </p:nvCxnSpPr>
-          <p:spPr>
-            <a:xfrm flipV="1">
-              <a:off x="3427646" y="2814607"/>
-              <a:ext cx="0" cy="197979"/>
-            </a:xfrm>
-            <a:prstGeom prst="straightConnector1">
-              <a:avLst/>
-            </a:prstGeom>
-            <a:ln w="38100">
-              <a:solidFill>
-                <a:schemeClr val="tx1">
-                  <a:lumMod val="50000"/>
-                  <a:lumOff val="50000"/>
-                </a:schemeClr>
-              </a:solidFill>
-              <a:tailEnd type="triangle"/>
-            </a:ln>
-          </p:spPr>
-          <p:style>
-            <a:lnRef idx="1">
-              <a:schemeClr val="accent1"/>
-            </a:lnRef>
-            <a:fillRef idx="0">
-              <a:schemeClr val="accent1"/>
-            </a:fillRef>
-            <a:effectRef idx="0">
-              <a:schemeClr val="accent1"/>
-            </a:effectRef>
-            <a:fontRef idx="minor">
-              <a:schemeClr val="tx1"/>
-            </a:fontRef>
-          </p:style>
-        </p:cxnSp>
-        <p:cxnSp>
-          <p:nvCxnSpPr>
-            <p:cNvPr id="113" name="직선 화살표 연결선 112"/>
-            <p:cNvCxnSpPr>
-              <a:stCxn id="106" idx="1"/>
-              <a:endCxn id="111" idx="2"/>
-            </p:cNvCxnSpPr>
-            <p:nvPr/>
-          </p:nvCxnSpPr>
-          <p:spPr>
-            <a:xfrm flipV="1">
-              <a:off x="3427646" y="3502516"/>
-              <a:ext cx="0" cy="199832"/>
-            </a:xfrm>
-            <a:prstGeom prst="straightConnector1">
-              <a:avLst/>
-            </a:prstGeom>
-            <a:ln w="38100">
-              <a:solidFill>
-                <a:schemeClr val="tx1">
-                  <a:lumMod val="50000"/>
-                  <a:lumOff val="50000"/>
-                </a:schemeClr>
-              </a:solidFill>
-              <a:tailEnd type="triangle"/>
-            </a:ln>
-          </p:spPr>
-          <p:style>
-            <a:lnRef idx="1">
-              <a:schemeClr val="accent1"/>
-            </a:lnRef>
-            <a:fillRef idx="0">
-              <a:schemeClr val="accent1"/>
-            </a:fillRef>
-            <a:effectRef idx="0">
-              <a:schemeClr val="accent1"/>
-            </a:effectRef>
-            <a:fontRef idx="minor">
-              <a:schemeClr val="tx1"/>
-            </a:fontRef>
-          </p:style>
-        </p:cxnSp>
-        <p:sp>
-          <p:nvSpPr>
-            <p:cNvPr id="114" name="TextBox 113"/>
-            <p:cNvSpPr txBox="1"/>
-            <p:nvPr/>
-          </p:nvSpPr>
-          <p:spPr>
-            <a:xfrm>
-              <a:off x="3425355" y="2812754"/>
-              <a:ext cx="346570" cy="215444"/>
-            </a:xfrm>
-            <a:prstGeom prst="rect">
-              <a:avLst/>
-            </a:prstGeom>
-            <a:noFill/>
-          </p:spPr>
-          <p:txBody>
-            <a:bodyPr wrap="none" rtlCol="0">
-              <a:spAutoFit/>
-            </a:bodyPr>
-            <a:lstStyle/>
-            <a:p>
-              <a:pPr algn="ctr"/>
-              <a:r>
-                <a:rPr lang="en-US" altLang="ko-KR" sz="800" b="1" dirty="0" smtClean="0"/>
-                <a:t>NO</a:t>
-              </a:r>
-              <a:endParaRPr lang="ko-KR" altLang="en-US" sz="800" b="1" dirty="0"/>
-            </a:p>
-          </p:txBody>
-        </p:sp>
-        <p:cxnSp>
-          <p:nvCxnSpPr>
-            <p:cNvPr id="116" name="꺾인 연결선 115"/>
-            <p:cNvCxnSpPr>
-              <a:stCxn id="111" idx="1"/>
-              <a:endCxn id="122" idx="0"/>
-            </p:cNvCxnSpPr>
-            <p:nvPr/>
-          </p:nvCxnSpPr>
-          <p:spPr>
-            <a:xfrm rot="10800000" flipV="1">
-              <a:off x="2388048" y="3257552"/>
-              <a:ext cx="222380" cy="1622454"/>
-            </a:xfrm>
-            <a:prstGeom prst="bentConnector2">
-              <a:avLst/>
-            </a:prstGeom>
-            <a:ln w="38100">
-              <a:solidFill>
-                <a:schemeClr val="accent4"/>
-              </a:solidFill>
-              <a:tailEnd type="triangle"/>
-            </a:ln>
-          </p:spPr>
-          <p:style>
-            <a:lnRef idx="1">
-              <a:schemeClr val="accent1"/>
-            </a:lnRef>
-            <a:fillRef idx="0">
-              <a:schemeClr val="accent1"/>
-            </a:fillRef>
-            <a:effectRef idx="0">
-              <a:schemeClr val="accent1"/>
-            </a:effectRef>
-            <a:fontRef idx="minor">
-              <a:schemeClr val="tx1"/>
-            </a:fontRef>
-          </p:style>
-        </p:cxnSp>
-        <p:cxnSp>
-          <p:nvCxnSpPr>
-            <p:cNvPr id="117" name="꺾인 연결선 116"/>
-            <p:cNvCxnSpPr>
-              <a:stCxn id="107" idx="3"/>
-              <a:endCxn id="122" idx="0"/>
-            </p:cNvCxnSpPr>
-            <p:nvPr/>
-          </p:nvCxnSpPr>
-          <p:spPr>
-            <a:xfrm>
-              <a:off x="2098210" y="3877551"/>
-              <a:ext cx="289838" cy="1002455"/>
-            </a:xfrm>
-            <a:prstGeom prst="bentConnector2">
-              <a:avLst/>
-            </a:prstGeom>
-            <a:ln w="38100">
-              <a:solidFill>
-                <a:schemeClr val="accent4"/>
-              </a:solidFill>
-              <a:tailEnd type="triangle"/>
-            </a:ln>
-          </p:spPr>
-          <p:style>
-            <a:lnRef idx="1">
-              <a:schemeClr val="accent1"/>
-            </a:lnRef>
-            <a:fillRef idx="0">
-              <a:schemeClr val="accent1"/>
-            </a:fillRef>
-            <a:effectRef idx="0">
-              <a:schemeClr val="accent1"/>
-            </a:effectRef>
-            <a:fontRef idx="minor">
-              <a:schemeClr val="tx1"/>
-            </a:fontRef>
-          </p:style>
-        </p:cxnSp>
-        <p:sp>
-          <p:nvSpPr>
-            <p:cNvPr id="119" name="TextBox 118"/>
-            <p:cNvSpPr txBox="1"/>
-            <p:nvPr/>
-          </p:nvSpPr>
-          <p:spPr>
-            <a:xfrm>
-              <a:off x="2334145" y="3051747"/>
-              <a:ext cx="359394" cy="215444"/>
-            </a:xfrm>
-            <a:prstGeom prst="rect">
-              <a:avLst/>
-            </a:prstGeom>
-            <a:noFill/>
-          </p:spPr>
-          <p:txBody>
-            <a:bodyPr wrap="none" rtlCol="0">
-              <a:spAutoFit/>
-            </a:bodyPr>
-            <a:lstStyle/>
-            <a:p>
-              <a:pPr algn="ctr"/>
-              <a:r>
-                <a:rPr lang="en-US" altLang="ko-KR" sz="800" b="1" dirty="0" smtClean="0"/>
-                <a:t>YES</a:t>
-              </a:r>
-              <a:endParaRPr lang="ko-KR" altLang="en-US" sz="800" b="1" dirty="0"/>
-            </a:p>
-          </p:txBody>
-        </p:sp>
-        <p:sp>
-          <p:nvSpPr>
-            <p:cNvPr id="120" name="TextBox 119"/>
-            <p:cNvSpPr txBox="1"/>
-            <p:nvPr/>
-          </p:nvSpPr>
-          <p:spPr>
-            <a:xfrm>
-              <a:off x="2011570" y="3670142"/>
-              <a:ext cx="359394" cy="215444"/>
-            </a:xfrm>
-            <a:prstGeom prst="rect">
-              <a:avLst/>
-            </a:prstGeom>
-            <a:noFill/>
-          </p:spPr>
-          <p:txBody>
-            <a:bodyPr wrap="none" rtlCol="0">
-              <a:spAutoFit/>
-            </a:bodyPr>
-            <a:lstStyle/>
-            <a:p>
-              <a:pPr algn="ctr"/>
-              <a:r>
-                <a:rPr lang="en-US" altLang="ko-KR" sz="800" b="1" dirty="0" smtClean="0"/>
-                <a:t>YES</a:t>
-              </a:r>
-              <a:endParaRPr lang="ko-KR" altLang="en-US" sz="800" b="1" dirty="0"/>
-            </a:p>
-          </p:txBody>
-        </p:sp>
-        <p:sp>
-          <p:nvSpPr>
-            <p:cNvPr id="122" name="순서도: 처리 121"/>
-            <p:cNvSpPr/>
-            <p:nvPr/>
-          </p:nvSpPr>
-          <p:spPr>
-            <a:xfrm>
-              <a:off x="1807206" y="4880006"/>
-              <a:ext cx="1161682" cy="241249"/>
-            </a:xfrm>
-            <a:prstGeom prst="flowChartProcess">
-              <a:avLst/>
-            </a:prstGeom>
-            <a:noFill/>
-            <a:ln w="38100" cap="flat">
-              <a:solidFill>
-                <a:schemeClr val="tx1">
-                  <a:lumMod val="50000"/>
-                  <a:lumOff val="50000"/>
-                </a:schemeClr>
-              </a:solidFill>
-            </a:ln>
-            <a:effectLst/>
-          </p:spPr>
-          <p:style>
-            <a:lnRef idx="2">
-              <a:schemeClr val="accent1">
-                <a:shade val="50000"/>
-              </a:schemeClr>
-            </a:lnRef>
-            <a:fillRef idx="1">
-              <a:schemeClr val="accent1"/>
-            </a:fillRef>
-            <a:effectRef idx="0">
-              <a:schemeClr val="accent1"/>
-            </a:effectRef>
-            <a:fontRef idx="minor">
-              <a:schemeClr val="lt1"/>
-            </a:fontRef>
-          </p:style>
-          <p:txBody>
-            <a:bodyPr rtlCol="0" anchor="ctr"/>
-            <a:lstStyle/>
-            <a:p>
-              <a:pPr algn="ctr"/>
-              <a:r>
-                <a:rPr lang="en-US" altLang="ko-KR" sz="800" b="1" dirty="0">
-                  <a:solidFill>
-                    <a:schemeClr val="accent6"/>
-                  </a:solidFill>
-                </a:rPr>
-                <a:t>LED</a:t>
-              </a:r>
-              <a:r>
-                <a:rPr lang="en-US" altLang="ko-KR" sz="800" b="1" dirty="0">
-                  <a:solidFill>
-                    <a:schemeClr val="tx1"/>
-                  </a:solidFill>
-                </a:rPr>
-                <a:t> ← </a:t>
-              </a:r>
-              <a:r>
-                <a:rPr lang="en-US" altLang="ko-KR" sz="800" b="1" dirty="0" smtClean="0">
-                  <a:solidFill>
-                    <a:schemeClr val="tx1"/>
-                  </a:solidFill>
-                </a:rPr>
-                <a:t>OFF</a:t>
-              </a:r>
-              <a:endParaRPr lang="en-US" altLang="ko-KR" sz="800" b="1" dirty="0">
+              </a:rPr>
+              <a:t> </a:t>
+            </a:r>
+            <a:r>
+              <a:rPr lang="en-US" altLang="ko-KR" sz="700" b="1" dirty="0">
                 <a:solidFill>
                   <a:schemeClr val="tx1"/>
                 </a:solidFill>
-              </a:endParaRPr>
-            </a:p>
-          </p:txBody>
-        </p:sp>
-        <p:sp>
-          <p:nvSpPr>
-            <p:cNvPr id="127" name="순서도: 처리 126"/>
-            <p:cNvSpPr/>
-            <p:nvPr/>
-          </p:nvSpPr>
-          <p:spPr>
-            <a:xfrm>
-              <a:off x="7745984" y="4410965"/>
-              <a:ext cx="992943" cy="333049"/>
-            </a:xfrm>
-            <a:prstGeom prst="flowChartProcess">
-              <a:avLst/>
-            </a:prstGeom>
-            <a:noFill/>
-            <a:ln w="38100" cap="flat">
-              <a:solidFill>
-                <a:schemeClr val="tx1">
-                  <a:lumMod val="50000"/>
-                  <a:lumOff val="50000"/>
-                </a:schemeClr>
-              </a:solidFill>
-            </a:ln>
-            <a:effectLst/>
-          </p:spPr>
-          <p:style>
-            <a:lnRef idx="2">
-              <a:schemeClr val="accent1">
-                <a:shade val="50000"/>
-              </a:schemeClr>
-            </a:lnRef>
-            <a:fillRef idx="1">
-              <a:schemeClr val="accent1"/>
-            </a:fillRef>
-            <a:effectRef idx="0">
-              <a:schemeClr val="accent1"/>
-            </a:effectRef>
-            <a:fontRef idx="minor">
-              <a:schemeClr val="lt1"/>
-            </a:fontRef>
-          </p:style>
-          <p:txBody>
-            <a:bodyPr rtlCol="0" anchor="ctr"/>
-            <a:lstStyle/>
-            <a:p>
-              <a:pPr algn="ctr"/>
-              <a:r>
-                <a:rPr lang="en-US" altLang="ko-KR" sz="800" b="1" dirty="0" smtClean="0">
-                  <a:solidFill>
-                    <a:schemeClr val="tx1"/>
-                  </a:solidFill>
-                </a:rPr>
-                <a:t>RELAY</a:t>
-              </a:r>
-              <a:r>
-                <a:rPr lang="ko-KR" altLang="en-US" sz="800" b="1" dirty="0" smtClean="0">
-                  <a:solidFill>
-                    <a:schemeClr val="tx1"/>
-                  </a:solidFill>
-                </a:rPr>
-                <a:t> </a:t>
-              </a:r>
-              <a:r>
-                <a:rPr lang="en-US" altLang="ko-KR" sz="800" b="1" dirty="0" smtClean="0">
-                  <a:solidFill>
-                    <a:schemeClr val="tx1"/>
-                  </a:solidFill>
-                </a:rPr>
-                <a:t>← OFF</a:t>
-              </a:r>
-            </a:p>
-          </p:txBody>
-        </p:sp>
-        <p:sp>
-          <p:nvSpPr>
-            <p:cNvPr id="128" name="순서도: 처리 127"/>
-            <p:cNvSpPr/>
-            <p:nvPr/>
-          </p:nvSpPr>
-          <p:spPr>
-            <a:xfrm>
-              <a:off x="5519355" y="2330679"/>
-              <a:ext cx="1161683" cy="489930"/>
-            </a:xfrm>
-            <a:prstGeom prst="flowChartProcess">
-              <a:avLst/>
-            </a:prstGeom>
-            <a:noFill/>
-            <a:ln w="38100" cap="flat">
-              <a:solidFill>
-                <a:schemeClr val="tx1">
-                  <a:lumMod val="50000"/>
-                  <a:lumOff val="50000"/>
-                </a:schemeClr>
-              </a:solidFill>
-            </a:ln>
-            <a:effectLst/>
-          </p:spPr>
-          <p:style>
-            <a:lnRef idx="2">
-              <a:schemeClr val="accent1">
-                <a:shade val="50000"/>
-              </a:schemeClr>
-            </a:lnRef>
-            <a:fillRef idx="1">
-              <a:schemeClr val="accent1"/>
-            </a:fillRef>
-            <a:effectRef idx="0">
-              <a:schemeClr val="accent1"/>
-            </a:effectRef>
-            <a:fontRef idx="minor">
-              <a:schemeClr val="lt1"/>
-            </a:fontRef>
-          </p:style>
-          <p:txBody>
-            <a:bodyPr rtlCol="0" anchor="ctr"/>
-            <a:lstStyle/>
-            <a:p>
-              <a:pPr algn="ctr"/>
-              <a:r>
-                <a:rPr lang="en-US" altLang="ko-KR" sz="800" b="1" dirty="0">
-                  <a:solidFill>
-                    <a:schemeClr val="accent1"/>
-                  </a:solidFill>
-                </a:rPr>
-                <a:t>LED</a:t>
-              </a:r>
-              <a:r>
-                <a:rPr lang="en-US" altLang="ko-KR" sz="800" b="1" dirty="0">
-                  <a:solidFill>
-                    <a:schemeClr val="accent6"/>
-                  </a:solidFill>
-                </a:rPr>
-                <a:t> </a:t>
-              </a:r>
-              <a:r>
-                <a:rPr lang="en-US" altLang="ko-KR" sz="800" b="1" dirty="0" smtClean="0">
-                  <a:solidFill>
-                    <a:schemeClr val="tx1"/>
-                  </a:solidFill>
-                </a:rPr>
-                <a:t>← ON</a:t>
-              </a:r>
-            </a:p>
-            <a:p>
-              <a:pPr algn="ctr"/>
-              <a:r>
-                <a:rPr lang="en-US" altLang="ko-KR" sz="800" b="1" dirty="0" smtClean="0">
-                  <a:solidFill>
-                    <a:schemeClr val="tx1"/>
-                  </a:solidFill>
-                </a:rPr>
-                <a:t>RELAY</a:t>
-              </a:r>
-              <a:r>
-                <a:rPr lang="ko-KR" altLang="en-US" sz="800" b="1" dirty="0" smtClean="0">
-                  <a:solidFill>
-                    <a:schemeClr val="tx1"/>
-                  </a:solidFill>
-                </a:rPr>
-                <a:t> </a:t>
-              </a:r>
-              <a:r>
-                <a:rPr lang="en-US" altLang="ko-KR" sz="800" b="1" dirty="0">
-                  <a:solidFill>
-                    <a:schemeClr val="tx1"/>
-                  </a:solidFill>
-                </a:rPr>
-                <a:t>←</a:t>
-              </a:r>
-              <a:r>
-                <a:rPr lang="ko-KR" altLang="en-US" sz="800" b="1" dirty="0" smtClean="0">
-                  <a:solidFill>
-                    <a:schemeClr val="tx1"/>
-                  </a:solidFill>
-                </a:rPr>
-                <a:t> </a:t>
-              </a:r>
-              <a:r>
-                <a:rPr lang="en-US" altLang="ko-KR" sz="800" b="1" dirty="0" smtClean="0">
-                  <a:solidFill>
-                    <a:schemeClr val="tx1"/>
-                  </a:solidFill>
-                </a:rPr>
-                <a:t>ON</a:t>
-              </a:r>
-            </a:p>
-          </p:txBody>
-        </p:sp>
-        <p:cxnSp>
-          <p:nvCxnSpPr>
-            <p:cNvPr id="130" name="꺾인 연결선 129"/>
-            <p:cNvCxnSpPr>
-              <a:stCxn id="136" idx="1"/>
-              <a:endCxn id="128" idx="1"/>
-            </p:cNvCxnSpPr>
-            <p:nvPr/>
-          </p:nvCxnSpPr>
-          <p:spPr>
-            <a:xfrm rot="10800000" flipH="1">
-              <a:off x="5278582" y="2575644"/>
-              <a:ext cx="240773" cy="2001846"/>
-            </a:xfrm>
-            <a:prstGeom prst="bentConnector3">
-              <a:avLst>
-                <a:gd name="adj1" fmla="val -66941"/>
-              </a:avLst>
-            </a:prstGeom>
-            <a:ln w="38100">
-              <a:solidFill>
-                <a:schemeClr val="tx1">
-                  <a:lumMod val="50000"/>
-                  <a:lumOff val="50000"/>
-                </a:schemeClr>
-              </a:solidFill>
-              <a:tailEnd type="triangle"/>
-            </a:ln>
-          </p:spPr>
-          <p:style>
-            <a:lnRef idx="1">
-              <a:schemeClr val="accent1"/>
-            </a:lnRef>
-            <a:fillRef idx="0">
-              <a:schemeClr val="accent1"/>
-            </a:fillRef>
-            <a:effectRef idx="0">
-              <a:schemeClr val="accent1"/>
-            </a:effectRef>
-            <a:fontRef idx="minor">
-              <a:schemeClr val="tx1"/>
-            </a:fontRef>
-          </p:style>
-        </p:cxnSp>
-        <p:sp>
-          <p:nvSpPr>
-            <p:cNvPr id="131" name="TextBox 130"/>
-            <p:cNvSpPr txBox="1"/>
-            <p:nvPr/>
-          </p:nvSpPr>
-          <p:spPr>
-            <a:xfrm>
-              <a:off x="5099750" y="4313315"/>
-              <a:ext cx="346570" cy="215444"/>
-            </a:xfrm>
-            <a:prstGeom prst="rect">
-              <a:avLst/>
-            </a:prstGeom>
-            <a:noFill/>
-          </p:spPr>
-          <p:txBody>
-            <a:bodyPr wrap="none" rtlCol="0">
-              <a:spAutoFit/>
-            </a:bodyPr>
-            <a:lstStyle/>
-            <a:p>
-              <a:pPr algn="ctr"/>
-              <a:r>
-                <a:rPr lang="en-US" altLang="ko-KR" sz="800" b="1" dirty="0" smtClean="0"/>
-                <a:t>NO</a:t>
-              </a:r>
-              <a:endParaRPr lang="ko-KR" altLang="en-US" sz="800" b="1" dirty="0"/>
-            </a:p>
-          </p:txBody>
-        </p:sp>
-        <p:sp>
-          <p:nvSpPr>
-            <p:cNvPr id="132" name="순서도: 데이터 131"/>
-            <p:cNvSpPr/>
-            <p:nvPr/>
-          </p:nvSpPr>
-          <p:spPr>
-            <a:xfrm>
-              <a:off x="5373448" y="3018588"/>
-              <a:ext cx="1444704" cy="420167"/>
-            </a:xfrm>
-            <a:prstGeom prst="flowChartInputOutput">
-              <a:avLst/>
-            </a:prstGeom>
-            <a:noFill/>
-            <a:ln w="38100" cap="flat">
-              <a:solidFill>
-                <a:schemeClr val="tx1">
-                  <a:lumMod val="50000"/>
-                  <a:lumOff val="50000"/>
-                </a:schemeClr>
-              </a:solidFill>
-            </a:ln>
-            <a:effectLst/>
-          </p:spPr>
-          <p:style>
-            <a:lnRef idx="2">
-              <a:schemeClr val="accent1">
-                <a:shade val="50000"/>
-              </a:schemeClr>
-            </a:lnRef>
-            <a:fillRef idx="1">
-              <a:schemeClr val="accent1"/>
-            </a:fillRef>
-            <a:effectRef idx="0">
-              <a:schemeClr val="accent1"/>
-            </a:effectRef>
-            <a:fontRef idx="minor">
-              <a:schemeClr val="lt1"/>
-            </a:fontRef>
-          </p:style>
-          <p:txBody>
-            <a:bodyPr rtlCol="0" anchor="ctr"/>
-            <a:lstStyle/>
-            <a:p>
-              <a:pPr algn="ctr"/>
-              <a:r>
-                <a:rPr lang="en-US" altLang="ko-KR" sz="800" b="1" dirty="0" smtClean="0">
-                  <a:solidFill>
-                    <a:schemeClr val="tx1"/>
-                  </a:solidFill>
-                </a:rPr>
-                <a:t>INPUT BUTTON</a:t>
-              </a:r>
-            </a:p>
-            <a:p>
-              <a:pPr algn="ctr"/>
-              <a:r>
-                <a:rPr lang="en-US" altLang="ko-KR" sz="800" b="1" dirty="0" smtClean="0">
-                  <a:solidFill>
-                    <a:schemeClr val="tx1"/>
-                  </a:solidFill>
-                </a:rPr>
-                <a:t>READ TEMP</a:t>
-              </a:r>
-              <a:endParaRPr lang="ko-KR" altLang="en-US" sz="800" b="1" dirty="0">
+              </a:rPr>
+              <a:t>←</a:t>
+            </a:r>
+            <a:r>
+              <a:rPr lang="ko-KR" altLang="en-US" sz="700" b="1" dirty="0">
                 <a:solidFill>
                   <a:schemeClr val="tx1"/>
                 </a:solidFill>
-              </a:endParaRPr>
-            </a:p>
-          </p:txBody>
-        </p:sp>
-        <p:cxnSp>
-          <p:nvCxnSpPr>
-            <p:cNvPr id="133" name="직선 화살표 연결선 132"/>
-            <p:cNvCxnSpPr>
-              <a:stCxn id="136" idx="3"/>
-              <a:endCxn id="127" idx="1"/>
-            </p:cNvCxnSpPr>
-            <p:nvPr/>
-          </p:nvCxnSpPr>
-          <p:spPr>
-            <a:xfrm>
-              <a:off x="6913019" y="4577489"/>
-              <a:ext cx="832965" cy="1"/>
-            </a:xfrm>
-            <a:prstGeom prst="straightConnector1">
-              <a:avLst/>
-            </a:prstGeom>
-            <a:ln w="38100">
-              <a:solidFill>
-                <a:schemeClr val="tx1">
-                  <a:lumMod val="50000"/>
-                  <a:lumOff val="50000"/>
-                </a:schemeClr>
-              </a:solidFill>
-              <a:tailEnd type="triangle"/>
-            </a:ln>
-          </p:spPr>
-          <p:style>
-            <a:lnRef idx="1">
-              <a:schemeClr val="accent1"/>
-            </a:lnRef>
-            <a:fillRef idx="0">
-              <a:schemeClr val="accent1"/>
-            </a:fillRef>
-            <a:effectRef idx="0">
-              <a:schemeClr val="accent1"/>
-            </a:effectRef>
-            <a:fontRef idx="minor">
-              <a:schemeClr val="tx1"/>
-            </a:fontRef>
-          </p:style>
-        </p:cxnSp>
-        <p:cxnSp>
-          <p:nvCxnSpPr>
-            <p:cNvPr id="134" name="직선 화살표 연결선 133"/>
-            <p:cNvCxnSpPr>
-              <a:stCxn id="127" idx="0"/>
-              <a:endCxn id="143" idx="4"/>
-            </p:cNvCxnSpPr>
-            <p:nvPr/>
-          </p:nvCxnSpPr>
-          <p:spPr>
-            <a:xfrm flipV="1">
-              <a:off x="8242455" y="4128517"/>
-              <a:ext cx="0" cy="282448"/>
-            </a:xfrm>
-            <a:prstGeom prst="straightConnector1">
-              <a:avLst/>
-            </a:prstGeom>
-            <a:ln w="38100">
-              <a:solidFill>
-                <a:schemeClr val="tx1">
-                  <a:lumMod val="50000"/>
-                  <a:lumOff val="50000"/>
-                </a:schemeClr>
-              </a:solidFill>
-              <a:tailEnd type="triangle"/>
-            </a:ln>
-          </p:spPr>
-          <p:style>
-            <a:lnRef idx="1">
-              <a:schemeClr val="accent1"/>
-            </a:lnRef>
-            <a:fillRef idx="0">
-              <a:schemeClr val="accent1"/>
-            </a:fillRef>
-            <a:effectRef idx="0">
-              <a:schemeClr val="accent1"/>
-            </a:effectRef>
-            <a:fontRef idx="minor">
-              <a:schemeClr val="tx1"/>
-            </a:fontRef>
-          </p:style>
-        </p:cxnSp>
-        <p:sp>
-          <p:nvSpPr>
-            <p:cNvPr id="135" name="순서도: 판단 134"/>
-            <p:cNvSpPr/>
-            <p:nvPr/>
-          </p:nvSpPr>
-          <p:spPr>
-            <a:xfrm>
-              <a:off x="7425237" y="2330679"/>
-              <a:ext cx="1634437" cy="489930"/>
-            </a:xfrm>
-            <a:prstGeom prst="flowChartDecision">
-              <a:avLst/>
-            </a:prstGeom>
-            <a:noFill/>
-            <a:ln w="38100" cap="flat">
-              <a:solidFill>
-                <a:schemeClr val="tx1">
-                  <a:lumMod val="50000"/>
-                  <a:lumOff val="50000"/>
-                </a:schemeClr>
-              </a:solidFill>
-            </a:ln>
-            <a:effectLst/>
-          </p:spPr>
-          <p:style>
-            <a:lnRef idx="2">
-              <a:schemeClr val="accent1">
-                <a:shade val="50000"/>
-              </a:schemeClr>
-            </a:lnRef>
-            <a:fillRef idx="1">
-              <a:schemeClr val="accent1"/>
-            </a:fillRef>
-            <a:effectRef idx="0">
-              <a:schemeClr val="accent1"/>
-            </a:effectRef>
-            <a:fontRef idx="minor">
-              <a:schemeClr val="lt1"/>
-            </a:fontRef>
-          </p:style>
-          <p:txBody>
-            <a:bodyPr rtlCol="0" anchor="ctr"/>
-            <a:lstStyle/>
-            <a:p>
-              <a:pPr algn="ctr"/>
-              <a:r>
-                <a:rPr lang="en-US" altLang="ko-KR" sz="800" b="1" dirty="0" smtClean="0">
-                  <a:solidFill>
-                    <a:schemeClr val="tx1"/>
-                  </a:solidFill>
-                </a:rPr>
-                <a:t>TEMP</a:t>
-              </a:r>
-              <a:r>
-                <a:rPr lang="ko-KR" altLang="en-US" sz="800" b="1" dirty="0" smtClean="0">
-                  <a:solidFill>
-                    <a:schemeClr val="tx1"/>
-                  </a:solidFill>
-                </a:rPr>
-                <a:t> </a:t>
-              </a:r>
-              <a:r>
-                <a:rPr lang="en-US" altLang="ko-KR" sz="800" b="1" dirty="0">
-                  <a:solidFill>
-                    <a:schemeClr val="tx1"/>
-                  </a:solidFill>
-                </a:rPr>
-                <a:t>&lt;</a:t>
-              </a:r>
-              <a:r>
-                <a:rPr lang="en-US" altLang="ko-KR" sz="800" b="1" dirty="0" smtClean="0">
-                  <a:solidFill>
-                    <a:schemeClr val="tx1"/>
-                  </a:solidFill>
-                </a:rPr>
-                <a:t> </a:t>
-              </a:r>
-            </a:p>
-            <a:p>
-              <a:pPr algn="ctr"/>
-              <a:r>
-                <a:rPr lang="en-US" altLang="ko-KR" sz="800" b="1" dirty="0" smtClean="0">
-                  <a:solidFill>
-                    <a:schemeClr val="tx1"/>
-                  </a:solidFill>
-                </a:rPr>
-                <a:t>ACCEPTABLE</a:t>
-              </a:r>
-              <a:endParaRPr lang="ko-KR" altLang="en-US" sz="800" b="1" dirty="0">
+              </a:rPr>
+              <a:t> </a:t>
+            </a:r>
+            <a:r>
+              <a:rPr lang="en-US" altLang="ko-KR" sz="700" b="1" dirty="0">
                 <a:solidFill>
                   <a:schemeClr val="tx1"/>
                 </a:solidFill>
-              </a:endParaRPr>
-            </a:p>
-          </p:txBody>
-        </p:sp>
-        <p:sp>
-          <p:nvSpPr>
-            <p:cNvPr id="136" name="순서도: 판단 135"/>
-            <p:cNvSpPr/>
-            <p:nvPr/>
-          </p:nvSpPr>
-          <p:spPr>
-            <a:xfrm>
-              <a:off x="5278582" y="4332524"/>
-              <a:ext cx="1634437" cy="489930"/>
-            </a:xfrm>
-            <a:prstGeom prst="flowChartDecision">
-              <a:avLst/>
-            </a:prstGeom>
-            <a:noFill/>
-            <a:ln w="38100" cap="flat">
-              <a:solidFill>
-                <a:schemeClr val="tx1">
-                  <a:lumMod val="50000"/>
-                  <a:lumOff val="50000"/>
-                </a:schemeClr>
-              </a:solidFill>
-            </a:ln>
-            <a:effectLst/>
-          </p:spPr>
-          <p:style>
-            <a:lnRef idx="2">
-              <a:schemeClr val="accent1">
-                <a:shade val="50000"/>
+              </a:rPr>
+              <a:t>ON</a:t>
+            </a:r>
+          </a:p>
+        </p:txBody>
+      </p:sp>
+      <p:cxnSp>
+        <p:nvCxnSpPr>
+          <p:cNvPr id="91" name="직선 화살표 연결선 90"/>
+          <p:cNvCxnSpPr>
+            <a:stCxn id="89" idx="2"/>
+            <a:endCxn id="90" idx="0"/>
+          </p:cNvCxnSpPr>
+          <p:nvPr/>
+        </p:nvCxnSpPr>
+        <p:spPr>
+          <a:xfrm>
+            <a:off x="1285388" y="2126697"/>
+            <a:ext cx="0" cy="197980"/>
+          </a:xfrm>
+          <a:prstGeom prst="straightConnector1">
+            <a:avLst/>
+          </a:prstGeom>
+          <a:ln w="38100">
+            <a:solidFill>
+              <a:schemeClr val="tx1">
+                <a:lumMod val="50000"/>
+                <a:lumOff val="50000"/>
               </a:schemeClr>
-            </a:lnRef>
-            <a:fillRef idx="1">
-              <a:schemeClr val="accent1"/>
-            </a:fillRef>
-            <a:effectRef idx="0">
-              <a:schemeClr val="accent1"/>
-            </a:effectRef>
-            <a:fontRef idx="minor">
-              <a:schemeClr val="lt1"/>
-            </a:fontRef>
-          </p:style>
-          <p:txBody>
-            <a:bodyPr rtlCol="0" anchor="ctr"/>
-            <a:lstStyle/>
-            <a:p>
-              <a:pPr algn="ctr"/>
-              <a:r>
-                <a:rPr lang="en-US" altLang="ko-KR" sz="800" b="1" dirty="0" smtClean="0">
-                  <a:solidFill>
-                    <a:schemeClr val="tx1"/>
-                  </a:solidFill>
-                </a:rPr>
-                <a:t>TEMP</a:t>
-              </a:r>
-              <a:r>
-                <a:rPr lang="ko-KR" altLang="en-US" sz="800" b="1" dirty="0" smtClean="0">
-                  <a:solidFill>
-                    <a:schemeClr val="tx1"/>
-                  </a:solidFill>
-                </a:rPr>
-                <a:t> </a:t>
-              </a:r>
-              <a:r>
-                <a:rPr lang="en-US" altLang="ko-KR" sz="800" b="1" dirty="0" smtClean="0">
-                  <a:solidFill>
-                    <a:schemeClr val="tx1"/>
-                  </a:solidFill>
-                </a:rPr>
-                <a:t>&gt; </a:t>
-              </a:r>
-            </a:p>
-            <a:p>
-              <a:pPr algn="ctr"/>
-              <a:r>
-                <a:rPr lang="en-US" altLang="ko-KR" sz="800" b="1" dirty="0" smtClean="0">
-                  <a:solidFill>
-                    <a:schemeClr val="tx1"/>
-                  </a:solidFill>
-                </a:rPr>
-                <a:t>DANGEROUS</a:t>
-              </a:r>
-              <a:endParaRPr lang="ko-KR" altLang="en-US" sz="800" b="1" dirty="0">
+            </a:solidFill>
+            <a:tailEnd type="triangle"/>
+          </a:ln>
+        </p:spPr>
+        <p:style>
+          <a:lnRef idx="1">
+            <a:schemeClr val="accent1"/>
+          </a:lnRef>
+          <a:fillRef idx="0">
+            <a:schemeClr val="accent1"/>
+          </a:fillRef>
+          <a:effectRef idx="0">
+            <a:schemeClr val="accent1"/>
+          </a:effectRef>
+          <a:fontRef idx="minor">
+            <a:schemeClr val="tx1"/>
+          </a:fontRef>
+        </p:style>
+      </p:cxnSp>
+      <p:cxnSp>
+        <p:nvCxnSpPr>
+          <p:cNvPr id="93" name="꺾인 연결선 92"/>
+          <p:cNvCxnSpPr>
+            <a:stCxn id="99" idx="1"/>
+            <a:endCxn id="90" idx="1"/>
+          </p:cNvCxnSpPr>
+          <p:nvPr/>
+        </p:nvCxnSpPr>
+        <p:spPr>
+          <a:xfrm rot="10800000" flipH="1">
+            <a:off x="463774" y="2569643"/>
+            <a:ext cx="240773" cy="2001845"/>
+          </a:xfrm>
+          <a:prstGeom prst="bentConnector3">
+            <a:avLst>
+              <a:gd name="adj1" fmla="val -66941"/>
+            </a:avLst>
+          </a:prstGeom>
+          <a:ln w="38100">
+            <a:solidFill>
+              <a:schemeClr val="tx1">
+                <a:lumMod val="50000"/>
+                <a:lumOff val="50000"/>
+              </a:schemeClr>
+            </a:solidFill>
+            <a:tailEnd type="triangle"/>
+          </a:ln>
+        </p:spPr>
+        <p:style>
+          <a:lnRef idx="1">
+            <a:schemeClr val="accent1"/>
+          </a:lnRef>
+          <a:fillRef idx="0">
+            <a:schemeClr val="accent1"/>
+          </a:fillRef>
+          <a:effectRef idx="0">
+            <a:schemeClr val="accent1"/>
+          </a:effectRef>
+          <a:fontRef idx="minor">
+            <a:schemeClr val="tx1"/>
+          </a:fontRef>
+        </p:style>
+      </p:cxnSp>
+      <p:sp>
+        <p:nvSpPr>
+          <p:cNvPr id="94" name="TextBox 93"/>
+          <p:cNvSpPr txBox="1"/>
+          <p:nvPr/>
+        </p:nvSpPr>
+        <p:spPr>
+          <a:xfrm>
+            <a:off x="295362" y="4307314"/>
+            <a:ext cx="325730" cy="200055"/>
+          </a:xfrm>
+          <a:prstGeom prst="rect">
+            <a:avLst/>
+          </a:prstGeom>
+          <a:noFill/>
+        </p:spPr>
+        <p:txBody>
+          <a:bodyPr wrap="none" rtlCol="0">
+            <a:spAutoFit/>
+          </a:bodyPr>
+          <a:lstStyle/>
+          <a:p>
+            <a:pPr algn="ctr"/>
+            <a:r>
+              <a:rPr lang="en-US" altLang="ko-KR" sz="700" b="1" dirty="0" smtClean="0"/>
+              <a:t>NO</a:t>
+            </a:r>
+            <a:endParaRPr lang="ko-KR" altLang="en-US" sz="700" b="1" dirty="0"/>
+          </a:p>
+        </p:txBody>
+      </p:sp>
+      <p:sp>
+        <p:nvSpPr>
+          <p:cNvPr id="95" name="순서도: 데이터 94"/>
+          <p:cNvSpPr/>
+          <p:nvPr/>
+        </p:nvSpPr>
+        <p:spPr>
+          <a:xfrm>
+            <a:off x="558640" y="3012587"/>
+            <a:ext cx="1444704" cy="420167"/>
+          </a:xfrm>
+          <a:prstGeom prst="flowChartInputOutput">
+            <a:avLst/>
+          </a:prstGeom>
+          <a:noFill/>
+          <a:ln w="38100" cap="flat">
+            <a:solidFill>
+              <a:schemeClr val="tx1">
+                <a:lumMod val="50000"/>
+                <a:lumOff val="50000"/>
+              </a:schemeClr>
+            </a:solidFill>
+          </a:ln>
+          <a:effectLst/>
+        </p:spPr>
+        <p:style>
+          <a:lnRef idx="2">
+            <a:schemeClr val="accent1">
+              <a:shade val="50000"/>
+            </a:schemeClr>
+          </a:lnRef>
+          <a:fillRef idx="1">
+            <a:schemeClr val="accent1"/>
+          </a:fillRef>
+          <a:effectRef idx="0">
+            <a:schemeClr val="accent1"/>
+          </a:effectRef>
+          <a:fontRef idx="minor">
+            <a:schemeClr val="lt1"/>
+          </a:fontRef>
+        </p:style>
+        <p:txBody>
+          <a:bodyPr rtlCol="0" anchor="ctr"/>
+          <a:lstStyle/>
+          <a:p>
+            <a:pPr algn="ctr"/>
+            <a:r>
+              <a:rPr lang="en-US" altLang="ko-KR" sz="700" b="1" dirty="0" smtClean="0">
                 <a:solidFill>
                   <a:schemeClr val="tx1"/>
                 </a:solidFill>
-              </a:endParaRPr>
-            </a:p>
-          </p:txBody>
-        </p:sp>
-        <p:cxnSp>
-          <p:nvCxnSpPr>
-            <p:cNvPr id="137" name="직선 화살표 연결선 136"/>
-            <p:cNvCxnSpPr>
-              <a:stCxn id="135" idx="1"/>
-              <a:endCxn id="128" idx="3"/>
-            </p:cNvCxnSpPr>
-            <p:nvPr/>
-          </p:nvCxnSpPr>
-          <p:spPr>
-            <a:xfrm flipH="1">
-              <a:off x="6681037" y="2575643"/>
-              <a:ext cx="744200" cy="0"/>
-            </a:xfrm>
-            <a:prstGeom prst="straightConnector1">
-              <a:avLst/>
-            </a:prstGeom>
-            <a:ln w="38100">
-              <a:solidFill>
-                <a:schemeClr val="tx1">
-                  <a:lumMod val="50000"/>
-                  <a:lumOff val="50000"/>
-                </a:schemeClr>
-              </a:solidFill>
-              <a:tailEnd type="triangle"/>
-            </a:ln>
-          </p:spPr>
-          <p:style>
-            <a:lnRef idx="1">
-              <a:schemeClr val="accent1"/>
-            </a:lnRef>
-            <a:fillRef idx="0">
-              <a:schemeClr val="accent1"/>
-            </a:fillRef>
-            <a:effectRef idx="0">
-              <a:schemeClr val="accent1"/>
-            </a:effectRef>
-            <a:fontRef idx="minor">
-              <a:schemeClr val="tx1"/>
-            </a:fontRef>
-          </p:style>
-        </p:cxnSp>
-        <p:sp>
-          <p:nvSpPr>
-            <p:cNvPr id="138" name="TextBox 137"/>
-            <p:cNvSpPr txBox="1"/>
-            <p:nvPr/>
-          </p:nvSpPr>
-          <p:spPr>
-            <a:xfrm>
-              <a:off x="7149805" y="2371636"/>
-              <a:ext cx="359394" cy="215444"/>
-            </a:xfrm>
-            <a:prstGeom prst="rect">
-              <a:avLst/>
-            </a:prstGeom>
-            <a:noFill/>
-          </p:spPr>
-          <p:txBody>
-            <a:bodyPr wrap="none" rtlCol="0">
-              <a:spAutoFit/>
-            </a:bodyPr>
-            <a:lstStyle/>
-            <a:p>
-              <a:pPr algn="ctr"/>
-              <a:r>
-                <a:rPr lang="en-US" altLang="ko-KR" sz="800" b="1" dirty="0" smtClean="0"/>
-                <a:t>YES</a:t>
-              </a:r>
-              <a:endParaRPr lang="ko-KR" altLang="en-US" sz="800" b="1" dirty="0"/>
-            </a:p>
-          </p:txBody>
-        </p:sp>
-        <p:cxnSp>
-          <p:nvCxnSpPr>
-            <p:cNvPr id="139" name="꺾인 연결선 138"/>
-            <p:cNvCxnSpPr>
-              <a:stCxn id="135" idx="3"/>
-              <a:endCxn id="127" idx="3"/>
-            </p:cNvCxnSpPr>
-            <p:nvPr/>
-          </p:nvCxnSpPr>
-          <p:spPr>
-            <a:xfrm flipH="1">
-              <a:off x="8738927" y="2575643"/>
-              <a:ext cx="320747" cy="2001847"/>
-            </a:xfrm>
-            <a:prstGeom prst="bentConnector3">
-              <a:avLst>
-                <a:gd name="adj1" fmla="val -50250"/>
-              </a:avLst>
-            </a:prstGeom>
-            <a:ln w="38100">
-              <a:solidFill>
-                <a:schemeClr val="tx1">
-                  <a:lumMod val="50000"/>
-                  <a:lumOff val="50000"/>
-                </a:schemeClr>
-              </a:solidFill>
-              <a:tailEnd type="triangle"/>
-            </a:ln>
-          </p:spPr>
-          <p:style>
-            <a:lnRef idx="1">
-              <a:schemeClr val="accent1"/>
-            </a:lnRef>
-            <a:fillRef idx="0">
-              <a:schemeClr val="accent1"/>
-            </a:fillRef>
-            <a:effectRef idx="0">
-              <a:schemeClr val="accent1"/>
-            </a:effectRef>
-            <a:fontRef idx="minor">
-              <a:schemeClr val="tx1"/>
-            </a:fontRef>
-          </p:style>
-        </p:cxnSp>
-        <p:sp>
-          <p:nvSpPr>
-            <p:cNvPr id="140" name="TextBox 139"/>
-            <p:cNvSpPr txBox="1"/>
-            <p:nvPr/>
-          </p:nvSpPr>
-          <p:spPr>
-            <a:xfrm>
-              <a:off x="8963383" y="2377015"/>
-              <a:ext cx="346570" cy="215444"/>
-            </a:xfrm>
-            <a:prstGeom prst="rect">
-              <a:avLst/>
-            </a:prstGeom>
-            <a:noFill/>
-          </p:spPr>
-          <p:txBody>
-            <a:bodyPr wrap="none" rtlCol="0">
-              <a:spAutoFit/>
-            </a:bodyPr>
-            <a:lstStyle/>
-            <a:p>
-              <a:pPr algn="ctr"/>
-              <a:r>
-                <a:rPr lang="en-US" altLang="ko-KR" sz="800" b="1" dirty="0" smtClean="0"/>
-                <a:t>NO</a:t>
-              </a:r>
-              <a:endParaRPr lang="ko-KR" altLang="en-US" sz="800" b="1" dirty="0"/>
-            </a:p>
-          </p:txBody>
-        </p:sp>
-        <p:sp>
-          <p:nvSpPr>
-            <p:cNvPr id="141" name="TextBox 140"/>
-            <p:cNvSpPr txBox="1"/>
-            <p:nvPr/>
-          </p:nvSpPr>
-          <p:spPr>
-            <a:xfrm>
-              <a:off x="6851906" y="4373482"/>
-              <a:ext cx="359394" cy="215444"/>
-            </a:xfrm>
-            <a:prstGeom prst="rect">
-              <a:avLst/>
-            </a:prstGeom>
-            <a:noFill/>
-          </p:spPr>
-          <p:txBody>
-            <a:bodyPr wrap="none" rtlCol="0">
-              <a:spAutoFit/>
-            </a:bodyPr>
-            <a:lstStyle/>
-            <a:p>
-              <a:pPr algn="ctr"/>
-              <a:r>
-                <a:rPr lang="en-US" altLang="ko-KR" sz="800" b="1" dirty="0" smtClean="0"/>
-                <a:t>YES</a:t>
-              </a:r>
-              <a:endParaRPr lang="ko-KR" altLang="en-US" sz="800" b="1" dirty="0"/>
-            </a:p>
-          </p:txBody>
-        </p:sp>
-        <p:cxnSp>
-          <p:nvCxnSpPr>
-            <p:cNvPr id="142" name="직선 화살표 연결선 141"/>
-            <p:cNvCxnSpPr>
-              <a:stCxn id="128" idx="2"/>
-              <a:endCxn id="132" idx="1"/>
-            </p:cNvCxnSpPr>
-            <p:nvPr/>
-          </p:nvCxnSpPr>
-          <p:spPr>
-            <a:xfrm flipH="1">
-              <a:off x="6095800" y="2820608"/>
-              <a:ext cx="4396" cy="197980"/>
-            </a:xfrm>
-            <a:prstGeom prst="straightConnector1">
-              <a:avLst/>
-            </a:prstGeom>
-            <a:ln w="38100">
-              <a:solidFill>
-                <a:schemeClr val="tx1">
-                  <a:lumMod val="50000"/>
-                  <a:lumOff val="50000"/>
-                </a:schemeClr>
-              </a:solidFill>
-              <a:tailEnd type="triangle"/>
-            </a:ln>
-          </p:spPr>
-          <p:style>
-            <a:lnRef idx="1">
-              <a:schemeClr val="accent1"/>
-            </a:lnRef>
-            <a:fillRef idx="0">
-              <a:schemeClr val="accent1"/>
-            </a:fillRef>
-            <a:effectRef idx="0">
-              <a:schemeClr val="accent1"/>
-            </a:effectRef>
-            <a:fontRef idx="minor">
-              <a:schemeClr val="tx1"/>
-            </a:fontRef>
-          </p:style>
-        </p:cxnSp>
-        <p:sp>
-          <p:nvSpPr>
-            <p:cNvPr id="143" name="순서도: 데이터 142"/>
-            <p:cNvSpPr/>
-            <p:nvPr/>
-          </p:nvSpPr>
-          <p:spPr>
-            <a:xfrm>
-              <a:off x="7520103" y="3708350"/>
-              <a:ext cx="1444704" cy="420167"/>
-            </a:xfrm>
-            <a:prstGeom prst="flowChartInputOutput">
-              <a:avLst/>
-            </a:prstGeom>
-            <a:noFill/>
-            <a:ln w="38100" cap="flat">
-              <a:solidFill>
-                <a:schemeClr val="tx1">
-                  <a:lumMod val="50000"/>
-                  <a:lumOff val="50000"/>
-                </a:schemeClr>
-              </a:solidFill>
-            </a:ln>
-            <a:effectLst/>
-          </p:spPr>
-          <p:style>
-            <a:lnRef idx="2">
-              <a:schemeClr val="accent1">
-                <a:shade val="50000"/>
-              </a:schemeClr>
-            </a:lnRef>
-            <a:fillRef idx="1">
-              <a:schemeClr val="accent1"/>
-            </a:fillRef>
-            <a:effectRef idx="0">
-              <a:schemeClr val="accent1"/>
-            </a:effectRef>
-            <a:fontRef idx="minor">
-              <a:schemeClr val="lt1"/>
-            </a:fontRef>
-          </p:style>
-          <p:txBody>
-            <a:bodyPr rtlCol="0" anchor="ctr"/>
-            <a:lstStyle/>
-            <a:p>
-              <a:pPr algn="ctr"/>
-              <a:r>
-                <a:rPr lang="en-US" altLang="ko-KR" sz="800" b="1" dirty="0" smtClean="0">
-                  <a:solidFill>
-                    <a:schemeClr val="tx1"/>
-                  </a:solidFill>
-                </a:rPr>
-                <a:t>INPUT BUTTON</a:t>
-              </a:r>
-            </a:p>
-            <a:p>
-              <a:pPr algn="ctr"/>
-              <a:r>
-                <a:rPr lang="en-US" altLang="ko-KR" sz="800" b="1" dirty="0" smtClean="0">
-                  <a:solidFill>
-                    <a:schemeClr val="tx1"/>
-                  </a:solidFill>
-                </a:rPr>
-                <a:t>READ TEMP</a:t>
-              </a:r>
-              <a:endParaRPr lang="ko-KR" altLang="en-US" sz="800" b="1" dirty="0">
+              </a:rPr>
+              <a:t>INPUT BUTTON</a:t>
+            </a:r>
+          </a:p>
+          <a:p>
+            <a:pPr algn="ctr"/>
+            <a:r>
+              <a:rPr lang="en-US" altLang="ko-KR" sz="700" b="1" dirty="0" smtClean="0">
                 <a:solidFill>
                   <a:schemeClr val="tx1"/>
                 </a:solidFill>
-              </a:endParaRPr>
-            </a:p>
-          </p:txBody>
-        </p:sp>
-        <p:sp>
-          <p:nvSpPr>
-            <p:cNvPr id="144" name="순서도: 판단 143"/>
-            <p:cNvSpPr/>
-            <p:nvPr/>
-          </p:nvSpPr>
-          <p:spPr>
-            <a:xfrm>
-              <a:off x="5278582" y="3638587"/>
-              <a:ext cx="1634437" cy="489930"/>
-            </a:xfrm>
-            <a:prstGeom prst="flowChartDecision">
-              <a:avLst/>
-            </a:prstGeom>
-            <a:noFill/>
-            <a:ln w="38100" cap="flat">
-              <a:solidFill>
-                <a:schemeClr val="tx1">
-                  <a:lumMod val="50000"/>
-                  <a:lumOff val="50000"/>
-                </a:schemeClr>
-              </a:solidFill>
-            </a:ln>
-            <a:effectLst/>
-          </p:spPr>
-          <p:style>
-            <a:lnRef idx="2">
-              <a:schemeClr val="accent1">
-                <a:shade val="50000"/>
+              </a:rPr>
+              <a:t>READ TEMP</a:t>
+            </a:r>
+            <a:endParaRPr lang="ko-KR" altLang="en-US" sz="700" b="1" dirty="0">
+              <a:solidFill>
+                <a:schemeClr val="tx1"/>
+              </a:solidFill>
+            </a:endParaRPr>
+          </a:p>
+        </p:txBody>
+      </p:sp>
+      <p:cxnSp>
+        <p:nvCxnSpPr>
+          <p:cNvPr id="96" name="직선 화살표 연결선 95"/>
+          <p:cNvCxnSpPr>
+            <a:stCxn id="99" idx="3"/>
+            <a:endCxn id="84" idx="1"/>
+          </p:cNvCxnSpPr>
+          <p:nvPr/>
+        </p:nvCxnSpPr>
+        <p:spPr>
+          <a:xfrm>
+            <a:off x="2098210" y="4571488"/>
+            <a:ext cx="832965" cy="1"/>
+          </a:xfrm>
+          <a:prstGeom prst="straightConnector1">
+            <a:avLst/>
+          </a:prstGeom>
+          <a:ln w="38100">
+            <a:solidFill>
+              <a:schemeClr val="tx1">
+                <a:lumMod val="50000"/>
+                <a:lumOff val="50000"/>
               </a:schemeClr>
-            </a:lnRef>
-            <a:fillRef idx="1">
-              <a:schemeClr val="accent1"/>
-            </a:fillRef>
-            <a:effectRef idx="0">
-              <a:schemeClr val="accent1"/>
-            </a:effectRef>
-            <a:fontRef idx="minor">
-              <a:schemeClr val="lt1"/>
-            </a:fontRef>
-          </p:style>
-          <p:txBody>
-            <a:bodyPr rtlCol="0" anchor="ctr"/>
-            <a:lstStyle/>
-            <a:p>
-              <a:pPr algn="ctr"/>
-              <a:r>
-                <a:rPr lang="en-US" altLang="ko-KR" sz="800" b="1" dirty="0" smtClean="0">
-                  <a:solidFill>
-                    <a:schemeClr val="tx1"/>
-                  </a:solidFill>
-                </a:rPr>
-                <a:t>BUTTON</a:t>
-              </a:r>
-              <a:r>
-                <a:rPr lang="ko-KR" altLang="en-US" sz="800" b="1" dirty="0" smtClean="0">
-                  <a:solidFill>
-                    <a:schemeClr val="tx1"/>
-                  </a:solidFill>
-                </a:rPr>
-                <a:t> </a:t>
-              </a:r>
-              <a:r>
-                <a:rPr lang="en-US" altLang="ko-KR" sz="800" b="1" dirty="0" smtClean="0">
-                  <a:solidFill>
-                    <a:schemeClr val="tx1"/>
-                  </a:solidFill>
-                </a:rPr>
-                <a:t>==</a:t>
-              </a:r>
-            </a:p>
-            <a:p>
-              <a:pPr algn="ctr"/>
-              <a:r>
-                <a:rPr lang="en-US" altLang="ko-KR" sz="800" b="1" dirty="0" smtClean="0">
-                  <a:solidFill>
-                    <a:schemeClr val="tx1"/>
-                  </a:solidFill>
-                </a:rPr>
-                <a:t>PRESSED</a:t>
-              </a:r>
-              <a:endParaRPr lang="ko-KR" altLang="en-US" sz="800" b="1" dirty="0">
+            </a:solidFill>
+            <a:tailEnd type="triangle"/>
+          </a:ln>
+        </p:spPr>
+        <p:style>
+          <a:lnRef idx="1">
+            <a:schemeClr val="accent1"/>
+          </a:lnRef>
+          <a:fillRef idx="0">
+            <a:schemeClr val="accent1"/>
+          </a:fillRef>
+          <a:effectRef idx="0">
+            <a:schemeClr val="accent1"/>
+          </a:effectRef>
+          <a:fontRef idx="minor">
+            <a:schemeClr val="tx1"/>
+          </a:fontRef>
+        </p:style>
+      </p:cxnSp>
+      <p:cxnSp>
+        <p:nvCxnSpPr>
+          <p:cNvPr id="97" name="직선 화살표 연결선 96"/>
+          <p:cNvCxnSpPr>
+            <a:stCxn id="84" idx="0"/>
+            <a:endCxn id="106" idx="4"/>
+          </p:cNvCxnSpPr>
+          <p:nvPr/>
+        </p:nvCxnSpPr>
+        <p:spPr>
+          <a:xfrm flipV="1">
+            <a:off x="3427646" y="4122516"/>
+            <a:ext cx="0" cy="282448"/>
+          </a:xfrm>
+          <a:prstGeom prst="straightConnector1">
+            <a:avLst/>
+          </a:prstGeom>
+          <a:ln w="38100">
+            <a:solidFill>
+              <a:schemeClr val="tx1">
+                <a:lumMod val="50000"/>
+                <a:lumOff val="50000"/>
+              </a:schemeClr>
+            </a:solidFill>
+            <a:tailEnd type="triangle"/>
+          </a:ln>
+        </p:spPr>
+        <p:style>
+          <a:lnRef idx="1">
+            <a:schemeClr val="accent1"/>
+          </a:lnRef>
+          <a:fillRef idx="0">
+            <a:schemeClr val="accent1"/>
+          </a:fillRef>
+          <a:effectRef idx="0">
+            <a:schemeClr val="accent1"/>
+          </a:effectRef>
+          <a:fontRef idx="minor">
+            <a:schemeClr val="tx1"/>
+          </a:fontRef>
+        </p:style>
+      </p:cxnSp>
+      <p:sp>
+        <p:nvSpPr>
+          <p:cNvPr id="98" name="순서도: 판단 97"/>
+          <p:cNvSpPr/>
+          <p:nvPr/>
+        </p:nvSpPr>
+        <p:spPr>
+          <a:xfrm>
+            <a:off x="2610428" y="2324677"/>
+            <a:ext cx="1634436" cy="489930"/>
+          </a:xfrm>
+          <a:prstGeom prst="flowChartDecision">
+            <a:avLst/>
+          </a:prstGeom>
+          <a:noFill/>
+          <a:ln w="38100" cap="flat">
+            <a:solidFill>
+              <a:schemeClr val="tx1">
+                <a:lumMod val="50000"/>
+                <a:lumOff val="50000"/>
+              </a:schemeClr>
+            </a:solidFill>
+          </a:ln>
+          <a:effectLst/>
+        </p:spPr>
+        <p:style>
+          <a:lnRef idx="2">
+            <a:schemeClr val="accent1">
+              <a:shade val="50000"/>
+            </a:schemeClr>
+          </a:lnRef>
+          <a:fillRef idx="1">
+            <a:schemeClr val="accent1"/>
+          </a:fillRef>
+          <a:effectRef idx="0">
+            <a:schemeClr val="accent1"/>
+          </a:effectRef>
+          <a:fontRef idx="minor">
+            <a:schemeClr val="lt1"/>
+          </a:fontRef>
+        </p:style>
+        <p:txBody>
+          <a:bodyPr rtlCol="0" anchor="ctr"/>
+          <a:lstStyle/>
+          <a:p>
+            <a:pPr algn="ctr"/>
+            <a:r>
+              <a:rPr lang="en-US" altLang="ko-KR" sz="700" b="1" dirty="0" smtClean="0">
                 <a:solidFill>
                   <a:schemeClr val="tx1"/>
                 </a:solidFill>
-              </a:endParaRPr>
-            </a:p>
-          </p:txBody>
-        </p:sp>
-        <p:cxnSp>
-          <p:nvCxnSpPr>
-            <p:cNvPr id="145" name="직선 화살표 연결선 144"/>
-            <p:cNvCxnSpPr>
-              <a:stCxn id="132" idx="4"/>
-              <a:endCxn id="144" idx="0"/>
-            </p:cNvCxnSpPr>
-            <p:nvPr/>
-          </p:nvCxnSpPr>
-          <p:spPr>
-            <a:xfrm>
-              <a:off x="6095800" y="3438755"/>
-              <a:ext cx="0" cy="199832"/>
-            </a:xfrm>
-            <a:prstGeom prst="straightConnector1">
-              <a:avLst/>
-            </a:prstGeom>
-            <a:ln w="38100">
-              <a:solidFill>
-                <a:schemeClr val="tx1">
-                  <a:lumMod val="50000"/>
-                  <a:lumOff val="50000"/>
-                </a:schemeClr>
-              </a:solidFill>
-              <a:tailEnd type="triangle"/>
-            </a:ln>
-          </p:spPr>
-          <p:style>
-            <a:lnRef idx="1">
-              <a:schemeClr val="accent1"/>
-            </a:lnRef>
-            <a:fillRef idx="0">
-              <a:schemeClr val="accent1"/>
-            </a:fillRef>
-            <a:effectRef idx="0">
-              <a:schemeClr val="accent1"/>
-            </a:effectRef>
-            <a:fontRef idx="minor">
-              <a:schemeClr val="tx1"/>
-            </a:fontRef>
-          </p:style>
-        </p:cxnSp>
-        <p:cxnSp>
-          <p:nvCxnSpPr>
-            <p:cNvPr id="146" name="직선 화살표 연결선 145"/>
-            <p:cNvCxnSpPr>
-              <a:stCxn id="144" idx="2"/>
-              <a:endCxn id="136" idx="0"/>
-            </p:cNvCxnSpPr>
-            <p:nvPr/>
-          </p:nvCxnSpPr>
-          <p:spPr>
-            <a:xfrm>
-              <a:off x="6095800" y="4128517"/>
-              <a:ext cx="0" cy="204007"/>
-            </a:xfrm>
-            <a:prstGeom prst="straightConnector1">
-              <a:avLst/>
-            </a:prstGeom>
-            <a:ln w="38100">
-              <a:solidFill>
-                <a:schemeClr val="tx1">
-                  <a:lumMod val="50000"/>
-                  <a:lumOff val="50000"/>
-                </a:schemeClr>
-              </a:solidFill>
-              <a:tailEnd type="triangle"/>
-            </a:ln>
-          </p:spPr>
-          <p:style>
-            <a:lnRef idx="1">
-              <a:schemeClr val="accent1"/>
-            </a:lnRef>
-            <a:fillRef idx="0">
-              <a:schemeClr val="accent1"/>
-            </a:fillRef>
-            <a:effectRef idx="0">
-              <a:schemeClr val="accent1"/>
-            </a:effectRef>
-            <a:fontRef idx="minor">
-              <a:schemeClr val="tx1"/>
-            </a:fontRef>
-          </p:style>
-        </p:cxnSp>
-        <p:sp>
-          <p:nvSpPr>
-            <p:cNvPr id="147" name="TextBox 146"/>
-            <p:cNvSpPr txBox="1"/>
-            <p:nvPr/>
-          </p:nvSpPr>
-          <p:spPr>
-            <a:xfrm>
-              <a:off x="5747969" y="4132871"/>
-              <a:ext cx="346570" cy="215444"/>
-            </a:xfrm>
-            <a:prstGeom prst="rect">
-              <a:avLst/>
-            </a:prstGeom>
-            <a:noFill/>
-          </p:spPr>
-          <p:txBody>
-            <a:bodyPr wrap="none" rtlCol="0">
-              <a:spAutoFit/>
-            </a:bodyPr>
-            <a:lstStyle/>
-            <a:p>
-              <a:pPr algn="ctr"/>
-              <a:r>
-                <a:rPr lang="en-US" altLang="ko-KR" sz="800" b="1" dirty="0" smtClean="0"/>
-                <a:t>NO</a:t>
-              </a:r>
-              <a:endParaRPr lang="ko-KR" altLang="en-US" sz="800" b="1" dirty="0"/>
-            </a:p>
-          </p:txBody>
-        </p:sp>
-        <p:sp>
-          <p:nvSpPr>
-            <p:cNvPr id="148" name="순서도: 판단 147"/>
-            <p:cNvSpPr/>
-            <p:nvPr/>
-          </p:nvSpPr>
-          <p:spPr>
-            <a:xfrm>
-              <a:off x="7425237" y="3018588"/>
-              <a:ext cx="1634437" cy="489930"/>
-            </a:xfrm>
-            <a:prstGeom prst="flowChartDecision">
-              <a:avLst/>
-            </a:prstGeom>
-            <a:noFill/>
-            <a:ln w="38100" cap="flat">
-              <a:solidFill>
-                <a:schemeClr val="tx1">
-                  <a:lumMod val="50000"/>
-                  <a:lumOff val="50000"/>
-                </a:schemeClr>
-              </a:solidFill>
-            </a:ln>
-            <a:effectLst/>
-          </p:spPr>
-          <p:style>
-            <a:lnRef idx="2">
-              <a:schemeClr val="accent1">
-                <a:shade val="50000"/>
-              </a:schemeClr>
-            </a:lnRef>
-            <a:fillRef idx="1">
-              <a:schemeClr val="accent1"/>
-            </a:fillRef>
-            <a:effectRef idx="0">
-              <a:schemeClr val="accent1"/>
-            </a:effectRef>
-            <a:fontRef idx="minor">
-              <a:schemeClr val="lt1"/>
-            </a:fontRef>
-          </p:style>
-          <p:txBody>
-            <a:bodyPr rtlCol="0" anchor="ctr"/>
-            <a:lstStyle/>
-            <a:p>
-              <a:pPr algn="ctr"/>
-              <a:r>
-                <a:rPr lang="en-US" altLang="ko-KR" sz="800" b="1" dirty="0" smtClean="0">
-                  <a:solidFill>
-                    <a:schemeClr val="tx1"/>
-                  </a:solidFill>
-                </a:rPr>
-                <a:t>BUTTON</a:t>
-              </a:r>
-              <a:r>
-                <a:rPr lang="ko-KR" altLang="en-US" sz="800" b="1" dirty="0" smtClean="0">
-                  <a:solidFill>
-                    <a:schemeClr val="tx1"/>
-                  </a:solidFill>
-                </a:rPr>
-                <a:t> </a:t>
-              </a:r>
-              <a:r>
-                <a:rPr lang="en-US" altLang="ko-KR" sz="800" b="1" dirty="0" smtClean="0">
-                  <a:solidFill>
-                    <a:schemeClr val="tx1"/>
-                  </a:solidFill>
-                </a:rPr>
-                <a:t>==</a:t>
-              </a:r>
-            </a:p>
-            <a:p>
-              <a:pPr algn="ctr"/>
-              <a:r>
-                <a:rPr lang="en-US" altLang="ko-KR" sz="800" b="1" dirty="0" smtClean="0">
-                  <a:solidFill>
-                    <a:schemeClr val="tx1"/>
-                  </a:solidFill>
-                </a:rPr>
-                <a:t>PRESSED</a:t>
-              </a:r>
-              <a:endParaRPr lang="ko-KR" altLang="en-US" sz="800" b="1" dirty="0">
+              </a:rPr>
+              <a:t>TEMP</a:t>
+            </a:r>
+            <a:r>
+              <a:rPr lang="ko-KR" altLang="en-US" sz="700" b="1" dirty="0" smtClean="0">
                 <a:solidFill>
                   <a:schemeClr val="tx1"/>
                 </a:solidFill>
-              </a:endParaRPr>
-            </a:p>
-          </p:txBody>
-        </p:sp>
-        <p:cxnSp>
-          <p:nvCxnSpPr>
-            <p:cNvPr id="149" name="직선 화살표 연결선 148"/>
-            <p:cNvCxnSpPr>
-              <a:stCxn id="148" idx="0"/>
-              <a:endCxn id="135" idx="2"/>
-            </p:cNvCxnSpPr>
-            <p:nvPr/>
-          </p:nvCxnSpPr>
-          <p:spPr>
-            <a:xfrm flipV="1">
-              <a:off x="8242455" y="2820608"/>
-              <a:ext cx="0" cy="197980"/>
-            </a:xfrm>
-            <a:prstGeom prst="straightConnector1">
-              <a:avLst/>
-            </a:prstGeom>
-            <a:ln w="38100">
-              <a:solidFill>
-                <a:schemeClr val="tx1">
-                  <a:lumMod val="50000"/>
-                  <a:lumOff val="50000"/>
-                </a:schemeClr>
-              </a:solidFill>
-              <a:tailEnd type="triangle"/>
-            </a:ln>
-          </p:spPr>
-          <p:style>
-            <a:lnRef idx="1">
-              <a:schemeClr val="accent1"/>
-            </a:lnRef>
-            <a:fillRef idx="0">
-              <a:schemeClr val="accent1"/>
-            </a:fillRef>
-            <a:effectRef idx="0">
-              <a:schemeClr val="accent1"/>
-            </a:effectRef>
-            <a:fontRef idx="minor">
-              <a:schemeClr val="tx1"/>
-            </a:fontRef>
-          </p:style>
-        </p:cxnSp>
-        <p:cxnSp>
-          <p:nvCxnSpPr>
-            <p:cNvPr id="150" name="직선 화살표 연결선 149"/>
-            <p:cNvCxnSpPr>
-              <a:stCxn id="143" idx="1"/>
-              <a:endCxn id="148" idx="2"/>
-            </p:cNvCxnSpPr>
-            <p:nvPr/>
-          </p:nvCxnSpPr>
-          <p:spPr>
-            <a:xfrm flipV="1">
-              <a:off x="8242455" y="3508518"/>
-              <a:ext cx="0" cy="199832"/>
-            </a:xfrm>
-            <a:prstGeom prst="straightConnector1">
-              <a:avLst/>
-            </a:prstGeom>
-            <a:ln w="38100">
-              <a:solidFill>
-                <a:schemeClr val="tx1">
-                  <a:lumMod val="50000"/>
-                  <a:lumOff val="50000"/>
-                </a:schemeClr>
-              </a:solidFill>
-              <a:tailEnd type="triangle"/>
-            </a:ln>
-          </p:spPr>
-          <p:style>
-            <a:lnRef idx="1">
-              <a:schemeClr val="accent1"/>
-            </a:lnRef>
-            <a:fillRef idx="0">
-              <a:schemeClr val="accent1"/>
-            </a:fillRef>
-            <a:effectRef idx="0">
-              <a:schemeClr val="accent1"/>
-            </a:effectRef>
-            <a:fontRef idx="minor">
-              <a:schemeClr val="tx1"/>
-            </a:fontRef>
-          </p:style>
-        </p:cxnSp>
-        <p:sp>
-          <p:nvSpPr>
-            <p:cNvPr id="151" name="TextBox 150"/>
-            <p:cNvSpPr txBox="1"/>
-            <p:nvPr/>
-          </p:nvSpPr>
-          <p:spPr>
-            <a:xfrm>
-              <a:off x="8240164" y="2818756"/>
-              <a:ext cx="346570" cy="215444"/>
-            </a:xfrm>
-            <a:prstGeom prst="rect">
-              <a:avLst/>
-            </a:prstGeom>
-            <a:noFill/>
-          </p:spPr>
-          <p:txBody>
-            <a:bodyPr wrap="none" rtlCol="0">
-              <a:spAutoFit/>
-            </a:bodyPr>
-            <a:lstStyle/>
-            <a:p>
-              <a:pPr algn="ctr"/>
-              <a:r>
-                <a:rPr lang="en-US" altLang="ko-KR" sz="800" b="1" dirty="0" smtClean="0"/>
-                <a:t>NO</a:t>
-              </a:r>
-              <a:endParaRPr lang="ko-KR" altLang="en-US" sz="800" b="1" dirty="0"/>
-            </a:p>
-          </p:txBody>
-        </p:sp>
-        <p:cxnSp>
-          <p:nvCxnSpPr>
-            <p:cNvPr id="152" name="꺾인 연결선 151"/>
-            <p:cNvCxnSpPr>
-              <a:stCxn id="148" idx="1"/>
-              <a:endCxn id="156" idx="0"/>
-            </p:cNvCxnSpPr>
-            <p:nvPr/>
-          </p:nvCxnSpPr>
-          <p:spPr>
-            <a:xfrm rot="10800000" flipV="1">
-              <a:off x="7202857" y="3263553"/>
-              <a:ext cx="222380" cy="1622455"/>
-            </a:xfrm>
-            <a:prstGeom prst="bentConnector2">
-              <a:avLst/>
-            </a:prstGeom>
-            <a:ln w="38100">
-              <a:solidFill>
-                <a:schemeClr val="accent4"/>
-              </a:solidFill>
-              <a:tailEnd type="triangle"/>
-            </a:ln>
-          </p:spPr>
-          <p:style>
-            <a:lnRef idx="1">
-              <a:schemeClr val="accent1"/>
-            </a:lnRef>
-            <a:fillRef idx="0">
-              <a:schemeClr val="accent1"/>
-            </a:fillRef>
-            <a:effectRef idx="0">
-              <a:schemeClr val="accent1"/>
-            </a:effectRef>
-            <a:fontRef idx="minor">
-              <a:schemeClr val="tx1"/>
-            </a:fontRef>
-          </p:style>
-        </p:cxnSp>
-        <p:cxnSp>
-          <p:nvCxnSpPr>
-            <p:cNvPr id="153" name="꺾인 연결선 152"/>
-            <p:cNvCxnSpPr>
-              <a:stCxn id="144" idx="3"/>
-              <a:endCxn id="156" idx="0"/>
-            </p:cNvCxnSpPr>
-            <p:nvPr/>
-          </p:nvCxnSpPr>
-          <p:spPr>
-            <a:xfrm>
-              <a:off x="6913019" y="3883552"/>
-              <a:ext cx="289838" cy="1002455"/>
-            </a:xfrm>
-            <a:prstGeom prst="bentConnector2">
-              <a:avLst/>
-            </a:prstGeom>
-            <a:ln w="38100">
-              <a:solidFill>
-                <a:schemeClr val="accent4"/>
-              </a:solidFill>
-              <a:tailEnd type="triangle"/>
-            </a:ln>
-          </p:spPr>
-          <p:style>
-            <a:lnRef idx="1">
-              <a:schemeClr val="accent1"/>
-            </a:lnRef>
-            <a:fillRef idx="0">
-              <a:schemeClr val="accent1"/>
-            </a:fillRef>
-            <a:effectRef idx="0">
-              <a:schemeClr val="accent1"/>
-            </a:effectRef>
-            <a:fontRef idx="minor">
-              <a:schemeClr val="tx1"/>
-            </a:fontRef>
-          </p:style>
-        </p:cxnSp>
-        <p:sp>
-          <p:nvSpPr>
-            <p:cNvPr id="154" name="TextBox 153"/>
-            <p:cNvSpPr txBox="1"/>
-            <p:nvPr/>
-          </p:nvSpPr>
-          <p:spPr>
-            <a:xfrm>
-              <a:off x="7148954" y="3057748"/>
-              <a:ext cx="359394" cy="215444"/>
-            </a:xfrm>
-            <a:prstGeom prst="rect">
-              <a:avLst/>
-            </a:prstGeom>
-            <a:noFill/>
-          </p:spPr>
-          <p:txBody>
-            <a:bodyPr wrap="none" rtlCol="0">
-              <a:spAutoFit/>
-            </a:bodyPr>
-            <a:lstStyle/>
-            <a:p>
-              <a:pPr algn="ctr"/>
-              <a:r>
-                <a:rPr lang="en-US" altLang="ko-KR" sz="800" b="1" dirty="0" smtClean="0"/>
-                <a:t>YES</a:t>
-              </a:r>
-              <a:endParaRPr lang="ko-KR" altLang="en-US" sz="800" b="1" dirty="0"/>
-            </a:p>
-          </p:txBody>
-        </p:sp>
-        <p:sp>
-          <p:nvSpPr>
-            <p:cNvPr id="155" name="TextBox 154"/>
-            <p:cNvSpPr txBox="1"/>
-            <p:nvPr/>
-          </p:nvSpPr>
-          <p:spPr>
-            <a:xfrm>
-              <a:off x="6826379" y="3676143"/>
-              <a:ext cx="359394" cy="215444"/>
-            </a:xfrm>
-            <a:prstGeom prst="rect">
-              <a:avLst/>
-            </a:prstGeom>
-            <a:noFill/>
-          </p:spPr>
-          <p:txBody>
-            <a:bodyPr wrap="none" rtlCol="0">
-              <a:spAutoFit/>
-            </a:bodyPr>
-            <a:lstStyle/>
-            <a:p>
-              <a:pPr algn="ctr"/>
-              <a:r>
-                <a:rPr lang="en-US" altLang="ko-KR" sz="800" b="1" dirty="0" smtClean="0"/>
-                <a:t>YES</a:t>
-              </a:r>
-              <a:endParaRPr lang="ko-KR" altLang="en-US" sz="800" b="1" dirty="0"/>
-            </a:p>
-          </p:txBody>
-        </p:sp>
-        <p:sp>
-          <p:nvSpPr>
-            <p:cNvPr id="156" name="순서도: 처리 155"/>
-            <p:cNvSpPr/>
-            <p:nvPr/>
-          </p:nvSpPr>
-          <p:spPr>
-            <a:xfrm>
-              <a:off x="6622015" y="4886008"/>
-              <a:ext cx="1161683" cy="241249"/>
-            </a:xfrm>
-            <a:prstGeom prst="flowChartProcess">
-              <a:avLst/>
-            </a:prstGeom>
-            <a:noFill/>
-            <a:ln w="38100" cap="flat">
-              <a:solidFill>
-                <a:schemeClr val="tx1">
-                  <a:lumMod val="50000"/>
-                  <a:lumOff val="50000"/>
-                </a:schemeClr>
-              </a:solidFill>
-            </a:ln>
-            <a:effectLst/>
-          </p:spPr>
-          <p:style>
-            <a:lnRef idx="2">
-              <a:schemeClr val="accent1">
-                <a:shade val="50000"/>
-              </a:schemeClr>
-            </a:lnRef>
-            <a:fillRef idx="1">
-              <a:schemeClr val="accent1"/>
-            </a:fillRef>
-            <a:effectRef idx="0">
-              <a:schemeClr val="accent1"/>
-            </a:effectRef>
-            <a:fontRef idx="minor">
-              <a:schemeClr val="lt1"/>
-            </a:fontRef>
-          </p:style>
-          <p:txBody>
-            <a:bodyPr rtlCol="0" anchor="ctr"/>
-            <a:lstStyle/>
-            <a:p>
-              <a:pPr algn="ctr"/>
-              <a:r>
-                <a:rPr lang="en-US" altLang="ko-KR" sz="800" b="1" dirty="0">
-                  <a:solidFill>
-                    <a:schemeClr val="accent1"/>
-                  </a:solidFill>
-                </a:rPr>
-                <a:t>LED</a:t>
-              </a:r>
-              <a:r>
-                <a:rPr lang="en-US" altLang="ko-KR" sz="800" b="1" dirty="0">
-                  <a:solidFill>
-                    <a:schemeClr val="accent6"/>
-                  </a:solidFill>
-                </a:rPr>
-                <a:t> </a:t>
-              </a:r>
-              <a:r>
-                <a:rPr lang="en-US" altLang="ko-KR" sz="800" b="1" dirty="0" smtClean="0">
-                  <a:solidFill>
-                    <a:schemeClr val="tx1"/>
-                  </a:solidFill>
-                </a:rPr>
-                <a:t>← OFF</a:t>
-              </a:r>
-              <a:endParaRPr lang="en-US" altLang="ko-KR" sz="800" b="1" dirty="0">
+              </a:rPr>
+              <a:t> </a:t>
+            </a:r>
+            <a:r>
+              <a:rPr lang="en-US" altLang="ko-KR" sz="700" b="1" dirty="0">
                 <a:solidFill>
                   <a:schemeClr val="tx1"/>
                 </a:solidFill>
-              </a:endParaRPr>
-            </a:p>
-          </p:txBody>
-        </p:sp>
-        <p:sp>
-          <p:nvSpPr>
-            <p:cNvPr id="161" name="순서도: 처리 160"/>
-            <p:cNvSpPr/>
-            <p:nvPr/>
-          </p:nvSpPr>
-          <p:spPr>
-            <a:xfrm>
-              <a:off x="10288264" y="2390607"/>
-              <a:ext cx="1161682" cy="489930"/>
-            </a:xfrm>
-            <a:prstGeom prst="flowChartProcess">
-              <a:avLst/>
-            </a:prstGeom>
-            <a:noFill/>
-            <a:ln w="38100" cap="flat">
-              <a:solidFill>
-                <a:schemeClr val="tx1">
-                  <a:lumMod val="50000"/>
-                  <a:lumOff val="50000"/>
-                </a:schemeClr>
-              </a:solidFill>
-            </a:ln>
-            <a:effectLst/>
-          </p:spPr>
-          <p:style>
-            <a:lnRef idx="2">
-              <a:schemeClr val="accent1">
-                <a:shade val="50000"/>
-              </a:schemeClr>
-            </a:lnRef>
-            <a:fillRef idx="1">
-              <a:schemeClr val="accent1"/>
-            </a:fillRef>
-            <a:effectRef idx="0">
-              <a:schemeClr val="accent1"/>
-            </a:effectRef>
-            <a:fontRef idx="minor">
-              <a:schemeClr val="lt1"/>
-            </a:fontRef>
-          </p:style>
-          <p:txBody>
-            <a:bodyPr rtlCol="0" anchor="ctr"/>
-            <a:lstStyle/>
-            <a:p>
-              <a:pPr algn="ctr"/>
-              <a:r>
-                <a:rPr lang="en-US" altLang="ko-KR" sz="800" b="1" dirty="0">
-                  <a:solidFill>
-                    <a:srgbClr val="FF0000"/>
-                  </a:solidFill>
-                </a:rPr>
-                <a:t>LED </a:t>
-              </a:r>
-              <a:r>
-                <a:rPr lang="en-US" altLang="ko-KR" sz="800" b="1" dirty="0" smtClean="0">
-                  <a:solidFill>
-                    <a:schemeClr val="tx1"/>
-                  </a:solidFill>
-                </a:rPr>
-                <a:t>← ON</a:t>
-              </a:r>
-            </a:p>
-            <a:p>
-              <a:pPr algn="ctr"/>
-              <a:r>
-                <a:rPr lang="en-US" altLang="ko-KR" sz="800" b="1" dirty="0" smtClean="0">
-                  <a:solidFill>
-                    <a:schemeClr val="tx1"/>
-                  </a:solidFill>
-                </a:rPr>
-                <a:t>RELAY</a:t>
-              </a:r>
-              <a:r>
-                <a:rPr lang="ko-KR" altLang="en-US" sz="800" b="1" dirty="0" smtClean="0">
-                  <a:solidFill>
-                    <a:schemeClr val="tx1"/>
-                  </a:solidFill>
-                </a:rPr>
-                <a:t> </a:t>
-              </a:r>
-              <a:r>
-                <a:rPr lang="en-US" altLang="ko-KR" sz="800" b="1" dirty="0">
-                  <a:solidFill>
-                    <a:schemeClr val="tx1"/>
-                  </a:solidFill>
-                </a:rPr>
-                <a:t>←</a:t>
-              </a:r>
-              <a:r>
-                <a:rPr lang="ko-KR" altLang="en-US" sz="800" b="1" dirty="0" smtClean="0">
-                  <a:solidFill>
-                    <a:schemeClr val="tx1"/>
-                  </a:solidFill>
-                </a:rPr>
-                <a:t> </a:t>
-              </a:r>
-              <a:r>
-                <a:rPr lang="en-US" altLang="ko-KR" sz="800" b="1" dirty="0" smtClean="0">
-                  <a:solidFill>
-                    <a:schemeClr val="tx1"/>
-                  </a:solidFill>
-                </a:rPr>
-                <a:t>OFF</a:t>
-              </a:r>
-            </a:p>
-          </p:txBody>
-        </p:sp>
-        <p:sp>
-          <p:nvSpPr>
-            <p:cNvPr id="163" name="순서도: 데이터 162"/>
-            <p:cNvSpPr/>
-            <p:nvPr/>
-          </p:nvSpPr>
-          <p:spPr>
-            <a:xfrm>
-              <a:off x="10142358" y="3078516"/>
-              <a:ext cx="1444703" cy="420167"/>
-            </a:xfrm>
-            <a:prstGeom prst="flowChartInputOutput">
-              <a:avLst/>
-            </a:prstGeom>
-            <a:noFill/>
-            <a:ln w="38100" cap="flat">
-              <a:solidFill>
-                <a:schemeClr val="tx1">
-                  <a:lumMod val="50000"/>
-                  <a:lumOff val="50000"/>
-                </a:schemeClr>
-              </a:solidFill>
-            </a:ln>
-            <a:effectLst/>
-          </p:spPr>
-          <p:style>
-            <a:lnRef idx="2">
-              <a:schemeClr val="accent1">
-                <a:shade val="50000"/>
-              </a:schemeClr>
-            </a:lnRef>
-            <a:fillRef idx="1">
-              <a:schemeClr val="accent1"/>
-            </a:fillRef>
-            <a:effectRef idx="0">
-              <a:schemeClr val="accent1"/>
-            </a:effectRef>
-            <a:fontRef idx="minor">
-              <a:schemeClr val="lt1"/>
-            </a:fontRef>
-          </p:style>
-          <p:txBody>
-            <a:bodyPr rtlCol="0" anchor="ctr"/>
-            <a:lstStyle/>
-            <a:p>
-              <a:pPr algn="ctr"/>
-              <a:r>
-                <a:rPr lang="en-US" altLang="ko-KR" sz="800" b="1" dirty="0" smtClean="0">
-                  <a:solidFill>
-                    <a:schemeClr val="tx1"/>
-                  </a:solidFill>
-                </a:rPr>
-                <a:t>INPUT BUTTON</a:t>
-              </a:r>
-              <a:endParaRPr lang="ko-KR" altLang="en-US" sz="800" b="1" dirty="0">
+              </a:rPr>
+              <a:t>&lt;</a:t>
+            </a:r>
+            <a:r>
+              <a:rPr lang="en-US" altLang="ko-KR" sz="700" b="1" dirty="0" smtClean="0">
                 <a:solidFill>
                   <a:schemeClr val="tx1"/>
                 </a:solidFill>
-              </a:endParaRPr>
-            </a:p>
-          </p:txBody>
-        </p:sp>
-        <p:cxnSp>
-          <p:nvCxnSpPr>
-            <p:cNvPr id="164" name="직선 화살표 연결선 163"/>
-            <p:cNvCxnSpPr>
-              <a:stCxn id="161" idx="2"/>
-              <a:endCxn id="163" idx="1"/>
-            </p:cNvCxnSpPr>
-            <p:nvPr/>
-          </p:nvCxnSpPr>
-          <p:spPr>
-            <a:xfrm flipH="1">
-              <a:off x="10864709" y="2880537"/>
-              <a:ext cx="4396" cy="197980"/>
-            </a:xfrm>
-            <a:prstGeom prst="straightConnector1">
-              <a:avLst/>
-            </a:prstGeom>
-            <a:ln w="38100">
-              <a:solidFill>
-                <a:schemeClr val="tx1">
-                  <a:lumMod val="50000"/>
-                  <a:lumOff val="50000"/>
-                </a:schemeClr>
-              </a:solidFill>
-              <a:tailEnd type="triangle"/>
-            </a:ln>
-          </p:spPr>
-          <p:style>
-            <a:lnRef idx="1">
-              <a:schemeClr val="accent1"/>
-            </a:lnRef>
-            <a:fillRef idx="0">
-              <a:schemeClr val="accent1"/>
-            </a:fillRef>
-            <a:effectRef idx="0">
-              <a:schemeClr val="accent1"/>
-            </a:effectRef>
-            <a:fontRef idx="minor">
-              <a:schemeClr val="tx1"/>
-            </a:fontRef>
-          </p:style>
-        </p:cxnSp>
-        <p:sp>
-          <p:nvSpPr>
-            <p:cNvPr id="165" name="순서도: 판단 164"/>
-            <p:cNvSpPr/>
-            <p:nvPr/>
-          </p:nvSpPr>
-          <p:spPr>
-            <a:xfrm>
-              <a:off x="10047491" y="3698516"/>
-              <a:ext cx="1634436" cy="489930"/>
-            </a:xfrm>
-            <a:prstGeom prst="flowChartDecision">
-              <a:avLst/>
-            </a:prstGeom>
-            <a:noFill/>
-            <a:ln w="38100" cap="flat">
-              <a:solidFill>
-                <a:schemeClr val="tx1">
-                  <a:lumMod val="50000"/>
-                  <a:lumOff val="50000"/>
-                </a:schemeClr>
-              </a:solidFill>
-            </a:ln>
-            <a:effectLst/>
-          </p:spPr>
-          <p:style>
-            <a:lnRef idx="2">
-              <a:schemeClr val="accent1">
-                <a:shade val="50000"/>
-              </a:schemeClr>
-            </a:lnRef>
-            <a:fillRef idx="1">
-              <a:schemeClr val="accent1"/>
-            </a:fillRef>
-            <a:effectRef idx="0">
-              <a:schemeClr val="accent1"/>
-            </a:effectRef>
-            <a:fontRef idx="minor">
-              <a:schemeClr val="lt1"/>
-            </a:fontRef>
-          </p:style>
-          <p:txBody>
-            <a:bodyPr rtlCol="0" anchor="ctr"/>
-            <a:lstStyle/>
-            <a:p>
-              <a:pPr algn="ctr"/>
-              <a:r>
-                <a:rPr lang="en-US" altLang="ko-KR" sz="800" b="1" dirty="0" smtClean="0">
-                  <a:solidFill>
-                    <a:schemeClr val="tx1"/>
-                  </a:solidFill>
-                </a:rPr>
-                <a:t>BUTTON</a:t>
-              </a:r>
-              <a:r>
-                <a:rPr lang="ko-KR" altLang="en-US" sz="800" b="1" dirty="0" smtClean="0">
-                  <a:solidFill>
-                    <a:schemeClr val="tx1"/>
-                  </a:solidFill>
-                </a:rPr>
-                <a:t> </a:t>
-              </a:r>
-              <a:r>
-                <a:rPr lang="en-US" altLang="ko-KR" sz="800" b="1" dirty="0" smtClean="0">
-                  <a:solidFill>
-                    <a:schemeClr val="tx1"/>
-                  </a:solidFill>
-                </a:rPr>
-                <a:t>==</a:t>
-              </a:r>
-            </a:p>
-            <a:p>
-              <a:pPr algn="ctr"/>
-              <a:r>
-                <a:rPr lang="en-US" altLang="ko-KR" sz="800" b="1" dirty="0" smtClean="0">
-                  <a:solidFill>
-                    <a:schemeClr val="tx1"/>
-                  </a:solidFill>
-                </a:rPr>
-                <a:t>PRESSED</a:t>
-              </a:r>
-              <a:endParaRPr lang="ko-KR" altLang="en-US" sz="800" b="1" dirty="0">
+              </a:rPr>
+              <a:t> </a:t>
+            </a:r>
+          </a:p>
+          <a:p>
+            <a:pPr algn="ctr"/>
+            <a:r>
+              <a:rPr lang="en-US" altLang="ko-KR" sz="700" b="1" dirty="0" smtClean="0">
                 <a:solidFill>
                   <a:schemeClr val="tx1"/>
                 </a:solidFill>
-              </a:endParaRPr>
-            </a:p>
-          </p:txBody>
-        </p:sp>
-        <p:cxnSp>
-          <p:nvCxnSpPr>
-            <p:cNvPr id="166" name="직선 화살표 연결선 165"/>
-            <p:cNvCxnSpPr>
-              <a:stCxn id="163" idx="4"/>
-              <a:endCxn id="165" idx="0"/>
-            </p:cNvCxnSpPr>
-            <p:nvPr/>
-          </p:nvCxnSpPr>
-          <p:spPr>
-            <a:xfrm>
-              <a:off x="10864709" y="3498683"/>
-              <a:ext cx="0" cy="199832"/>
-            </a:xfrm>
-            <a:prstGeom prst="straightConnector1">
-              <a:avLst/>
-            </a:prstGeom>
-            <a:ln w="38100">
-              <a:solidFill>
-                <a:schemeClr val="tx1">
-                  <a:lumMod val="50000"/>
-                  <a:lumOff val="50000"/>
-                </a:schemeClr>
-              </a:solidFill>
-              <a:tailEnd type="triangle"/>
-            </a:ln>
-          </p:spPr>
-          <p:style>
-            <a:lnRef idx="1">
-              <a:schemeClr val="accent1"/>
-            </a:lnRef>
-            <a:fillRef idx="0">
-              <a:schemeClr val="accent1"/>
-            </a:fillRef>
-            <a:effectRef idx="0">
-              <a:schemeClr val="accent1"/>
-            </a:effectRef>
-            <a:fontRef idx="minor">
-              <a:schemeClr val="tx1"/>
-            </a:fontRef>
-          </p:style>
-        </p:cxnSp>
-        <p:sp>
-          <p:nvSpPr>
-            <p:cNvPr id="167" name="TextBox 166"/>
-            <p:cNvSpPr txBox="1"/>
-            <p:nvPr/>
-          </p:nvSpPr>
-          <p:spPr>
-            <a:xfrm>
-              <a:off x="10842787" y="4141459"/>
-              <a:ext cx="359394" cy="215444"/>
-            </a:xfrm>
-            <a:prstGeom prst="rect">
-              <a:avLst/>
-            </a:prstGeom>
-            <a:noFill/>
-          </p:spPr>
-          <p:txBody>
-            <a:bodyPr wrap="none" rtlCol="0">
-              <a:spAutoFit/>
-            </a:bodyPr>
-            <a:lstStyle/>
-            <a:p>
-              <a:pPr algn="ctr"/>
-              <a:r>
-                <a:rPr lang="en-US" altLang="ko-KR" sz="800" b="1" dirty="0" smtClean="0"/>
-                <a:t>YES</a:t>
-              </a:r>
-              <a:endParaRPr lang="ko-KR" altLang="en-US" sz="800" b="1" dirty="0"/>
-            </a:p>
-          </p:txBody>
-        </p:sp>
-        <p:sp>
-          <p:nvSpPr>
-            <p:cNvPr id="168" name="순서도: 처리 167"/>
-            <p:cNvSpPr/>
-            <p:nvPr/>
-          </p:nvSpPr>
-          <p:spPr>
-            <a:xfrm>
-              <a:off x="10283868" y="4386426"/>
-              <a:ext cx="1161682" cy="241249"/>
-            </a:xfrm>
-            <a:prstGeom prst="flowChartProcess">
-              <a:avLst/>
-            </a:prstGeom>
-            <a:noFill/>
-            <a:ln w="38100" cap="flat">
-              <a:solidFill>
-                <a:schemeClr val="tx1">
-                  <a:lumMod val="50000"/>
-                  <a:lumOff val="50000"/>
-                </a:schemeClr>
-              </a:solidFill>
-            </a:ln>
-            <a:effectLst/>
-          </p:spPr>
-          <p:style>
-            <a:lnRef idx="2">
-              <a:schemeClr val="accent1">
-                <a:shade val="50000"/>
+              </a:rPr>
+              <a:t>COOLDOWN</a:t>
+            </a:r>
+            <a:endParaRPr lang="ko-KR" altLang="en-US" sz="700" b="1" dirty="0">
+              <a:solidFill>
+                <a:schemeClr val="tx1"/>
+              </a:solidFill>
+            </a:endParaRPr>
+          </a:p>
+        </p:txBody>
+      </p:sp>
+      <p:sp>
+        <p:nvSpPr>
+          <p:cNvPr id="99" name="순서도: 판단 98"/>
+          <p:cNvSpPr/>
+          <p:nvPr/>
+        </p:nvSpPr>
+        <p:spPr>
+          <a:xfrm>
+            <a:off x="463774" y="4326523"/>
+            <a:ext cx="1634436" cy="489930"/>
+          </a:xfrm>
+          <a:prstGeom prst="flowChartDecision">
+            <a:avLst/>
+          </a:prstGeom>
+          <a:noFill/>
+          <a:ln w="38100" cap="flat">
+            <a:solidFill>
+              <a:schemeClr val="tx1">
+                <a:lumMod val="50000"/>
+                <a:lumOff val="50000"/>
               </a:schemeClr>
-            </a:lnRef>
-            <a:fillRef idx="1">
-              <a:schemeClr val="accent1"/>
-            </a:fillRef>
-            <a:effectRef idx="0">
-              <a:schemeClr val="accent1"/>
-            </a:effectRef>
-            <a:fontRef idx="minor">
-              <a:schemeClr val="lt1"/>
-            </a:fontRef>
-          </p:style>
-          <p:txBody>
-            <a:bodyPr rtlCol="0" anchor="ctr"/>
-            <a:lstStyle/>
-            <a:p>
-              <a:pPr algn="ctr"/>
-              <a:r>
-                <a:rPr lang="en-US" altLang="ko-KR" sz="800" b="1" dirty="0">
-                  <a:solidFill>
-                    <a:srgbClr val="FF0000"/>
-                  </a:solidFill>
-                </a:rPr>
-                <a:t>LED </a:t>
-              </a:r>
-              <a:r>
-                <a:rPr lang="en-US" altLang="ko-KR" sz="800" b="1" dirty="0" smtClean="0">
-                  <a:solidFill>
-                    <a:schemeClr val="tx1"/>
-                  </a:solidFill>
-                </a:rPr>
-                <a:t>← OFF</a:t>
-              </a:r>
-              <a:endParaRPr lang="en-US" altLang="ko-KR" sz="800" b="1" dirty="0">
+            </a:solidFill>
+          </a:ln>
+          <a:effectLst/>
+        </p:spPr>
+        <p:style>
+          <a:lnRef idx="2">
+            <a:schemeClr val="accent1">
+              <a:shade val="50000"/>
+            </a:schemeClr>
+          </a:lnRef>
+          <a:fillRef idx="1">
+            <a:schemeClr val="accent1"/>
+          </a:fillRef>
+          <a:effectRef idx="0">
+            <a:schemeClr val="accent1"/>
+          </a:effectRef>
+          <a:fontRef idx="minor">
+            <a:schemeClr val="lt1"/>
+          </a:fontRef>
+        </p:style>
+        <p:txBody>
+          <a:bodyPr rtlCol="0" anchor="ctr"/>
+          <a:lstStyle/>
+          <a:p>
+            <a:pPr algn="ctr"/>
+            <a:r>
+              <a:rPr lang="en-US" altLang="ko-KR" sz="700" b="1" dirty="0" smtClean="0">
                 <a:solidFill>
                   <a:schemeClr val="tx1"/>
                 </a:solidFill>
-              </a:endParaRPr>
-            </a:p>
-          </p:txBody>
-        </p:sp>
-        <p:cxnSp>
-          <p:nvCxnSpPr>
-            <p:cNvPr id="170" name="꺾인 연결선 169"/>
-            <p:cNvCxnSpPr>
-              <a:stCxn id="165" idx="1"/>
-              <a:endCxn id="161" idx="1"/>
-            </p:cNvCxnSpPr>
-            <p:nvPr/>
-          </p:nvCxnSpPr>
-          <p:spPr>
-            <a:xfrm rot="10800000" flipH="1">
-              <a:off x="10047491" y="2635573"/>
-              <a:ext cx="240773" cy="1307909"/>
-            </a:xfrm>
-            <a:prstGeom prst="bentConnector3">
-              <a:avLst>
-                <a:gd name="adj1" fmla="val -66941"/>
-              </a:avLst>
-            </a:prstGeom>
-            <a:ln w="38100">
-              <a:solidFill>
-                <a:schemeClr val="tx1">
-                  <a:lumMod val="50000"/>
-                  <a:lumOff val="50000"/>
-                </a:schemeClr>
-              </a:solidFill>
-              <a:tailEnd type="triangle"/>
-            </a:ln>
-          </p:spPr>
-          <p:style>
-            <a:lnRef idx="1">
-              <a:schemeClr val="accent1"/>
-            </a:lnRef>
-            <a:fillRef idx="0">
-              <a:schemeClr val="accent1"/>
-            </a:fillRef>
-            <a:effectRef idx="0">
-              <a:schemeClr val="accent1"/>
-            </a:effectRef>
-            <a:fontRef idx="minor">
-              <a:schemeClr val="tx1"/>
-            </a:fontRef>
-          </p:style>
-        </p:cxnSp>
-        <p:sp>
-          <p:nvSpPr>
-            <p:cNvPr id="171" name="TextBox 170"/>
-            <p:cNvSpPr txBox="1"/>
-            <p:nvPr/>
-          </p:nvSpPr>
-          <p:spPr>
-            <a:xfrm>
-              <a:off x="9843598" y="3736071"/>
-              <a:ext cx="346570" cy="215444"/>
-            </a:xfrm>
-            <a:prstGeom prst="rect">
-              <a:avLst/>
-            </a:prstGeom>
-            <a:noFill/>
-          </p:spPr>
-          <p:txBody>
-            <a:bodyPr wrap="none" rtlCol="0">
-              <a:spAutoFit/>
-            </a:bodyPr>
-            <a:lstStyle/>
-            <a:p>
-              <a:pPr algn="ctr"/>
-              <a:r>
-                <a:rPr lang="en-US" altLang="ko-KR" sz="800" b="1" dirty="0" smtClean="0"/>
-                <a:t>NO</a:t>
-              </a:r>
-              <a:endParaRPr lang="ko-KR" altLang="en-US" sz="800" b="1" dirty="0"/>
-            </a:p>
-          </p:txBody>
-        </p:sp>
-        <p:cxnSp>
-          <p:nvCxnSpPr>
-            <p:cNvPr id="172" name="직선 화살표 연결선 171"/>
-            <p:cNvCxnSpPr>
-              <a:stCxn id="165" idx="2"/>
-              <a:endCxn id="168" idx="0"/>
-            </p:cNvCxnSpPr>
-            <p:nvPr/>
-          </p:nvCxnSpPr>
-          <p:spPr>
-            <a:xfrm>
-              <a:off x="10864709" y="4188446"/>
-              <a:ext cx="0" cy="197980"/>
-            </a:xfrm>
-            <a:prstGeom prst="straightConnector1">
-              <a:avLst/>
-            </a:prstGeom>
-            <a:ln w="38100">
-              <a:solidFill>
-                <a:schemeClr val="accent4"/>
-              </a:solidFill>
-              <a:tailEnd type="triangle"/>
-            </a:ln>
-          </p:spPr>
-          <p:style>
-            <a:lnRef idx="1">
-              <a:schemeClr val="accent1"/>
-            </a:lnRef>
-            <a:fillRef idx="0">
-              <a:schemeClr val="accent1"/>
-            </a:fillRef>
-            <a:effectRef idx="0">
-              <a:schemeClr val="accent1"/>
-            </a:effectRef>
-            <a:fontRef idx="minor">
-              <a:schemeClr val="tx1"/>
-            </a:fontRef>
-          </p:style>
-        </p:cxnSp>
-        <p:cxnSp>
-          <p:nvCxnSpPr>
-            <p:cNvPr id="175" name="꺾인 연결선 174"/>
-            <p:cNvCxnSpPr/>
-            <p:nvPr/>
-          </p:nvCxnSpPr>
-          <p:spPr>
-            <a:xfrm rot="5400000" flipH="1" flipV="1">
-              <a:off x="2841980" y="1872237"/>
-              <a:ext cx="2798034" cy="3713564"/>
-            </a:xfrm>
-            <a:prstGeom prst="bentConnector5">
-              <a:avLst>
-                <a:gd name="adj1" fmla="val -8170"/>
-                <a:gd name="adj2" fmla="val 63851"/>
-                <a:gd name="adj3" fmla="val 108170"/>
-              </a:avLst>
-            </a:prstGeom>
-            <a:ln w="38100">
-              <a:solidFill>
-                <a:schemeClr val="tx1">
-                  <a:lumMod val="50000"/>
-                  <a:lumOff val="50000"/>
-                </a:schemeClr>
-              </a:solidFill>
-              <a:tailEnd type="triangle"/>
-            </a:ln>
-          </p:spPr>
-          <p:style>
-            <a:lnRef idx="1">
-              <a:schemeClr val="accent1"/>
-            </a:lnRef>
-            <a:fillRef idx="0">
-              <a:schemeClr val="accent1"/>
-            </a:fillRef>
-            <a:effectRef idx="0">
-              <a:schemeClr val="accent1"/>
-            </a:effectRef>
-            <a:fontRef idx="minor">
-              <a:schemeClr val="tx1"/>
-            </a:fontRef>
-          </p:style>
-        </p:cxnSp>
-        <p:cxnSp>
-          <p:nvCxnSpPr>
-            <p:cNvPr id="176" name="꺾인 연결선 175"/>
-            <p:cNvCxnSpPr/>
-            <p:nvPr/>
-          </p:nvCxnSpPr>
-          <p:spPr>
-            <a:xfrm rot="5400000" flipH="1" flipV="1">
-              <a:off x="7669163" y="1925410"/>
-              <a:ext cx="2734475" cy="3670777"/>
-            </a:xfrm>
-            <a:prstGeom prst="bentConnector5">
-              <a:avLst>
-                <a:gd name="adj1" fmla="val -8360"/>
-                <a:gd name="adj2" fmla="val 64272"/>
-                <a:gd name="adj3" fmla="val 108360"/>
-              </a:avLst>
-            </a:prstGeom>
-            <a:ln w="38100">
-              <a:solidFill>
-                <a:schemeClr val="tx1">
-                  <a:lumMod val="50000"/>
-                  <a:lumOff val="50000"/>
-                </a:schemeClr>
-              </a:solidFill>
-              <a:tailEnd type="triangle"/>
-            </a:ln>
-          </p:spPr>
-          <p:style>
-            <a:lnRef idx="1">
-              <a:schemeClr val="accent1"/>
-            </a:lnRef>
-            <a:fillRef idx="0">
-              <a:schemeClr val="accent1"/>
-            </a:fillRef>
-            <a:effectRef idx="0">
-              <a:schemeClr val="accent1"/>
-            </a:effectRef>
-            <a:fontRef idx="minor">
-              <a:schemeClr val="tx1"/>
-            </a:fontRef>
-          </p:style>
-        </p:cxnSp>
-        <p:cxnSp>
-          <p:nvCxnSpPr>
-            <p:cNvPr id="177" name="꺾인 연결선 176"/>
-            <p:cNvCxnSpPr/>
-            <p:nvPr/>
-          </p:nvCxnSpPr>
-          <p:spPr>
-            <a:xfrm rot="5400000" flipH="1" flipV="1">
-              <a:off x="10011111" y="2735880"/>
-              <a:ext cx="2752194" cy="1039634"/>
-            </a:xfrm>
-            <a:prstGeom prst="bentConnector3">
-              <a:avLst>
-                <a:gd name="adj1" fmla="val -8306"/>
-              </a:avLst>
-            </a:prstGeom>
-            <a:ln w="38100">
-              <a:solidFill>
-                <a:schemeClr val="tx1">
-                  <a:lumMod val="50000"/>
-                  <a:lumOff val="50000"/>
-                </a:schemeClr>
-              </a:solidFill>
-              <a:tailEnd type="none"/>
-            </a:ln>
-          </p:spPr>
-          <p:style>
-            <a:lnRef idx="1">
-              <a:schemeClr val="accent1"/>
-            </a:lnRef>
-            <a:fillRef idx="0">
-              <a:schemeClr val="accent1"/>
-            </a:fillRef>
-            <a:effectRef idx="0">
-              <a:schemeClr val="accent1"/>
-            </a:effectRef>
-            <a:fontRef idx="minor">
-              <a:schemeClr val="tx1"/>
-            </a:fontRef>
-          </p:style>
-        </p:cxnSp>
-        <p:cxnSp>
-          <p:nvCxnSpPr>
-            <p:cNvPr id="178" name="꺾인 연결선 177"/>
-            <p:cNvCxnSpPr/>
-            <p:nvPr/>
-          </p:nvCxnSpPr>
-          <p:spPr>
-            <a:xfrm rot="10800000" flipV="1">
-              <a:off x="1862128" y="1899920"/>
-              <a:ext cx="10055552" cy="503942"/>
-            </a:xfrm>
-            <a:prstGeom prst="bentConnector3">
-              <a:avLst>
-                <a:gd name="adj1" fmla="val 96629"/>
-              </a:avLst>
-            </a:prstGeom>
-            <a:ln w="38100">
-              <a:solidFill>
-                <a:schemeClr val="tx1">
-                  <a:lumMod val="50000"/>
-                  <a:lumOff val="50000"/>
-                </a:schemeClr>
-              </a:solidFill>
-              <a:tailEnd type="triangle"/>
-            </a:ln>
-          </p:spPr>
-          <p:style>
-            <a:lnRef idx="1">
-              <a:schemeClr val="accent1"/>
-            </a:lnRef>
-            <a:fillRef idx="0">
-              <a:schemeClr val="accent1"/>
-            </a:fillRef>
-            <a:effectRef idx="0">
-              <a:schemeClr val="accent1"/>
-            </a:effectRef>
-            <a:fontRef idx="minor">
-              <a:schemeClr val="tx1"/>
-            </a:fontRef>
-          </p:style>
-        </p:cxnSp>
-      </p:grpSp>
+              </a:rPr>
+              <a:t>TEMP</a:t>
+            </a:r>
+            <a:r>
+              <a:rPr lang="ko-KR" altLang="en-US" sz="700" b="1" dirty="0" smtClean="0">
+                <a:solidFill>
+                  <a:schemeClr val="tx1"/>
+                </a:solidFill>
+              </a:rPr>
+              <a:t> </a:t>
+            </a:r>
+            <a:r>
+              <a:rPr lang="en-US" altLang="ko-KR" sz="700" b="1" dirty="0" smtClean="0">
+                <a:solidFill>
+                  <a:schemeClr val="tx1"/>
+                </a:solidFill>
+              </a:rPr>
+              <a:t>&gt; </a:t>
+            </a:r>
+          </a:p>
+          <a:p>
+            <a:pPr algn="ctr"/>
+            <a:r>
+              <a:rPr lang="en-US" altLang="ko-KR" sz="700" b="1" dirty="0" smtClean="0">
+                <a:solidFill>
+                  <a:schemeClr val="tx1"/>
+                </a:solidFill>
+              </a:rPr>
+              <a:t>OVERHEATED</a:t>
+            </a:r>
+            <a:endParaRPr lang="ko-KR" altLang="en-US" sz="700" b="1" dirty="0">
+              <a:solidFill>
+                <a:schemeClr val="tx1"/>
+              </a:solidFill>
+            </a:endParaRPr>
+          </a:p>
+        </p:txBody>
+      </p:sp>
+      <p:cxnSp>
+        <p:nvCxnSpPr>
+          <p:cNvPr id="100" name="직선 화살표 연결선 99"/>
+          <p:cNvCxnSpPr>
+            <a:stCxn id="98" idx="1"/>
+            <a:endCxn id="90" idx="3"/>
+          </p:cNvCxnSpPr>
+          <p:nvPr/>
+        </p:nvCxnSpPr>
+        <p:spPr>
+          <a:xfrm flipH="1">
+            <a:off x="1866228" y="2569642"/>
+            <a:ext cx="744199" cy="0"/>
+          </a:xfrm>
+          <a:prstGeom prst="straightConnector1">
+            <a:avLst/>
+          </a:prstGeom>
+          <a:ln w="38100">
+            <a:solidFill>
+              <a:schemeClr val="tx1">
+                <a:lumMod val="50000"/>
+                <a:lumOff val="50000"/>
+              </a:schemeClr>
+            </a:solidFill>
+            <a:tailEnd type="triangle"/>
+          </a:ln>
+        </p:spPr>
+        <p:style>
+          <a:lnRef idx="1">
+            <a:schemeClr val="accent1"/>
+          </a:lnRef>
+          <a:fillRef idx="0">
+            <a:schemeClr val="accent1"/>
+          </a:fillRef>
+          <a:effectRef idx="0">
+            <a:schemeClr val="accent1"/>
+          </a:effectRef>
+          <a:fontRef idx="minor">
+            <a:schemeClr val="tx1"/>
+          </a:fontRef>
+        </p:style>
+      </p:cxnSp>
+      <p:sp>
+        <p:nvSpPr>
+          <p:cNvPr id="101" name="TextBox 100"/>
+          <p:cNvSpPr txBox="1"/>
+          <p:nvPr/>
+        </p:nvSpPr>
+        <p:spPr>
+          <a:xfrm>
+            <a:off x="2345416" y="2365635"/>
+            <a:ext cx="338554" cy="200055"/>
+          </a:xfrm>
+          <a:prstGeom prst="rect">
+            <a:avLst/>
+          </a:prstGeom>
+          <a:noFill/>
+        </p:spPr>
+        <p:txBody>
+          <a:bodyPr wrap="none" rtlCol="0">
+            <a:spAutoFit/>
+          </a:bodyPr>
+          <a:lstStyle/>
+          <a:p>
+            <a:pPr algn="ctr"/>
+            <a:r>
+              <a:rPr lang="en-US" altLang="ko-KR" sz="700" b="1" dirty="0" smtClean="0"/>
+              <a:t>YES</a:t>
+            </a:r>
+            <a:endParaRPr lang="ko-KR" altLang="en-US" sz="700" b="1" dirty="0"/>
+          </a:p>
+        </p:txBody>
+      </p:sp>
+      <p:cxnSp>
+        <p:nvCxnSpPr>
+          <p:cNvPr id="102" name="꺾인 연결선 101"/>
+          <p:cNvCxnSpPr>
+            <a:stCxn id="98" idx="3"/>
+            <a:endCxn id="84" idx="3"/>
+          </p:cNvCxnSpPr>
+          <p:nvPr/>
+        </p:nvCxnSpPr>
+        <p:spPr>
+          <a:xfrm flipH="1">
+            <a:off x="3924117" y="2569642"/>
+            <a:ext cx="320747" cy="2001846"/>
+          </a:xfrm>
+          <a:prstGeom prst="bentConnector3">
+            <a:avLst>
+              <a:gd name="adj1" fmla="val -50250"/>
+            </a:avLst>
+          </a:prstGeom>
+          <a:ln w="38100">
+            <a:solidFill>
+              <a:schemeClr val="tx1">
+                <a:lumMod val="50000"/>
+                <a:lumOff val="50000"/>
+              </a:schemeClr>
+            </a:solidFill>
+            <a:tailEnd type="triangle"/>
+          </a:ln>
+        </p:spPr>
+        <p:style>
+          <a:lnRef idx="1">
+            <a:schemeClr val="accent1"/>
+          </a:lnRef>
+          <a:fillRef idx="0">
+            <a:schemeClr val="accent1"/>
+          </a:fillRef>
+          <a:effectRef idx="0">
+            <a:schemeClr val="accent1"/>
+          </a:effectRef>
+          <a:fontRef idx="minor">
+            <a:schemeClr val="tx1"/>
+          </a:fontRef>
+        </p:style>
+      </p:cxnSp>
+      <p:sp>
+        <p:nvSpPr>
+          <p:cNvPr id="103" name="TextBox 102"/>
+          <p:cNvSpPr txBox="1"/>
+          <p:nvPr/>
+        </p:nvSpPr>
+        <p:spPr>
+          <a:xfrm>
+            <a:off x="4158993" y="2371014"/>
+            <a:ext cx="325730" cy="200055"/>
+          </a:xfrm>
+          <a:prstGeom prst="rect">
+            <a:avLst/>
+          </a:prstGeom>
+          <a:noFill/>
+        </p:spPr>
+        <p:txBody>
+          <a:bodyPr wrap="none" rtlCol="0">
+            <a:spAutoFit/>
+          </a:bodyPr>
+          <a:lstStyle/>
+          <a:p>
+            <a:pPr algn="ctr"/>
+            <a:r>
+              <a:rPr lang="en-US" altLang="ko-KR" sz="700" b="1" dirty="0" smtClean="0"/>
+              <a:t>NO</a:t>
+            </a:r>
+            <a:endParaRPr lang="ko-KR" altLang="en-US" sz="700" b="1" dirty="0"/>
+          </a:p>
+        </p:txBody>
+      </p:sp>
+      <p:sp>
+        <p:nvSpPr>
+          <p:cNvPr id="104" name="TextBox 103"/>
+          <p:cNvSpPr txBox="1"/>
+          <p:nvPr/>
+        </p:nvSpPr>
+        <p:spPr>
+          <a:xfrm>
+            <a:off x="2047517" y="4367481"/>
+            <a:ext cx="338554" cy="200055"/>
+          </a:xfrm>
+          <a:prstGeom prst="rect">
+            <a:avLst/>
+          </a:prstGeom>
+          <a:noFill/>
+        </p:spPr>
+        <p:txBody>
+          <a:bodyPr wrap="none" rtlCol="0">
+            <a:spAutoFit/>
+          </a:bodyPr>
+          <a:lstStyle/>
+          <a:p>
+            <a:pPr algn="ctr"/>
+            <a:r>
+              <a:rPr lang="en-US" altLang="ko-KR" sz="700" b="1" dirty="0" smtClean="0"/>
+              <a:t>YES</a:t>
+            </a:r>
+            <a:endParaRPr lang="ko-KR" altLang="en-US" sz="700" b="1" dirty="0"/>
+          </a:p>
+        </p:txBody>
+      </p:sp>
+      <p:cxnSp>
+        <p:nvCxnSpPr>
+          <p:cNvPr id="105" name="직선 화살표 연결선 104"/>
+          <p:cNvCxnSpPr>
+            <a:stCxn id="90" idx="2"/>
+            <a:endCxn id="95" idx="1"/>
+          </p:cNvCxnSpPr>
+          <p:nvPr/>
+        </p:nvCxnSpPr>
+        <p:spPr>
+          <a:xfrm flipH="1">
+            <a:off x="1280992" y="2814607"/>
+            <a:ext cx="4396" cy="197979"/>
+          </a:xfrm>
+          <a:prstGeom prst="straightConnector1">
+            <a:avLst/>
+          </a:prstGeom>
+          <a:ln w="38100">
+            <a:solidFill>
+              <a:schemeClr val="tx1">
+                <a:lumMod val="50000"/>
+                <a:lumOff val="50000"/>
+              </a:schemeClr>
+            </a:solidFill>
+            <a:tailEnd type="triangle"/>
+          </a:ln>
+        </p:spPr>
+        <p:style>
+          <a:lnRef idx="1">
+            <a:schemeClr val="accent1"/>
+          </a:lnRef>
+          <a:fillRef idx="0">
+            <a:schemeClr val="accent1"/>
+          </a:fillRef>
+          <a:effectRef idx="0">
+            <a:schemeClr val="accent1"/>
+          </a:effectRef>
+          <a:fontRef idx="minor">
+            <a:schemeClr val="tx1"/>
+          </a:fontRef>
+        </p:style>
+      </p:cxnSp>
+      <p:sp>
+        <p:nvSpPr>
+          <p:cNvPr id="106" name="순서도: 데이터 105"/>
+          <p:cNvSpPr/>
+          <p:nvPr/>
+        </p:nvSpPr>
+        <p:spPr>
+          <a:xfrm>
+            <a:off x="2705294" y="3702349"/>
+            <a:ext cx="1444704" cy="420167"/>
+          </a:xfrm>
+          <a:prstGeom prst="flowChartInputOutput">
+            <a:avLst/>
+          </a:prstGeom>
+          <a:noFill/>
+          <a:ln w="38100" cap="flat">
+            <a:solidFill>
+              <a:schemeClr val="tx1">
+                <a:lumMod val="50000"/>
+                <a:lumOff val="50000"/>
+              </a:schemeClr>
+            </a:solidFill>
+          </a:ln>
+          <a:effectLst/>
+        </p:spPr>
+        <p:style>
+          <a:lnRef idx="2">
+            <a:schemeClr val="accent1">
+              <a:shade val="50000"/>
+            </a:schemeClr>
+          </a:lnRef>
+          <a:fillRef idx="1">
+            <a:schemeClr val="accent1"/>
+          </a:fillRef>
+          <a:effectRef idx="0">
+            <a:schemeClr val="accent1"/>
+          </a:effectRef>
+          <a:fontRef idx="minor">
+            <a:schemeClr val="lt1"/>
+          </a:fontRef>
+        </p:style>
+        <p:txBody>
+          <a:bodyPr rtlCol="0" anchor="ctr"/>
+          <a:lstStyle/>
+          <a:p>
+            <a:pPr algn="ctr"/>
+            <a:r>
+              <a:rPr lang="en-US" altLang="ko-KR" sz="700" b="1" dirty="0" smtClean="0">
+                <a:solidFill>
+                  <a:schemeClr val="tx1"/>
+                </a:solidFill>
+              </a:rPr>
+              <a:t>INPUT BUTTON</a:t>
+            </a:r>
+          </a:p>
+          <a:p>
+            <a:pPr algn="ctr"/>
+            <a:r>
+              <a:rPr lang="en-US" altLang="ko-KR" sz="700" b="1" dirty="0" smtClean="0">
+                <a:solidFill>
+                  <a:schemeClr val="tx1"/>
+                </a:solidFill>
+              </a:rPr>
+              <a:t>READ TEMP</a:t>
+            </a:r>
+            <a:endParaRPr lang="ko-KR" altLang="en-US" sz="700" b="1" dirty="0">
+              <a:solidFill>
+                <a:schemeClr val="tx1"/>
+              </a:solidFill>
+            </a:endParaRPr>
+          </a:p>
+        </p:txBody>
+      </p:sp>
+      <p:sp>
+        <p:nvSpPr>
+          <p:cNvPr id="107" name="순서도: 판단 106"/>
+          <p:cNvSpPr/>
+          <p:nvPr/>
+        </p:nvSpPr>
+        <p:spPr>
+          <a:xfrm>
+            <a:off x="463774" y="3632586"/>
+            <a:ext cx="1634436" cy="489930"/>
+          </a:xfrm>
+          <a:prstGeom prst="flowChartDecision">
+            <a:avLst/>
+          </a:prstGeom>
+          <a:noFill/>
+          <a:ln w="38100" cap="flat">
+            <a:solidFill>
+              <a:schemeClr val="tx1">
+                <a:lumMod val="50000"/>
+                <a:lumOff val="50000"/>
+              </a:schemeClr>
+            </a:solidFill>
+          </a:ln>
+          <a:effectLst/>
+        </p:spPr>
+        <p:style>
+          <a:lnRef idx="2">
+            <a:schemeClr val="accent1">
+              <a:shade val="50000"/>
+            </a:schemeClr>
+          </a:lnRef>
+          <a:fillRef idx="1">
+            <a:schemeClr val="accent1"/>
+          </a:fillRef>
+          <a:effectRef idx="0">
+            <a:schemeClr val="accent1"/>
+          </a:effectRef>
+          <a:fontRef idx="minor">
+            <a:schemeClr val="lt1"/>
+          </a:fontRef>
+        </p:style>
+        <p:txBody>
+          <a:bodyPr rtlCol="0" anchor="ctr"/>
+          <a:lstStyle/>
+          <a:p>
+            <a:pPr algn="ctr"/>
+            <a:r>
+              <a:rPr lang="en-US" altLang="ko-KR" sz="700" b="1" dirty="0" smtClean="0">
+                <a:solidFill>
+                  <a:schemeClr val="tx1"/>
+                </a:solidFill>
+              </a:rPr>
+              <a:t>BUTTON</a:t>
+            </a:r>
+            <a:r>
+              <a:rPr lang="ko-KR" altLang="en-US" sz="700" b="1" dirty="0" smtClean="0">
+                <a:solidFill>
+                  <a:schemeClr val="tx1"/>
+                </a:solidFill>
+              </a:rPr>
+              <a:t> </a:t>
+            </a:r>
+            <a:r>
+              <a:rPr lang="en-US" altLang="ko-KR" sz="700" b="1" dirty="0" smtClean="0">
+                <a:solidFill>
+                  <a:schemeClr val="tx1"/>
+                </a:solidFill>
+              </a:rPr>
+              <a:t>==</a:t>
+            </a:r>
+          </a:p>
+          <a:p>
+            <a:pPr algn="ctr"/>
+            <a:r>
+              <a:rPr lang="en-US" altLang="ko-KR" sz="700" b="1" dirty="0" smtClean="0">
+                <a:solidFill>
+                  <a:schemeClr val="tx1"/>
+                </a:solidFill>
+              </a:rPr>
+              <a:t>PRESSSED</a:t>
+            </a:r>
+            <a:endParaRPr lang="ko-KR" altLang="en-US" sz="700" b="1" dirty="0">
+              <a:solidFill>
+                <a:schemeClr val="tx1"/>
+              </a:solidFill>
+            </a:endParaRPr>
+          </a:p>
+        </p:txBody>
+      </p:sp>
+      <p:cxnSp>
+        <p:nvCxnSpPr>
+          <p:cNvPr id="108" name="직선 화살표 연결선 107"/>
+          <p:cNvCxnSpPr>
+            <a:stCxn id="95" idx="4"/>
+            <a:endCxn id="107" idx="0"/>
+          </p:cNvCxnSpPr>
+          <p:nvPr/>
+        </p:nvCxnSpPr>
+        <p:spPr>
+          <a:xfrm>
+            <a:off x="1280992" y="3432754"/>
+            <a:ext cx="0" cy="199832"/>
+          </a:xfrm>
+          <a:prstGeom prst="straightConnector1">
+            <a:avLst/>
+          </a:prstGeom>
+          <a:ln w="38100">
+            <a:solidFill>
+              <a:schemeClr val="tx1">
+                <a:lumMod val="50000"/>
+                <a:lumOff val="50000"/>
+              </a:schemeClr>
+            </a:solidFill>
+            <a:tailEnd type="triangle"/>
+          </a:ln>
+        </p:spPr>
+        <p:style>
+          <a:lnRef idx="1">
+            <a:schemeClr val="accent1"/>
+          </a:lnRef>
+          <a:fillRef idx="0">
+            <a:schemeClr val="accent1"/>
+          </a:fillRef>
+          <a:effectRef idx="0">
+            <a:schemeClr val="accent1"/>
+          </a:effectRef>
+          <a:fontRef idx="minor">
+            <a:schemeClr val="tx1"/>
+          </a:fontRef>
+        </p:style>
+      </p:cxnSp>
+      <p:cxnSp>
+        <p:nvCxnSpPr>
+          <p:cNvPr id="109" name="직선 화살표 연결선 108"/>
+          <p:cNvCxnSpPr>
+            <a:stCxn id="107" idx="2"/>
+            <a:endCxn id="99" idx="0"/>
+          </p:cNvCxnSpPr>
+          <p:nvPr/>
+        </p:nvCxnSpPr>
+        <p:spPr>
+          <a:xfrm>
+            <a:off x="1280992" y="4122516"/>
+            <a:ext cx="0" cy="204007"/>
+          </a:xfrm>
+          <a:prstGeom prst="straightConnector1">
+            <a:avLst/>
+          </a:prstGeom>
+          <a:ln w="38100">
+            <a:solidFill>
+              <a:schemeClr val="tx1">
+                <a:lumMod val="50000"/>
+                <a:lumOff val="50000"/>
+              </a:schemeClr>
+            </a:solidFill>
+            <a:tailEnd type="triangle"/>
+          </a:ln>
+        </p:spPr>
+        <p:style>
+          <a:lnRef idx="1">
+            <a:schemeClr val="accent1"/>
+          </a:lnRef>
+          <a:fillRef idx="0">
+            <a:schemeClr val="accent1"/>
+          </a:fillRef>
+          <a:effectRef idx="0">
+            <a:schemeClr val="accent1"/>
+          </a:effectRef>
+          <a:fontRef idx="minor">
+            <a:schemeClr val="tx1"/>
+          </a:fontRef>
+        </p:style>
+      </p:cxnSp>
+      <p:sp>
+        <p:nvSpPr>
+          <p:cNvPr id="110" name="TextBox 109"/>
+          <p:cNvSpPr txBox="1"/>
+          <p:nvPr/>
+        </p:nvSpPr>
+        <p:spPr>
+          <a:xfrm>
+            <a:off x="943581" y="4126869"/>
+            <a:ext cx="325730" cy="200055"/>
+          </a:xfrm>
+          <a:prstGeom prst="rect">
+            <a:avLst/>
+          </a:prstGeom>
+          <a:noFill/>
+        </p:spPr>
+        <p:txBody>
+          <a:bodyPr wrap="none" rtlCol="0">
+            <a:spAutoFit/>
+          </a:bodyPr>
+          <a:lstStyle/>
+          <a:p>
+            <a:pPr algn="ctr"/>
+            <a:r>
+              <a:rPr lang="en-US" altLang="ko-KR" sz="700" b="1" dirty="0" smtClean="0"/>
+              <a:t>NO</a:t>
+            </a:r>
+            <a:endParaRPr lang="ko-KR" altLang="en-US" sz="700" b="1" dirty="0"/>
+          </a:p>
+        </p:txBody>
+      </p:sp>
+      <p:sp>
+        <p:nvSpPr>
+          <p:cNvPr id="111" name="순서도: 판단 110"/>
+          <p:cNvSpPr/>
+          <p:nvPr/>
+        </p:nvSpPr>
+        <p:spPr>
+          <a:xfrm>
+            <a:off x="2610428" y="3012587"/>
+            <a:ext cx="1634436" cy="489930"/>
+          </a:xfrm>
+          <a:prstGeom prst="flowChartDecision">
+            <a:avLst/>
+          </a:prstGeom>
+          <a:noFill/>
+          <a:ln w="38100" cap="flat">
+            <a:solidFill>
+              <a:schemeClr val="tx1">
+                <a:lumMod val="50000"/>
+                <a:lumOff val="50000"/>
+              </a:schemeClr>
+            </a:solidFill>
+          </a:ln>
+          <a:effectLst/>
+        </p:spPr>
+        <p:style>
+          <a:lnRef idx="2">
+            <a:schemeClr val="accent1">
+              <a:shade val="50000"/>
+            </a:schemeClr>
+          </a:lnRef>
+          <a:fillRef idx="1">
+            <a:schemeClr val="accent1"/>
+          </a:fillRef>
+          <a:effectRef idx="0">
+            <a:schemeClr val="accent1"/>
+          </a:effectRef>
+          <a:fontRef idx="minor">
+            <a:schemeClr val="lt1"/>
+          </a:fontRef>
+        </p:style>
+        <p:txBody>
+          <a:bodyPr rtlCol="0" anchor="ctr"/>
+          <a:lstStyle/>
+          <a:p>
+            <a:pPr algn="ctr"/>
+            <a:r>
+              <a:rPr lang="en-US" altLang="ko-KR" sz="700" b="1" dirty="0" smtClean="0">
+                <a:solidFill>
+                  <a:schemeClr val="tx1"/>
+                </a:solidFill>
+              </a:rPr>
+              <a:t>BUTTON</a:t>
+            </a:r>
+            <a:r>
+              <a:rPr lang="ko-KR" altLang="en-US" sz="700" b="1" dirty="0" smtClean="0">
+                <a:solidFill>
+                  <a:schemeClr val="tx1"/>
+                </a:solidFill>
+              </a:rPr>
+              <a:t> </a:t>
+            </a:r>
+            <a:r>
+              <a:rPr lang="en-US" altLang="ko-KR" sz="700" b="1" dirty="0" smtClean="0">
+                <a:solidFill>
+                  <a:schemeClr val="tx1"/>
+                </a:solidFill>
+              </a:rPr>
+              <a:t>==</a:t>
+            </a:r>
+          </a:p>
+          <a:p>
+            <a:pPr algn="ctr"/>
+            <a:r>
+              <a:rPr lang="en-US" altLang="ko-KR" sz="700" b="1" dirty="0" smtClean="0">
+                <a:solidFill>
+                  <a:schemeClr val="tx1"/>
+                </a:solidFill>
+              </a:rPr>
+              <a:t>PRESSED</a:t>
+            </a:r>
+            <a:endParaRPr lang="ko-KR" altLang="en-US" sz="700" b="1" dirty="0">
+              <a:solidFill>
+                <a:schemeClr val="tx1"/>
+              </a:solidFill>
+            </a:endParaRPr>
+          </a:p>
+        </p:txBody>
+      </p:sp>
+      <p:cxnSp>
+        <p:nvCxnSpPr>
+          <p:cNvPr id="112" name="직선 화살표 연결선 111"/>
+          <p:cNvCxnSpPr>
+            <a:stCxn id="111" idx="0"/>
+            <a:endCxn id="98" idx="2"/>
+          </p:cNvCxnSpPr>
+          <p:nvPr/>
+        </p:nvCxnSpPr>
+        <p:spPr>
+          <a:xfrm flipV="1">
+            <a:off x="3427646" y="2814607"/>
+            <a:ext cx="0" cy="197979"/>
+          </a:xfrm>
+          <a:prstGeom prst="straightConnector1">
+            <a:avLst/>
+          </a:prstGeom>
+          <a:ln w="38100">
+            <a:solidFill>
+              <a:schemeClr val="tx1">
+                <a:lumMod val="50000"/>
+                <a:lumOff val="50000"/>
+              </a:schemeClr>
+            </a:solidFill>
+            <a:tailEnd type="triangle"/>
+          </a:ln>
+        </p:spPr>
+        <p:style>
+          <a:lnRef idx="1">
+            <a:schemeClr val="accent1"/>
+          </a:lnRef>
+          <a:fillRef idx="0">
+            <a:schemeClr val="accent1"/>
+          </a:fillRef>
+          <a:effectRef idx="0">
+            <a:schemeClr val="accent1"/>
+          </a:effectRef>
+          <a:fontRef idx="minor">
+            <a:schemeClr val="tx1"/>
+          </a:fontRef>
+        </p:style>
+      </p:cxnSp>
+      <p:cxnSp>
+        <p:nvCxnSpPr>
+          <p:cNvPr id="113" name="직선 화살표 연결선 112"/>
+          <p:cNvCxnSpPr>
+            <a:stCxn id="106" idx="1"/>
+            <a:endCxn id="111" idx="2"/>
+          </p:cNvCxnSpPr>
+          <p:nvPr/>
+        </p:nvCxnSpPr>
+        <p:spPr>
+          <a:xfrm flipV="1">
+            <a:off x="3427646" y="3502516"/>
+            <a:ext cx="0" cy="199832"/>
+          </a:xfrm>
+          <a:prstGeom prst="straightConnector1">
+            <a:avLst/>
+          </a:prstGeom>
+          <a:ln w="38100">
+            <a:solidFill>
+              <a:schemeClr val="tx1">
+                <a:lumMod val="50000"/>
+                <a:lumOff val="50000"/>
+              </a:schemeClr>
+            </a:solidFill>
+            <a:tailEnd type="triangle"/>
+          </a:ln>
+        </p:spPr>
+        <p:style>
+          <a:lnRef idx="1">
+            <a:schemeClr val="accent1"/>
+          </a:lnRef>
+          <a:fillRef idx="0">
+            <a:schemeClr val="accent1"/>
+          </a:fillRef>
+          <a:effectRef idx="0">
+            <a:schemeClr val="accent1"/>
+          </a:effectRef>
+          <a:fontRef idx="minor">
+            <a:schemeClr val="tx1"/>
+          </a:fontRef>
+        </p:style>
+      </p:cxnSp>
+      <p:sp>
+        <p:nvSpPr>
+          <p:cNvPr id="114" name="TextBox 113"/>
+          <p:cNvSpPr txBox="1"/>
+          <p:nvPr/>
+        </p:nvSpPr>
+        <p:spPr>
+          <a:xfrm>
+            <a:off x="3435775" y="2812754"/>
+            <a:ext cx="325730" cy="200055"/>
+          </a:xfrm>
+          <a:prstGeom prst="rect">
+            <a:avLst/>
+          </a:prstGeom>
+          <a:noFill/>
+        </p:spPr>
+        <p:txBody>
+          <a:bodyPr wrap="none" rtlCol="0">
+            <a:spAutoFit/>
+          </a:bodyPr>
+          <a:lstStyle/>
+          <a:p>
+            <a:pPr algn="ctr"/>
+            <a:r>
+              <a:rPr lang="en-US" altLang="ko-KR" sz="700" b="1" dirty="0" smtClean="0"/>
+              <a:t>NO</a:t>
+            </a:r>
+            <a:endParaRPr lang="ko-KR" altLang="en-US" sz="700" b="1" dirty="0"/>
+          </a:p>
+        </p:txBody>
+      </p:sp>
+      <p:cxnSp>
+        <p:nvCxnSpPr>
+          <p:cNvPr id="116" name="꺾인 연결선 115"/>
+          <p:cNvCxnSpPr>
+            <a:stCxn id="111" idx="1"/>
+            <a:endCxn id="122" idx="0"/>
+          </p:cNvCxnSpPr>
+          <p:nvPr/>
+        </p:nvCxnSpPr>
+        <p:spPr>
+          <a:xfrm rot="10800000" flipV="1">
+            <a:off x="2388048" y="3257552"/>
+            <a:ext cx="222380" cy="1622454"/>
+          </a:xfrm>
+          <a:prstGeom prst="bentConnector2">
+            <a:avLst/>
+          </a:prstGeom>
+          <a:ln w="38100">
+            <a:solidFill>
+              <a:schemeClr val="accent4"/>
+            </a:solidFill>
+            <a:tailEnd type="triangle"/>
+          </a:ln>
+        </p:spPr>
+        <p:style>
+          <a:lnRef idx="1">
+            <a:schemeClr val="accent1"/>
+          </a:lnRef>
+          <a:fillRef idx="0">
+            <a:schemeClr val="accent1"/>
+          </a:fillRef>
+          <a:effectRef idx="0">
+            <a:schemeClr val="accent1"/>
+          </a:effectRef>
+          <a:fontRef idx="minor">
+            <a:schemeClr val="tx1"/>
+          </a:fontRef>
+        </p:style>
+      </p:cxnSp>
+      <p:cxnSp>
+        <p:nvCxnSpPr>
+          <p:cNvPr id="117" name="꺾인 연결선 116"/>
+          <p:cNvCxnSpPr>
+            <a:stCxn id="107" idx="3"/>
+            <a:endCxn id="122" idx="0"/>
+          </p:cNvCxnSpPr>
+          <p:nvPr/>
+        </p:nvCxnSpPr>
+        <p:spPr>
+          <a:xfrm>
+            <a:off x="2098210" y="3877551"/>
+            <a:ext cx="289838" cy="1002455"/>
+          </a:xfrm>
+          <a:prstGeom prst="bentConnector2">
+            <a:avLst/>
+          </a:prstGeom>
+          <a:ln w="38100">
+            <a:solidFill>
+              <a:schemeClr val="accent4"/>
+            </a:solidFill>
+            <a:tailEnd type="triangle"/>
+          </a:ln>
+        </p:spPr>
+        <p:style>
+          <a:lnRef idx="1">
+            <a:schemeClr val="accent1"/>
+          </a:lnRef>
+          <a:fillRef idx="0">
+            <a:schemeClr val="accent1"/>
+          </a:fillRef>
+          <a:effectRef idx="0">
+            <a:schemeClr val="accent1"/>
+          </a:effectRef>
+          <a:fontRef idx="minor">
+            <a:schemeClr val="tx1"/>
+          </a:fontRef>
+        </p:style>
+      </p:cxnSp>
+      <p:sp>
+        <p:nvSpPr>
+          <p:cNvPr id="119" name="TextBox 118"/>
+          <p:cNvSpPr txBox="1"/>
+          <p:nvPr/>
+        </p:nvSpPr>
+        <p:spPr>
+          <a:xfrm>
+            <a:off x="2344565" y="3051747"/>
+            <a:ext cx="338554" cy="200055"/>
+          </a:xfrm>
+          <a:prstGeom prst="rect">
+            <a:avLst/>
+          </a:prstGeom>
+          <a:noFill/>
+        </p:spPr>
+        <p:txBody>
+          <a:bodyPr wrap="none" rtlCol="0">
+            <a:spAutoFit/>
+          </a:bodyPr>
+          <a:lstStyle/>
+          <a:p>
+            <a:pPr algn="ctr"/>
+            <a:r>
+              <a:rPr lang="en-US" altLang="ko-KR" sz="700" b="1" dirty="0" smtClean="0"/>
+              <a:t>YES</a:t>
+            </a:r>
+            <a:endParaRPr lang="ko-KR" altLang="en-US" sz="700" b="1" dirty="0"/>
+          </a:p>
+        </p:txBody>
+      </p:sp>
+      <p:sp>
+        <p:nvSpPr>
+          <p:cNvPr id="120" name="TextBox 119"/>
+          <p:cNvSpPr txBox="1"/>
+          <p:nvPr/>
+        </p:nvSpPr>
+        <p:spPr>
+          <a:xfrm>
+            <a:off x="2021990" y="3670142"/>
+            <a:ext cx="338554" cy="200055"/>
+          </a:xfrm>
+          <a:prstGeom prst="rect">
+            <a:avLst/>
+          </a:prstGeom>
+          <a:noFill/>
+        </p:spPr>
+        <p:txBody>
+          <a:bodyPr wrap="none" rtlCol="0">
+            <a:spAutoFit/>
+          </a:bodyPr>
+          <a:lstStyle/>
+          <a:p>
+            <a:pPr algn="ctr"/>
+            <a:r>
+              <a:rPr lang="en-US" altLang="ko-KR" sz="700" b="1" dirty="0" smtClean="0"/>
+              <a:t>YES</a:t>
+            </a:r>
+            <a:endParaRPr lang="ko-KR" altLang="en-US" sz="700" b="1" dirty="0"/>
+          </a:p>
+        </p:txBody>
+      </p:sp>
+      <p:sp>
+        <p:nvSpPr>
+          <p:cNvPr id="122" name="순서도: 처리 121"/>
+          <p:cNvSpPr/>
+          <p:nvPr/>
+        </p:nvSpPr>
+        <p:spPr>
+          <a:xfrm>
+            <a:off x="1807206" y="4880006"/>
+            <a:ext cx="1161682" cy="241249"/>
+          </a:xfrm>
+          <a:prstGeom prst="flowChartProcess">
+            <a:avLst/>
+          </a:prstGeom>
+          <a:noFill/>
+          <a:ln w="38100" cap="flat">
+            <a:solidFill>
+              <a:schemeClr val="tx1">
+                <a:lumMod val="50000"/>
+                <a:lumOff val="50000"/>
+              </a:schemeClr>
+            </a:solidFill>
+          </a:ln>
+          <a:effectLst/>
+        </p:spPr>
+        <p:style>
+          <a:lnRef idx="2">
+            <a:schemeClr val="accent1">
+              <a:shade val="50000"/>
+            </a:schemeClr>
+          </a:lnRef>
+          <a:fillRef idx="1">
+            <a:schemeClr val="accent1"/>
+          </a:fillRef>
+          <a:effectRef idx="0">
+            <a:schemeClr val="accent1"/>
+          </a:effectRef>
+          <a:fontRef idx="minor">
+            <a:schemeClr val="lt1"/>
+          </a:fontRef>
+        </p:style>
+        <p:txBody>
+          <a:bodyPr rtlCol="0" anchor="ctr"/>
+          <a:lstStyle/>
+          <a:p>
+            <a:pPr algn="ctr"/>
+            <a:r>
+              <a:rPr lang="en-US" altLang="ko-KR" sz="700" b="1" dirty="0">
+                <a:solidFill>
+                  <a:schemeClr val="accent6"/>
+                </a:solidFill>
+              </a:rPr>
+              <a:t>LED</a:t>
+            </a:r>
+            <a:r>
+              <a:rPr lang="en-US" altLang="ko-KR" sz="700" b="1" dirty="0">
+                <a:solidFill>
+                  <a:schemeClr val="tx1"/>
+                </a:solidFill>
+              </a:rPr>
+              <a:t> ← </a:t>
+            </a:r>
+            <a:r>
+              <a:rPr lang="en-US" altLang="ko-KR" sz="700" b="1" dirty="0" smtClean="0">
+                <a:solidFill>
+                  <a:schemeClr val="tx1"/>
+                </a:solidFill>
+              </a:rPr>
+              <a:t>OFF</a:t>
+            </a:r>
+            <a:endParaRPr lang="en-US" altLang="ko-KR" sz="700" b="1" dirty="0">
+              <a:solidFill>
+                <a:schemeClr val="tx1"/>
+              </a:solidFill>
+            </a:endParaRPr>
+          </a:p>
+        </p:txBody>
+      </p:sp>
+      <p:sp>
+        <p:nvSpPr>
+          <p:cNvPr id="127" name="순서도: 처리 126"/>
+          <p:cNvSpPr/>
+          <p:nvPr/>
+        </p:nvSpPr>
+        <p:spPr>
+          <a:xfrm>
+            <a:off x="7745984" y="4410965"/>
+            <a:ext cx="992943" cy="333049"/>
+          </a:xfrm>
+          <a:prstGeom prst="flowChartProcess">
+            <a:avLst/>
+          </a:prstGeom>
+          <a:noFill/>
+          <a:ln w="38100" cap="flat">
+            <a:solidFill>
+              <a:schemeClr val="tx1">
+                <a:lumMod val="50000"/>
+                <a:lumOff val="50000"/>
+              </a:schemeClr>
+            </a:solidFill>
+          </a:ln>
+          <a:effectLst/>
+        </p:spPr>
+        <p:style>
+          <a:lnRef idx="2">
+            <a:schemeClr val="accent1">
+              <a:shade val="50000"/>
+            </a:schemeClr>
+          </a:lnRef>
+          <a:fillRef idx="1">
+            <a:schemeClr val="accent1"/>
+          </a:fillRef>
+          <a:effectRef idx="0">
+            <a:schemeClr val="accent1"/>
+          </a:effectRef>
+          <a:fontRef idx="minor">
+            <a:schemeClr val="lt1"/>
+          </a:fontRef>
+        </p:style>
+        <p:txBody>
+          <a:bodyPr rtlCol="0" anchor="ctr"/>
+          <a:lstStyle/>
+          <a:p>
+            <a:pPr algn="ctr"/>
+            <a:r>
+              <a:rPr lang="en-US" altLang="ko-KR" sz="700" b="1" dirty="0" smtClean="0">
+                <a:solidFill>
+                  <a:schemeClr val="tx1"/>
+                </a:solidFill>
+              </a:rPr>
+              <a:t>RELAY</a:t>
+            </a:r>
+            <a:r>
+              <a:rPr lang="ko-KR" altLang="en-US" sz="700" b="1" dirty="0" smtClean="0">
+                <a:solidFill>
+                  <a:schemeClr val="tx1"/>
+                </a:solidFill>
+              </a:rPr>
+              <a:t> </a:t>
+            </a:r>
+            <a:r>
+              <a:rPr lang="en-US" altLang="ko-KR" sz="700" b="1" dirty="0" smtClean="0">
+                <a:solidFill>
+                  <a:schemeClr val="tx1"/>
+                </a:solidFill>
+              </a:rPr>
+              <a:t>← OFF</a:t>
+            </a:r>
+          </a:p>
+        </p:txBody>
+      </p:sp>
+      <p:sp>
+        <p:nvSpPr>
+          <p:cNvPr id="128" name="순서도: 처리 127"/>
+          <p:cNvSpPr/>
+          <p:nvPr/>
+        </p:nvSpPr>
+        <p:spPr>
+          <a:xfrm>
+            <a:off x="5519355" y="2330679"/>
+            <a:ext cx="1161683" cy="489930"/>
+          </a:xfrm>
+          <a:prstGeom prst="flowChartProcess">
+            <a:avLst/>
+          </a:prstGeom>
+          <a:noFill/>
+          <a:ln w="38100" cap="flat">
+            <a:solidFill>
+              <a:schemeClr val="tx1">
+                <a:lumMod val="50000"/>
+                <a:lumOff val="50000"/>
+              </a:schemeClr>
+            </a:solidFill>
+          </a:ln>
+          <a:effectLst/>
+        </p:spPr>
+        <p:style>
+          <a:lnRef idx="2">
+            <a:schemeClr val="accent1">
+              <a:shade val="50000"/>
+            </a:schemeClr>
+          </a:lnRef>
+          <a:fillRef idx="1">
+            <a:schemeClr val="accent1"/>
+          </a:fillRef>
+          <a:effectRef idx="0">
+            <a:schemeClr val="accent1"/>
+          </a:effectRef>
+          <a:fontRef idx="minor">
+            <a:schemeClr val="lt1"/>
+          </a:fontRef>
+        </p:style>
+        <p:txBody>
+          <a:bodyPr rtlCol="0" anchor="ctr"/>
+          <a:lstStyle/>
+          <a:p>
+            <a:pPr algn="ctr"/>
+            <a:r>
+              <a:rPr lang="en-US" altLang="ko-KR" sz="700" b="1" dirty="0">
+                <a:solidFill>
+                  <a:schemeClr val="accent1"/>
+                </a:solidFill>
+              </a:rPr>
+              <a:t>LED</a:t>
+            </a:r>
+            <a:r>
+              <a:rPr lang="en-US" altLang="ko-KR" sz="700" b="1" dirty="0">
+                <a:solidFill>
+                  <a:schemeClr val="accent6"/>
+                </a:solidFill>
+              </a:rPr>
+              <a:t> </a:t>
+            </a:r>
+            <a:r>
+              <a:rPr lang="en-US" altLang="ko-KR" sz="700" b="1" dirty="0" smtClean="0">
+                <a:solidFill>
+                  <a:schemeClr val="tx1"/>
+                </a:solidFill>
+              </a:rPr>
+              <a:t>← ON</a:t>
+            </a:r>
+          </a:p>
+          <a:p>
+            <a:pPr algn="ctr"/>
+            <a:r>
+              <a:rPr lang="en-US" altLang="ko-KR" sz="700" b="1" dirty="0" smtClean="0">
+                <a:solidFill>
+                  <a:schemeClr val="tx1"/>
+                </a:solidFill>
+              </a:rPr>
+              <a:t>RELAY</a:t>
+            </a:r>
+            <a:r>
+              <a:rPr lang="ko-KR" altLang="en-US" sz="700" b="1" dirty="0" smtClean="0">
+                <a:solidFill>
+                  <a:schemeClr val="tx1"/>
+                </a:solidFill>
+              </a:rPr>
+              <a:t> </a:t>
+            </a:r>
+            <a:r>
+              <a:rPr lang="en-US" altLang="ko-KR" sz="700" b="1" dirty="0">
+                <a:solidFill>
+                  <a:schemeClr val="tx1"/>
+                </a:solidFill>
+              </a:rPr>
+              <a:t>←</a:t>
+            </a:r>
+            <a:r>
+              <a:rPr lang="ko-KR" altLang="en-US" sz="700" b="1" dirty="0" smtClean="0">
+                <a:solidFill>
+                  <a:schemeClr val="tx1"/>
+                </a:solidFill>
+              </a:rPr>
+              <a:t> </a:t>
+            </a:r>
+            <a:r>
+              <a:rPr lang="en-US" altLang="ko-KR" sz="700" b="1" dirty="0" smtClean="0">
+                <a:solidFill>
+                  <a:schemeClr val="tx1"/>
+                </a:solidFill>
+              </a:rPr>
+              <a:t>ON</a:t>
+            </a:r>
+          </a:p>
+        </p:txBody>
+      </p:sp>
+      <p:cxnSp>
+        <p:nvCxnSpPr>
+          <p:cNvPr id="130" name="꺾인 연결선 129"/>
+          <p:cNvCxnSpPr>
+            <a:stCxn id="136" idx="1"/>
+            <a:endCxn id="128" idx="1"/>
+          </p:cNvCxnSpPr>
+          <p:nvPr/>
+        </p:nvCxnSpPr>
+        <p:spPr>
+          <a:xfrm rot="10800000" flipH="1">
+            <a:off x="5278582" y="2575644"/>
+            <a:ext cx="240773" cy="2001846"/>
+          </a:xfrm>
+          <a:prstGeom prst="bentConnector3">
+            <a:avLst>
+              <a:gd name="adj1" fmla="val -66941"/>
+            </a:avLst>
+          </a:prstGeom>
+          <a:ln w="38100">
+            <a:solidFill>
+              <a:schemeClr val="tx1">
+                <a:lumMod val="50000"/>
+                <a:lumOff val="50000"/>
+              </a:schemeClr>
+            </a:solidFill>
+            <a:tailEnd type="triangle"/>
+          </a:ln>
+        </p:spPr>
+        <p:style>
+          <a:lnRef idx="1">
+            <a:schemeClr val="accent1"/>
+          </a:lnRef>
+          <a:fillRef idx="0">
+            <a:schemeClr val="accent1"/>
+          </a:fillRef>
+          <a:effectRef idx="0">
+            <a:schemeClr val="accent1"/>
+          </a:effectRef>
+          <a:fontRef idx="minor">
+            <a:schemeClr val="tx1"/>
+          </a:fontRef>
+        </p:style>
+      </p:cxnSp>
+      <p:sp>
+        <p:nvSpPr>
+          <p:cNvPr id="131" name="TextBox 130"/>
+          <p:cNvSpPr txBox="1"/>
+          <p:nvPr/>
+        </p:nvSpPr>
+        <p:spPr>
+          <a:xfrm>
+            <a:off x="5110170" y="4313315"/>
+            <a:ext cx="325730" cy="200055"/>
+          </a:xfrm>
+          <a:prstGeom prst="rect">
+            <a:avLst/>
+          </a:prstGeom>
+          <a:noFill/>
+        </p:spPr>
+        <p:txBody>
+          <a:bodyPr wrap="none" rtlCol="0">
+            <a:spAutoFit/>
+          </a:bodyPr>
+          <a:lstStyle/>
+          <a:p>
+            <a:pPr algn="ctr"/>
+            <a:r>
+              <a:rPr lang="en-US" altLang="ko-KR" sz="700" b="1" dirty="0" smtClean="0"/>
+              <a:t>NO</a:t>
+            </a:r>
+            <a:endParaRPr lang="ko-KR" altLang="en-US" sz="700" b="1" dirty="0"/>
+          </a:p>
+        </p:txBody>
+      </p:sp>
+      <p:sp>
+        <p:nvSpPr>
+          <p:cNvPr id="132" name="순서도: 데이터 131"/>
+          <p:cNvSpPr/>
+          <p:nvPr/>
+        </p:nvSpPr>
+        <p:spPr>
+          <a:xfrm>
+            <a:off x="5373448" y="3018588"/>
+            <a:ext cx="1444704" cy="420167"/>
+          </a:xfrm>
+          <a:prstGeom prst="flowChartInputOutput">
+            <a:avLst/>
+          </a:prstGeom>
+          <a:noFill/>
+          <a:ln w="38100" cap="flat">
+            <a:solidFill>
+              <a:schemeClr val="tx1">
+                <a:lumMod val="50000"/>
+                <a:lumOff val="50000"/>
+              </a:schemeClr>
+            </a:solidFill>
+          </a:ln>
+          <a:effectLst/>
+        </p:spPr>
+        <p:style>
+          <a:lnRef idx="2">
+            <a:schemeClr val="accent1">
+              <a:shade val="50000"/>
+            </a:schemeClr>
+          </a:lnRef>
+          <a:fillRef idx="1">
+            <a:schemeClr val="accent1"/>
+          </a:fillRef>
+          <a:effectRef idx="0">
+            <a:schemeClr val="accent1"/>
+          </a:effectRef>
+          <a:fontRef idx="minor">
+            <a:schemeClr val="lt1"/>
+          </a:fontRef>
+        </p:style>
+        <p:txBody>
+          <a:bodyPr rtlCol="0" anchor="ctr"/>
+          <a:lstStyle/>
+          <a:p>
+            <a:pPr algn="ctr"/>
+            <a:r>
+              <a:rPr lang="en-US" altLang="ko-KR" sz="700" b="1" dirty="0" smtClean="0">
+                <a:solidFill>
+                  <a:schemeClr val="tx1"/>
+                </a:solidFill>
+              </a:rPr>
+              <a:t>INPUT BUTTON</a:t>
+            </a:r>
+          </a:p>
+          <a:p>
+            <a:pPr algn="ctr"/>
+            <a:r>
+              <a:rPr lang="en-US" altLang="ko-KR" sz="700" b="1" dirty="0" smtClean="0">
+                <a:solidFill>
+                  <a:schemeClr val="tx1"/>
+                </a:solidFill>
+              </a:rPr>
+              <a:t>READ TEMP</a:t>
+            </a:r>
+            <a:endParaRPr lang="ko-KR" altLang="en-US" sz="700" b="1" dirty="0">
+              <a:solidFill>
+                <a:schemeClr val="tx1"/>
+              </a:solidFill>
+            </a:endParaRPr>
+          </a:p>
+        </p:txBody>
+      </p:sp>
+      <p:cxnSp>
+        <p:nvCxnSpPr>
+          <p:cNvPr id="133" name="직선 화살표 연결선 132"/>
+          <p:cNvCxnSpPr>
+            <a:stCxn id="136" idx="3"/>
+            <a:endCxn id="127" idx="1"/>
+          </p:cNvCxnSpPr>
+          <p:nvPr/>
+        </p:nvCxnSpPr>
+        <p:spPr>
+          <a:xfrm>
+            <a:off x="6913019" y="4577489"/>
+            <a:ext cx="832965" cy="1"/>
+          </a:xfrm>
+          <a:prstGeom prst="straightConnector1">
+            <a:avLst/>
+          </a:prstGeom>
+          <a:ln w="38100">
+            <a:solidFill>
+              <a:schemeClr val="tx1">
+                <a:lumMod val="50000"/>
+                <a:lumOff val="50000"/>
+              </a:schemeClr>
+            </a:solidFill>
+            <a:tailEnd type="triangle"/>
+          </a:ln>
+        </p:spPr>
+        <p:style>
+          <a:lnRef idx="1">
+            <a:schemeClr val="accent1"/>
+          </a:lnRef>
+          <a:fillRef idx="0">
+            <a:schemeClr val="accent1"/>
+          </a:fillRef>
+          <a:effectRef idx="0">
+            <a:schemeClr val="accent1"/>
+          </a:effectRef>
+          <a:fontRef idx="minor">
+            <a:schemeClr val="tx1"/>
+          </a:fontRef>
+        </p:style>
+      </p:cxnSp>
+      <p:cxnSp>
+        <p:nvCxnSpPr>
+          <p:cNvPr id="134" name="직선 화살표 연결선 133"/>
+          <p:cNvCxnSpPr>
+            <a:stCxn id="127" idx="0"/>
+            <a:endCxn id="143" idx="4"/>
+          </p:cNvCxnSpPr>
+          <p:nvPr/>
+        </p:nvCxnSpPr>
+        <p:spPr>
+          <a:xfrm flipV="1">
+            <a:off x="8242455" y="4128517"/>
+            <a:ext cx="0" cy="282448"/>
+          </a:xfrm>
+          <a:prstGeom prst="straightConnector1">
+            <a:avLst/>
+          </a:prstGeom>
+          <a:ln w="38100">
+            <a:solidFill>
+              <a:schemeClr val="tx1">
+                <a:lumMod val="50000"/>
+                <a:lumOff val="50000"/>
+              </a:schemeClr>
+            </a:solidFill>
+            <a:tailEnd type="triangle"/>
+          </a:ln>
+        </p:spPr>
+        <p:style>
+          <a:lnRef idx="1">
+            <a:schemeClr val="accent1"/>
+          </a:lnRef>
+          <a:fillRef idx="0">
+            <a:schemeClr val="accent1"/>
+          </a:fillRef>
+          <a:effectRef idx="0">
+            <a:schemeClr val="accent1"/>
+          </a:effectRef>
+          <a:fontRef idx="minor">
+            <a:schemeClr val="tx1"/>
+          </a:fontRef>
+        </p:style>
+      </p:cxnSp>
+      <p:sp>
+        <p:nvSpPr>
+          <p:cNvPr id="135" name="순서도: 판단 134"/>
+          <p:cNvSpPr/>
+          <p:nvPr/>
+        </p:nvSpPr>
+        <p:spPr>
+          <a:xfrm>
+            <a:off x="7425237" y="2330679"/>
+            <a:ext cx="1634437" cy="489930"/>
+          </a:xfrm>
+          <a:prstGeom prst="flowChartDecision">
+            <a:avLst/>
+          </a:prstGeom>
+          <a:noFill/>
+          <a:ln w="38100" cap="flat">
+            <a:solidFill>
+              <a:schemeClr val="tx1">
+                <a:lumMod val="50000"/>
+                <a:lumOff val="50000"/>
+              </a:schemeClr>
+            </a:solidFill>
+          </a:ln>
+          <a:effectLst/>
+        </p:spPr>
+        <p:style>
+          <a:lnRef idx="2">
+            <a:schemeClr val="accent1">
+              <a:shade val="50000"/>
+            </a:schemeClr>
+          </a:lnRef>
+          <a:fillRef idx="1">
+            <a:schemeClr val="accent1"/>
+          </a:fillRef>
+          <a:effectRef idx="0">
+            <a:schemeClr val="accent1"/>
+          </a:effectRef>
+          <a:fontRef idx="minor">
+            <a:schemeClr val="lt1"/>
+          </a:fontRef>
+        </p:style>
+        <p:txBody>
+          <a:bodyPr rtlCol="0" anchor="ctr"/>
+          <a:lstStyle/>
+          <a:p>
+            <a:pPr algn="ctr"/>
+            <a:r>
+              <a:rPr lang="en-US" altLang="ko-KR" sz="700" b="1" dirty="0" smtClean="0">
+                <a:solidFill>
+                  <a:schemeClr val="tx1"/>
+                </a:solidFill>
+              </a:rPr>
+              <a:t>TEMP</a:t>
+            </a:r>
+            <a:r>
+              <a:rPr lang="ko-KR" altLang="en-US" sz="700" b="1" dirty="0" smtClean="0">
+                <a:solidFill>
+                  <a:schemeClr val="tx1"/>
+                </a:solidFill>
+              </a:rPr>
+              <a:t> </a:t>
+            </a:r>
+            <a:r>
+              <a:rPr lang="en-US" altLang="ko-KR" sz="700" b="1" dirty="0">
+                <a:solidFill>
+                  <a:schemeClr val="tx1"/>
+                </a:solidFill>
+              </a:rPr>
+              <a:t>&lt;</a:t>
+            </a:r>
+            <a:r>
+              <a:rPr lang="en-US" altLang="ko-KR" sz="700" b="1" dirty="0" smtClean="0">
+                <a:solidFill>
+                  <a:schemeClr val="tx1"/>
+                </a:solidFill>
+              </a:rPr>
+              <a:t> </a:t>
+            </a:r>
+          </a:p>
+          <a:p>
+            <a:pPr algn="ctr"/>
+            <a:r>
+              <a:rPr lang="en-US" altLang="ko-KR" sz="700" b="1" dirty="0" smtClean="0">
+                <a:solidFill>
+                  <a:schemeClr val="tx1"/>
+                </a:solidFill>
+              </a:rPr>
+              <a:t>ACCEPTABLE</a:t>
+            </a:r>
+            <a:endParaRPr lang="ko-KR" altLang="en-US" sz="700" b="1" dirty="0">
+              <a:solidFill>
+                <a:schemeClr val="tx1"/>
+              </a:solidFill>
+            </a:endParaRPr>
+          </a:p>
+        </p:txBody>
+      </p:sp>
+      <p:sp>
+        <p:nvSpPr>
+          <p:cNvPr id="136" name="순서도: 판단 135"/>
+          <p:cNvSpPr/>
+          <p:nvPr/>
+        </p:nvSpPr>
+        <p:spPr>
+          <a:xfrm>
+            <a:off x="5278582" y="4332524"/>
+            <a:ext cx="1634437" cy="489930"/>
+          </a:xfrm>
+          <a:prstGeom prst="flowChartDecision">
+            <a:avLst/>
+          </a:prstGeom>
+          <a:noFill/>
+          <a:ln w="38100" cap="flat">
+            <a:solidFill>
+              <a:schemeClr val="tx1">
+                <a:lumMod val="50000"/>
+                <a:lumOff val="50000"/>
+              </a:schemeClr>
+            </a:solidFill>
+          </a:ln>
+          <a:effectLst/>
+        </p:spPr>
+        <p:style>
+          <a:lnRef idx="2">
+            <a:schemeClr val="accent1">
+              <a:shade val="50000"/>
+            </a:schemeClr>
+          </a:lnRef>
+          <a:fillRef idx="1">
+            <a:schemeClr val="accent1"/>
+          </a:fillRef>
+          <a:effectRef idx="0">
+            <a:schemeClr val="accent1"/>
+          </a:effectRef>
+          <a:fontRef idx="minor">
+            <a:schemeClr val="lt1"/>
+          </a:fontRef>
+        </p:style>
+        <p:txBody>
+          <a:bodyPr rtlCol="0" anchor="ctr"/>
+          <a:lstStyle/>
+          <a:p>
+            <a:pPr algn="ctr"/>
+            <a:r>
+              <a:rPr lang="en-US" altLang="ko-KR" sz="700" b="1" dirty="0" smtClean="0">
+                <a:solidFill>
+                  <a:schemeClr val="tx1"/>
+                </a:solidFill>
+              </a:rPr>
+              <a:t>TEMP</a:t>
+            </a:r>
+            <a:r>
+              <a:rPr lang="ko-KR" altLang="en-US" sz="700" b="1" dirty="0" smtClean="0">
+                <a:solidFill>
+                  <a:schemeClr val="tx1"/>
+                </a:solidFill>
+              </a:rPr>
+              <a:t> </a:t>
+            </a:r>
+            <a:r>
+              <a:rPr lang="en-US" altLang="ko-KR" sz="700" b="1" dirty="0" smtClean="0">
+                <a:solidFill>
+                  <a:schemeClr val="tx1"/>
+                </a:solidFill>
+              </a:rPr>
+              <a:t>&gt; </a:t>
+            </a:r>
+          </a:p>
+          <a:p>
+            <a:pPr algn="ctr"/>
+            <a:r>
+              <a:rPr lang="en-US" altLang="ko-KR" sz="700" b="1" dirty="0" smtClean="0">
+                <a:solidFill>
+                  <a:schemeClr val="tx1"/>
+                </a:solidFill>
+              </a:rPr>
+              <a:t>DANGEROUS</a:t>
+            </a:r>
+            <a:endParaRPr lang="ko-KR" altLang="en-US" sz="700" b="1" dirty="0">
+              <a:solidFill>
+                <a:schemeClr val="tx1"/>
+              </a:solidFill>
+            </a:endParaRPr>
+          </a:p>
+        </p:txBody>
+      </p:sp>
+      <p:cxnSp>
+        <p:nvCxnSpPr>
+          <p:cNvPr id="137" name="직선 화살표 연결선 136"/>
+          <p:cNvCxnSpPr>
+            <a:stCxn id="135" idx="1"/>
+            <a:endCxn id="128" idx="3"/>
+          </p:cNvCxnSpPr>
+          <p:nvPr/>
+        </p:nvCxnSpPr>
+        <p:spPr>
+          <a:xfrm flipH="1">
+            <a:off x="6681037" y="2575643"/>
+            <a:ext cx="744200" cy="0"/>
+          </a:xfrm>
+          <a:prstGeom prst="straightConnector1">
+            <a:avLst/>
+          </a:prstGeom>
+          <a:ln w="38100">
+            <a:solidFill>
+              <a:schemeClr val="tx1">
+                <a:lumMod val="50000"/>
+                <a:lumOff val="50000"/>
+              </a:schemeClr>
+            </a:solidFill>
+            <a:tailEnd type="triangle"/>
+          </a:ln>
+        </p:spPr>
+        <p:style>
+          <a:lnRef idx="1">
+            <a:schemeClr val="accent1"/>
+          </a:lnRef>
+          <a:fillRef idx="0">
+            <a:schemeClr val="accent1"/>
+          </a:fillRef>
+          <a:effectRef idx="0">
+            <a:schemeClr val="accent1"/>
+          </a:effectRef>
+          <a:fontRef idx="minor">
+            <a:schemeClr val="tx1"/>
+          </a:fontRef>
+        </p:style>
+      </p:cxnSp>
+      <p:sp>
+        <p:nvSpPr>
+          <p:cNvPr id="138" name="TextBox 137"/>
+          <p:cNvSpPr txBox="1"/>
+          <p:nvPr/>
+        </p:nvSpPr>
+        <p:spPr>
+          <a:xfrm>
+            <a:off x="7160225" y="2371636"/>
+            <a:ext cx="338554" cy="200055"/>
+          </a:xfrm>
+          <a:prstGeom prst="rect">
+            <a:avLst/>
+          </a:prstGeom>
+          <a:noFill/>
+        </p:spPr>
+        <p:txBody>
+          <a:bodyPr wrap="none" rtlCol="0">
+            <a:spAutoFit/>
+          </a:bodyPr>
+          <a:lstStyle/>
+          <a:p>
+            <a:pPr algn="ctr"/>
+            <a:r>
+              <a:rPr lang="en-US" altLang="ko-KR" sz="700" b="1" dirty="0" smtClean="0"/>
+              <a:t>YES</a:t>
+            </a:r>
+            <a:endParaRPr lang="ko-KR" altLang="en-US" sz="700" b="1" dirty="0"/>
+          </a:p>
+        </p:txBody>
+      </p:sp>
+      <p:cxnSp>
+        <p:nvCxnSpPr>
+          <p:cNvPr id="139" name="꺾인 연결선 138"/>
+          <p:cNvCxnSpPr>
+            <a:stCxn id="135" idx="3"/>
+            <a:endCxn id="127" idx="3"/>
+          </p:cNvCxnSpPr>
+          <p:nvPr/>
+        </p:nvCxnSpPr>
+        <p:spPr>
+          <a:xfrm flipH="1">
+            <a:off x="8738927" y="2575643"/>
+            <a:ext cx="320747" cy="2001847"/>
+          </a:xfrm>
+          <a:prstGeom prst="bentConnector3">
+            <a:avLst>
+              <a:gd name="adj1" fmla="val -50250"/>
+            </a:avLst>
+          </a:prstGeom>
+          <a:ln w="38100">
+            <a:solidFill>
+              <a:schemeClr val="tx1">
+                <a:lumMod val="50000"/>
+                <a:lumOff val="50000"/>
+              </a:schemeClr>
+            </a:solidFill>
+            <a:tailEnd type="triangle"/>
+          </a:ln>
+        </p:spPr>
+        <p:style>
+          <a:lnRef idx="1">
+            <a:schemeClr val="accent1"/>
+          </a:lnRef>
+          <a:fillRef idx="0">
+            <a:schemeClr val="accent1"/>
+          </a:fillRef>
+          <a:effectRef idx="0">
+            <a:schemeClr val="accent1"/>
+          </a:effectRef>
+          <a:fontRef idx="minor">
+            <a:schemeClr val="tx1"/>
+          </a:fontRef>
+        </p:style>
+      </p:cxnSp>
+      <p:sp>
+        <p:nvSpPr>
+          <p:cNvPr id="140" name="TextBox 139"/>
+          <p:cNvSpPr txBox="1"/>
+          <p:nvPr/>
+        </p:nvSpPr>
+        <p:spPr>
+          <a:xfrm>
+            <a:off x="8973803" y="2377015"/>
+            <a:ext cx="325730" cy="200055"/>
+          </a:xfrm>
+          <a:prstGeom prst="rect">
+            <a:avLst/>
+          </a:prstGeom>
+          <a:noFill/>
+        </p:spPr>
+        <p:txBody>
+          <a:bodyPr wrap="none" rtlCol="0">
+            <a:spAutoFit/>
+          </a:bodyPr>
+          <a:lstStyle/>
+          <a:p>
+            <a:pPr algn="ctr"/>
+            <a:r>
+              <a:rPr lang="en-US" altLang="ko-KR" sz="700" b="1" dirty="0" smtClean="0"/>
+              <a:t>NO</a:t>
+            </a:r>
+            <a:endParaRPr lang="ko-KR" altLang="en-US" sz="700" b="1" dirty="0"/>
+          </a:p>
+        </p:txBody>
+      </p:sp>
+      <p:sp>
+        <p:nvSpPr>
+          <p:cNvPr id="141" name="TextBox 140"/>
+          <p:cNvSpPr txBox="1"/>
+          <p:nvPr/>
+        </p:nvSpPr>
+        <p:spPr>
+          <a:xfrm>
+            <a:off x="6862326" y="4373482"/>
+            <a:ext cx="338554" cy="200055"/>
+          </a:xfrm>
+          <a:prstGeom prst="rect">
+            <a:avLst/>
+          </a:prstGeom>
+          <a:noFill/>
+        </p:spPr>
+        <p:txBody>
+          <a:bodyPr wrap="none" rtlCol="0">
+            <a:spAutoFit/>
+          </a:bodyPr>
+          <a:lstStyle/>
+          <a:p>
+            <a:pPr algn="ctr"/>
+            <a:r>
+              <a:rPr lang="en-US" altLang="ko-KR" sz="700" b="1" dirty="0" smtClean="0"/>
+              <a:t>YES</a:t>
+            </a:r>
+            <a:endParaRPr lang="ko-KR" altLang="en-US" sz="700" b="1" dirty="0"/>
+          </a:p>
+        </p:txBody>
+      </p:sp>
+      <p:cxnSp>
+        <p:nvCxnSpPr>
+          <p:cNvPr id="142" name="직선 화살표 연결선 141"/>
+          <p:cNvCxnSpPr>
+            <a:stCxn id="128" idx="2"/>
+            <a:endCxn id="132" idx="1"/>
+          </p:cNvCxnSpPr>
+          <p:nvPr/>
+        </p:nvCxnSpPr>
+        <p:spPr>
+          <a:xfrm flipH="1">
+            <a:off x="6095800" y="2820608"/>
+            <a:ext cx="4396" cy="197980"/>
+          </a:xfrm>
+          <a:prstGeom prst="straightConnector1">
+            <a:avLst/>
+          </a:prstGeom>
+          <a:ln w="38100">
+            <a:solidFill>
+              <a:schemeClr val="tx1">
+                <a:lumMod val="50000"/>
+                <a:lumOff val="50000"/>
+              </a:schemeClr>
+            </a:solidFill>
+            <a:tailEnd type="triangle"/>
+          </a:ln>
+        </p:spPr>
+        <p:style>
+          <a:lnRef idx="1">
+            <a:schemeClr val="accent1"/>
+          </a:lnRef>
+          <a:fillRef idx="0">
+            <a:schemeClr val="accent1"/>
+          </a:fillRef>
+          <a:effectRef idx="0">
+            <a:schemeClr val="accent1"/>
+          </a:effectRef>
+          <a:fontRef idx="minor">
+            <a:schemeClr val="tx1"/>
+          </a:fontRef>
+        </p:style>
+      </p:cxnSp>
+      <p:sp>
+        <p:nvSpPr>
+          <p:cNvPr id="143" name="순서도: 데이터 142"/>
+          <p:cNvSpPr/>
+          <p:nvPr/>
+        </p:nvSpPr>
+        <p:spPr>
+          <a:xfrm>
+            <a:off x="7520103" y="3708350"/>
+            <a:ext cx="1444704" cy="420167"/>
+          </a:xfrm>
+          <a:prstGeom prst="flowChartInputOutput">
+            <a:avLst/>
+          </a:prstGeom>
+          <a:noFill/>
+          <a:ln w="38100" cap="flat">
+            <a:solidFill>
+              <a:schemeClr val="tx1">
+                <a:lumMod val="50000"/>
+                <a:lumOff val="50000"/>
+              </a:schemeClr>
+            </a:solidFill>
+          </a:ln>
+          <a:effectLst/>
+        </p:spPr>
+        <p:style>
+          <a:lnRef idx="2">
+            <a:schemeClr val="accent1">
+              <a:shade val="50000"/>
+            </a:schemeClr>
+          </a:lnRef>
+          <a:fillRef idx="1">
+            <a:schemeClr val="accent1"/>
+          </a:fillRef>
+          <a:effectRef idx="0">
+            <a:schemeClr val="accent1"/>
+          </a:effectRef>
+          <a:fontRef idx="minor">
+            <a:schemeClr val="lt1"/>
+          </a:fontRef>
+        </p:style>
+        <p:txBody>
+          <a:bodyPr rtlCol="0" anchor="ctr"/>
+          <a:lstStyle/>
+          <a:p>
+            <a:pPr algn="ctr"/>
+            <a:r>
+              <a:rPr lang="en-US" altLang="ko-KR" sz="700" b="1" dirty="0" smtClean="0">
+                <a:solidFill>
+                  <a:schemeClr val="tx1"/>
+                </a:solidFill>
+              </a:rPr>
+              <a:t>INPUT BUTTON</a:t>
+            </a:r>
+          </a:p>
+          <a:p>
+            <a:pPr algn="ctr"/>
+            <a:r>
+              <a:rPr lang="en-US" altLang="ko-KR" sz="700" b="1" dirty="0" smtClean="0">
+                <a:solidFill>
+                  <a:schemeClr val="tx1"/>
+                </a:solidFill>
+              </a:rPr>
+              <a:t>READ TEMP</a:t>
+            </a:r>
+            <a:endParaRPr lang="ko-KR" altLang="en-US" sz="700" b="1" dirty="0">
+              <a:solidFill>
+                <a:schemeClr val="tx1"/>
+              </a:solidFill>
+            </a:endParaRPr>
+          </a:p>
+        </p:txBody>
+      </p:sp>
+      <p:sp>
+        <p:nvSpPr>
+          <p:cNvPr id="144" name="순서도: 판단 143"/>
+          <p:cNvSpPr/>
+          <p:nvPr/>
+        </p:nvSpPr>
+        <p:spPr>
+          <a:xfrm>
+            <a:off x="5278582" y="3638587"/>
+            <a:ext cx="1634437" cy="489930"/>
+          </a:xfrm>
+          <a:prstGeom prst="flowChartDecision">
+            <a:avLst/>
+          </a:prstGeom>
+          <a:noFill/>
+          <a:ln w="38100" cap="flat">
+            <a:solidFill>
+              <a:schemeClr val="tx1">
+                <a:lumMod val="50000"/>
+                <a:lumOff val="50000"/>
+              </a:schemeClr>
+            </a:solidFill>
+          </a:ln>
+          <a:effectLst/>
+        </p:spPr>
+        <p:style>
+          <a:lnRef idx="2">
+            <a:schemeClr val="accent1">
+              <a:shade val="50000"/>
+            </a:schemeClr>
+          </a:lnRef>
+          <a:fillRef idx="1">
+            <a:schemeClr val="accent1"/>
+          </a:fillRef>
+          <a:effectRef idx="0">
+            <a:schemeClr val="accent1"/>
+          </a:effectRef>
+          <a:fontRef idx="minor">
+            <a:schemeClr val="lt1"/>
+          </a:fontRef>
+        </p:style>
+        <p:txBody>
+          <a:bodyPr rtlCol="0" anchor="ctr"/>
+          <a:lstStyle/>
+          <a:p>
+            <a:pPr algn="ctr"/>
+            <a:r>
+              <a:rPr lang="en-US" altLang="ko-KR" sz="700" b="1" dirty="0" smtClean="0">
+                <a:solidFill>
+                  <a:schemeClr val="tx1"/>
+                </a:solidFill>
+              </a:rPr>
+              <a:t>BUTTON</a:t>
+            </a:r>
+            <a:r>
+              <a:rPr lang="ko-KR" altLang="en-US" sz="700" b="1" dirty="0" smtClean="0">
+                <a:solidFill>
+                  <a:schemeClr val="tx1"/>
+                </a:solidFill>
+              </a:rPr>
+              <a:t> </a:t>
+            </a:r>
+            <a:r>
+              <a:rPr lang="en-US" altLang="ko-KR" sz="700" b="1" dirty="0" smtClean="0">
+                <a:solidFill>
+                  <a:schemeClr val="tx1"/>
+                </a:solidFill>
+              </a:rPr>
+              <a:t>==</a:t>
+            </a:r>
+          </a:p>
+          <a:p>
+            <a:pPr algn="ctr"/>
+            <a:r>
+              <a:rPr lang="en-US" altLang="ko-KR" sz="700" b="1" dirty="0" smtClean="0">
+                <a:solidFill>
+                  <a:schemeClr val="tx1"/>
+                </a:solidFill>
+              </a:rPr>
+              <a:t>PRESSED</a:t>
+            </a:r>
+            <a:endParaRPr lang="ko-KR" altLang="en-US" sz="700" b="1" dirty="0">
+              <a:solidFill>
+                <a:schemeClr val="tx1"/>
+              </a:solidFill>
+            </a:endParaRPr>
+          </a:p>
+        </p:txBody>
+      </p:sp>
+      <p:cxnSp>
+        <p:nvCxnSpPr>
+          <p:cNvPr id="145" name="직선 화살표 연결선 144"/>
+          <p:cNvCxnSpPr>
+            <a:stCxn id="132" idx="4"/>
+            <a:endCxn id="144" idx="0"/>
+          </p:cNvCxnSpPr>
+          <p:nvPr/>
+        </p:nvCxnSpPr>
+        <p:spPr>
+          <a:xfrm>
+            <a:off x="6095800" y="3438755"/>
+            <a:ext cx="0" cy="199832"/>
+          </a:xfrm>
+          <a:prstGeom prst="straightConnector1">
+            <a:avLst/>
+          </a:prstGeom>
+          <a:ln w="38100">
+            <a:solidFill>
+              <a:schemeClr val="tx1">
+                <a:lumMod val="50000"/>
+                <a:lumOff val="50000"/>
+              </a:schemeClr>
+            </a:solidFill>
+            <a:tailEnd type="triangle"/>
+          </a:ln>
+        </p:spPr>
+        <p:style>
+          <a:lnRef idx="1">
+            <a:schemeClr val="accent1"/>
+          </a:lnRef>
+          <a:fillRef idx="0">
+            <a:schemeClr val="accent1"/>
+          </a:fillRef>
+          <a:effectRef idx="0">
+            <a:schemeClr val="accent1"/>
+          </a:effectRef>
+          <a:fontRef idx="minor">
+            <a:schemeClr val="tx1"/>
+          </a:fontRef>
+        </p:style>
+      </p:cxnSp>
+      <p:cxnSp>
+        <p:nvCxnSpPr>
+          <p:cNvPr id="146" name="직선 화살표 연결선 145"/>
+          <p:cNvCxnSpPr>
+            <a:stCxn id="144" idx="2"/>
+            <a:endCxn id="136" idx="0"/>
+          </p:cNvCxnSpPr>
+          <p:nvPr/>
+        </p:nvCxnSpPr>
+        <p:spPr>
+          <a:xfrm>
+            <a:off x="6095800" y="4128517"/>
+            <a:ext cx="0" cy="204007"/>
+          </a:xfrm>
+          <a:prstGeom prst="straightConnector1">
+            <a:avLst/>
+          </a:prstGeom>
+          <a:ln w="38100">
+            <a:solidFill>
+              <a:schemeClr val="tx1">
+                <a:lumMod val="50000"/>
+                <a:lumOff val="50000"/>
+              </a:schemeClr>
+            </a:solidFill>
+            <a:tailEnd type="triangle"/>
+          </a:ln>
+        </p:spPr>
+        <p:style>
+          <a:lnRef idx="1">
+            <a:schemeClr val="accent1"/>
+          </a:lnRef>
+          <a:fillRef idx="0">
+            <a:schemeClr val="accent1"/>
+          </a:fillRef>
+          <a:effectRef idx="0">
+            <a:schemeClr val="accent1"/>
+          </a:effectRef>
+          <a:fontRef idx="minor">
+            <a:schemeClr val="tx1"/>
+          </a:fontRef>
+        </p:style>
+      </p:cxnSp>
+      <p:sp>
+        <p:nvSpPr>
+          <p:cNvPr id="147" name="TextBox 146"/>
+          <p:cNvSpPr txBox="1"/>
+          <p:nvPr/>
+        </p:nvSpPr>
+        <p:spPr>
+          <a:xfrm>
+            <a:off x="5758389" y="4132871"/>
+            <a:ext cx="325730" cy="200055"/>
+          </a:xfrm>
+          <a:prstGeom prst="rect">
+            <a:avLst/>
+          </a:prstGeom>
+          <a:noFill/>
+        </p:spPr>
+        <p:txBody>
+          <a:bodyPr wrap="none" rtlCol="0">
+            <a:spAutoFit/>
+          </a:bodyPr>
+          <a:lstStyle/>
+          <a:p>
+            <a:pPr algn="ctr"/>
+            <a:r>
+              <a:rPr lang="en-US" altLang="ko-KR" sz="700" b="1" dirty="0" smtClean="0"/>
+              <a:t>NO</a:t>
+            </a:r>
+            <a:endParaRPr lang="ko-KR" altLang="en-US" sz="700" b="1" dirty="0"/>
+          </a:p>
+        </p:txBody>
+      </p:sp>
+      <p:sp>
+        <p:nvSpPr>
+          <p:cNvPr id="148" name="순서도: 판단 147"/>
+          <p:cNvSpPr/>
+          <p:nvPr/>
+        </p:nvSpPr>
+        <p:spPr>
+          <a:xfrm>
+            <a:off x="7425237" y="3018588"/>
+            <a:ext cx="1634437" cy="489930"/>
+          </a:xfrm>
+          <a:prstGeom prst="flowChartDecision">
+            <a:avLst/>
+          </a:prstGeom>
+          <a:noFill/>
+          <a:ln w="38100" cap="flat">
+            <a:solidFill>
+              <a:schemeClr val="tx1">
+                <a:lumMod val="50000"/>
+                <a:lumOff val="50000"/>
+              </a:schemeClr>
+            </a:solidFill>
+          </a:ln>
+          <a:effectLst/>
+        </p:spPr>
+        <p:style>
+          <a:lnRef idx="2">
+            <a:schemeClr val="accent1">
+              <a:shade val="50000"/>
+            </a:schemeClr>
+          </a:lnRef>
+          <a:fillRef idx="1">
+            <a:schemeClr val="accent1"/>
+          </a:fillRef>
+          <a:effectRef idx="0">
+            <a:schemeClr val="accent1"/>
+          </a:effectRef>
+          <a:fontRef idx="minor">
+            <a:schemeClr val="lt1"/>
+          </a:fontRef>
+        </p:style>
+        <p:txBody>
+          <a:bodyPr rtlCol="0" anchor="ctr"/>
+          <a:lstStyle/>
+          <a:p>
+            <a:pPr algn="ctr"/>
+            <a:r>
+              <a:rPr lang="en-US" altLang="ko-KR" sz="700" b="1" dirty="0" smtClean="0">
+                <a:solidFill>
+                  <a:schemeClr val="tx1"/>
+                </a:solidFill>
+              </a:rPr>
+              <a:t>BUTTON</a:t>
+            </a:r>
+            <a:r>
+              <a:rPr lang="ko-KR" altLang="en-US" sz="700" b="1" dirty="0" smtClean="0">
+                <a:solidFill>
+                  <a:schemeClr val="tx1"/>
+                </a:solidFill>
+              </a:rPr>
+              <a:t> </a:t>
+            </a:r>
+            <a:r>
+              <a:rPr lang="en-US" altLang="ko-KR" sz="700" b="1" dirty="0" smtClean="0">
+                <a:solidFill>
+                  <a:schemeClr val="tx1"/>
+                </a:solidFill>
+              </a:rPr>
+              <a:t>==</a:t>
+            </a:r>
+          </a:p>
+          <a:p>
+            <a:pPr algn="ctr"/>
+            <a:r>
+              <a:rPr lang="en-US" altLang="ko-KR" sz="700" b="1" dirty="0" smtClean="0">
+                <a:solidFill>
+                  <a:schemeClr val="tx1"/>
+                </a:solidFill>
+              </a:rPr>
+              <a:t>PRESSED</a:t>
+            </a:r>
+            <a:endParaRPr lang="ko-KR" altLang="en-US" sz="700" b="1" dirty="0">
+              <a:solidFill>
+                <a:schemeClr val="tx1"/>
+              </a:solidFill>
+            </a:endParaRPr>
+          </a:p>
+        </p:txBody>
+      </p:sp>
+      <p:cxnSp>
+        <p:nvCxnSpPr>
+          <p:cNvPr id="149" name="직선 화살표 연결선 148"/>
+          <p:cNvCxnSpPr>
+            <a:stCxn id="148" idx="0"/>
+            <a:endCxn id="135" idx="2"/>
+          </p:cNvCxnSpPr>
+          <p:nvPr/>
+        </p:nvCxnSpPr>
+        <p:spPr>
+          <a:xfrm flipV="1">
+            <a:off x="8242455" y="2820608"/>
+            <a:ext cx="0" cy="197980"/>
+          </a:xfrm>
+          <a:prstGeom prst="straightConnector1">
+            <a:avLst/>
+          </a:prstGeom>
+          <a:ln w="38100">
+            <a:solidFill>
+              <a:schemeClr val="tx1">
+                <a:lumMod val="50000"/>
+                <a:lumOff val="50000"/>
+              </a:schemeClr>
+            </a:solidFill>
+            <a:tailEnd type="triangle"/>
+          </a:ln>
+        </p:spPr>
+        <p:style>
+          <a:lnRef idx="1">
+            <a:schemeClr val="accent1"/>
+          </a:lnRef>
+          <a:fillRef idx="0">
+            <a:schemeClr val="accent1"/>
+          </a:fillRef>
+          <a:effectRef idx="0">
+            <a:schemeClr val="accent1"/>
+          </a:effectRef>
+          <a:fontRef idx="minor">
+            <a:schemeClr val="tx1"/>
+          </a:fontRef>
+        </p:style>
+      </p:cxnSp>
+      <p:cxnSp>
+        <p:nvCxnSpPr>
+          <p:cNvPr id="150" name="직선 화살표 연결선 149"/>
+          <p:cNvCxnSpPr>
+            <a:stCxn id="143" idx="1"/>
+            <a:endCxn id="148" idx="2"/>
+          </p:cNvCxnSpPr>
+          <p:nvPr/>
+        </p:nvCxnSpPr>
+        <p:spPr>
+          <a:xfrm flipV="1">
+            <a:off x="8242455" y="3508518"/>
+            <a:ext cx="0" cy="199832"/>
+          </a:xfrm>
+          <a:prstGeom prst="straightConnector1">
+            <a:avLst/>
+          </a:prstGeom>
+          <a:ln w="38100">
+            <a:solidFill>
+              <a:schemeClr val="tx1">
+                <a:lumMod val="50000"/>
+                <a:lumOff val="50000"/>
+              </a:schemeClr>
+            </a:solidFill>
+            <a:tailEnd type="triangle"/>
+          </a:ln>
+        </p:spPr>
+        <p:style>
+          <a:lnRef idx="1">
+            <a:schemeClr val="accent1"/>
+          </a:lnRef>
+          <a:fillRef idx="0">
+            <a:schemeClr val="accent1"/>
+          </a:fillRef>
+          <a:effectRef idx="0">
+            <a:schemeClr val="accent1"/>
+          </a:effectRef>
+          <a:fontRef idx="minor">
+            <a:schemeClr val="tx1"/>
+          </a:fontRef>
+        </p:style>
+      </p:cxnSp>
+      <p:sp>
+        <p:nvSpPr>
+          <p:cNvPr id="151" name="TextBox 150"/>
+          <p:cNvSpPr txBox="1"/>
+          <p:nvPr/>
+        </p:nvSpPr>
+        <p:spPr>
+          <a:xfrm>
+            <a:off x="8250584" y="2818756"/>
+            <a:ext cx="325730" cy="200055"/>
+          </a:xfrm>
+          <a:prstGeom prst="rect">
+            <a:avLst/>
+          </a:prstGeom>
+          <a:noFill/>
+        </p:spPr>
+        <p:txBody>
+          <a:bodyPr wrap="none" rtlCol="0">
+            <a:spAutoFit/>
+          </a:bodyPr>
+          <a:lstStyle/>
+          <a:p>
+            <a:pPr algn="ctr"/>
+            <a:r>
+              <a:rPr lang="en-US" altLang="ko-KR" sz="700" b="1" dirty="0" smtClean="0"/>
+              <a:t>NO</a:t>
+            </a:r>
+            <a:endParaRPr lang="ko-KR" altLang="en-US" sz="700" b="1" dirty="0"/>
+          </a:p>
+        </p:txBody>
+      </p:sp>
+      <p:cxnSp>
+        <p:nvCxnSpPr>
+          <p:cNvPr id="152" name="꺾인 연결선 151"/>
+          <p:cNvCxnSpPr>
+            <a:stCxn id="148" idx="1"/>
+            <a:endCxn id="156" idx="0"/>
+          </p:cNvCxnSpPr>
+          <p:nvPr/>
+        </p:nvCxnSpPr>
+        <p:spPr>
+          <a:xfrm rot="10800000" flipV="1">
+            <a:off x="7202857" y="3263553"/>
+            <a:ext cx="222380" cy="1622455"/>
+          </a:xfrm>
+          <a:prstGeom prst="bentConnector2">
+            <a:avLst/>
+          </a:prstGeom>
+          <a:ln w="38100">
+            <a:solidFill>
+              <a:schemeClr val="accent4"/>
+            </a:solidFill>
+            <a:tailEnd type="triangle"/>
+          </a:ln>
+        </p:spPr>
+        <p:style>
+          <a:lnRef idx="1">
+            <a:schemeClr val="accent1"/>
+          </a:lnRef>
+          <a:fillRef idx="0">
+            <a:schemeClr val="accent1"/>
+          </a:fillRef>
+          <a:effectRef idx="0">
+            <a:schemeClr val="accent1"/>
+          </a:effectRef>
+          <a:fontRef idx="minor">
+            <a:schemeClr val="tx1"/>
+          </a:fontRef>
+        </p:style>
+      </p:cxnSp>
+      <p:cxnSp>
+        <p:nvCxnSpPr>
+          <p:cNvPr id="153" name="꺾인 연결선 152"/>
+          <p:cNvCxnSpPr>
+            <a:stCxn id="144" idx="3"/>
+            <a:endCxn id="156" idx="0"/>
+          </p:cNvCxnSpPr>
+          <p:nvPr/>
+        </p:nvCxnSpPr>
+        <p:spPr>
+          <a:xfrm>
+            <a:off x="6913019" y="3883552"/>
+            <a:ext cx="289838" cy="1002455"/>
+          </a:xfrm>
+          <a:prstGeom prst="bentConnector2">
+            <a:avLst/>
+          </a:prstGeom>
+          <a:ln w="38100">
+            <a:solidFill>
+              <a:schemeClr val="accent4"/>
+            </a:solidFill>
+            <a:tailEnd type="triangle"/>
+          </a:ln>
+        </p:spPr>
+        <p:style>
+          <a:lnRef idx="1">
+            <a:schemeClr val="accent1"/>
+          </a:lnRef>
+          <a:fillRef idx="0">
+            <a:schemeClr val="accent1"/>
+          </a:fillRef>
+          <a:effectRef idx="0">
+            <a:schemeClr val="accent1"/>
+          </a:effectRef>
+          <a:fontRef idx="minor">
+            <a:schemeClr val="tx1"/>
+          </a:fontRef>
+        </p:style>
+      </p:cxnSp>
+      <p:sp>
+        <p:nvSpPr>
+          <p:cNvPr id="154" name="TextBox 153"/>
+          <p:cNvSpPr txBox="1"/>
+          <p:nvPr/>
+        </p:nvSpPr>
+        <p:spPr>
+          <a:xfrm>
+            <a:off x="7159374" y="3057748"/>
+            <a:ext cx="338554" cy="200055"/>
+          </a:xfrm>
+          <a:prstGeom prst="rect">
+            <a:avLst/>
+          </a:prstGeom>
+          <a:noFill/>
+        </p:spPr>
+        <p:txBody>
+          <a:bodyPr wrap="none" rtlCol="0">
+            <a:spAutoFit/>
+          </a:bodyPr>
+          <a:lstStyle/>
+          <a:p>
+            <a:pPr algn="ctr"/>
+            <a:r>
+              <a:rPr lang="en-US" altLang="ko-KR" sz="700" b="1" dirty="0" smtClean="0"/>
+              <a:t>YES</a:t>
+            </a:r>
+            <a:endParaRPr lang="ko-KR" altLang="en-US" sz="700" b="1" dirty="0"/>
+          </a:p>
+        </p:txBody>
+      </p:sp>
+      <p:sp>
+        <p:nvSpPr>
+          <p:cNvPr id="155" name="TextBox 154"/>
+          <p:cNvSpPr txBox="1"/>
+          <p:nvPr/>
+        </p:nvSpPr>
+        <p:spPr>
+          <a:xfrm>
+            <a:off x="6836799" y="3676143"/>
+            <a:ext cx="338554" cy="200055"/>
+          </a:xfrm>
+          <a:prstGeom prst="rect">
+            <a:avLst/>
+          </a:prstGeom>
+          <a:noFill/>
+        </p:spPr>
+        <p:txBody>
+          <a:bodyPr wrap="none" rtlCol="0">
+            <a:spAutoFit/>
+          </a:bodyPr>
+          <a:lstStyle/>
+          <a:p>
+            <a:pPr algn="ctr"/>
+            <a:r>
+              <a:rPr lang="en-US" altLang="ko-KR" sz="700" b="1" dirty="0" smtClean="0"/>
+              <a:t>YES</a:t>
+            </a:r>
+            <a:endParaRPr lang="ko-KR" altLang="en-US" sz="700" b="1" dirty="0"/>
+          </a:p>
+        </p:txBody>
+      </p:sp>
+      <p:sp>
+        <p:nvSpPr>
+          <p:cNvPr id="156" name="순서도: 처리 155"/>
+          <p:cNvSpPr/>
+          <p:nvPr/>
+        </p:nvSpPr>
+        <p:spPr>
+          <a:xfrm>
+            <a:off x="6622015" y="4886008"/>
+            <a:ext cx="1161683" cy="241249"/>
+          </a:xfrm>
+          <a:prstGeom prst="flowChartProcess">
+            <a:avLst/>
+          </a:prstGeom>
+          <a:noFill/>
+          <a:ln w="38100" cap="flat">
+            <a:solidFill>
+              <a:schemeClr val="tx1">
+                <a:lumMod val="50000"/>
+                <a:lumOff val="50000"/>
+              </a:schemeClr>
+            </a:solidFill>
+          </a:ln>
+          <a:effectLst/>
+        </p:spPr>
+        <p:style>
+          <a:lnRef idx="2">
+            <a:schemeClr val="accent1">
+              <a:shade val="50000"/>
+            </a:schemeClr>
+          </a:lnRef>
+          <a:fillRef idx="1">
+            <a:schemeClr val="accent1"/>
+          </a:fillRef>
+          <a:effectRef idx="0">
+            <a:schemeClr val="accent1"/>
+          </a:effectRef>
+          <a:fontRef idx="minor">
+            <a:schemeClr val="lt1"/>
+          </a:fontRef>
+        </p:style>
+        <p:txBody>
+          <a:bodyPr rtlCol="0" anchor="ctr"/>
+          <a:lstStyle/>
+          <a:p>
+            <a:pPr algn="ctr"/>
+            <a:r>
+              <a:rPr lang="en-US" altLang="ko-KR" sz="700" b="1" dirty="0">
+                <a:solidFill>
+                  <a:schemeClr val="accent1"/>
+                </a:solidFill>
+              </a:rPr>
+              <a:t>LED</a:t>
+            </a:r>
+            <a:r>
+              <a:rPr lang="en-US" altLang="ko-KR" sz="700" b="1" dirty="0">
+                <a:solidFill>
+                  <a:schemeClr val="accent6"/>
+                </a:solidFill>
+              </a:rPr>
+              <a:t> </a:t>
+            </a:r>
+            <a:r>
+              <a:rPr lang="en-US" altLang="ko-KR" sz="700" b="1" dirty="0" smtClean="0">
+                <a:solidFill>
+                  <a:schemeClr val="tx1"/>
+                </a:solidFill>
+              </a:rPr>
+              <a:t>← OFF</a:t>
+            </a:r>
+            <a:endParaRPr lang="en-US" altLang="ko-KR" sz="700" b="1" dirty="0">
+              <a:solidFill>
+                <a:schemeClr val="tx1"/>
+              </a:solidFill>
+            </a:endParaRPr>
+          </a:p>
+        </p:txBody>
+      </p:sp>
+      <p:sp>
+        <p:nvSpPr>
+          <p:cNvPr id="161" name="순서도: 처리 160"/>
+          <p:cNvSpPr/>
+          <p:nvPr/>
+        </p:nvSpPr>
+        <p:spPr>
+          <a:xfrm>
+            <a:off x="10288264" y="2390607"/>
+            <a:ext cx="1161682" cy="489930"/>
+          </a:xfrm>
+          <a:prstGeom prst="flowChartProcess">
+            <a:avLst/>
+          </a:prstGeom>
+          <a:noFill/>
+          <a:ln w="38100" cap="flat">
+            <a:solidFill>
+              <a:schemeClr val="tx1">
+                <a:lumMod val="50000"/>
+                <a:lumOff val="50000"/>
+              </a:schemeClr>
+            </a:solidFill>
+          </a:ln>
+          <a:effectLst/>
+        </p:spPr>
+        <p:style>
+          <a:lnRef idx="2">
+            <a:schemeClr val="accent1">
+              <a:shade val="50000"/>
+            </a:schemeClr>
+          </a:lnRef>
+          <a:fillRef idx="1">
+            <a:schemeClr val="accent1"/>
+          </a:fillRef>
+          <a:effectRef idx="0">
+            <a:schemeClr val="accent1"/>
+          </a:effectRef>
+          <a:fontRef idx="minor">
+            <a:schemeClr val="lt1"/>
+          </a:fontRef>
+        </p:style>
+        <p:txBody>
+          <a:bodyPr rtlCol="0" anchor="ctr"/>
+          <a:lstStyle/>
+          <a:p>
+            <a:pPr algn="ctr"/>
+            <a:r>
+              <a:rPr lang="en-US" altLang="ko-KR" sz="700" b="1" dirty="0">
+                <a:solidFill>
+                  <a:srgbClr val="FF0000"/>
+                </a:solidFill>
+              </a:rPr>
+              <a:t>LED </a:t>
+            </a:r>
+            <a:r>
+              <a:rPr lang="en-US" altLang="ko-KR" sz="700" b="1" dirty="0" smtClean="0">
+                <a:solidFill>
+                  <a:schemeClr val="tx1"/>
+                </a:solidFill>
+              </a:rPr>
+              <a:t>← ON</a:t>
+            </a:r>
+          </a:p>
+          <a:p>
+            <a:pPr algn="ctr"/>
+            <a:r>
+              <a:rPr lang="en-US" altLang="ko-KR" sz="700" b="1" dirty="0" smtClean="0">
+                <a:solidFill>
+                  <a:schemeClr val="tx1"/>
+                </a:solidFill>
+              </a:rPr>
+              <a:t>RELAY</a:t>
+            </a:r>
+            <a:r>
+              <a:rPr lang="ko-KR" altLang="en-US" sz="700" b="1" dirty="0" smtClean="0">
+                <a:solidFill>
+                  <a:schemeClr val="tx1"/>
+                </a:solidFill>
+              </a:rPr>
+              <a:t> </a:t>
+            </a:r>
+            <a:r>
+              <a:rPr lang="en-US" altLang="ko-KR" sz="700" b="1" dirty="0">
+                <a:solidFill>
+                  <a:schemeClr val="tx1"/>
+                </a:solidFill>
+              </a:rPr>
+              <a:t>←</a:t>
+            </a:r>
+            <a:r>
+              <a:rPr lang="ko-KR" altLang="en-US" sz="700" b="1" dirty="0" smtClean="0">
+                <a:solidFill>
+                  <a:schemeClr val="tx1"/>
+                </a:solidFill>
+              </a:rPr>
+              <a:t> </a:t>
+            </a:r>
+            <a:r>
+              <a:rPr lang="en-US" altLang="ko-KR" sz="700" b="1" dirty="0" smtClean="0">
+                <a:solidFill>
+                  <a:schemeClr val="tx1"/>
+                </a:solidFill>
+              </a:rPr>
+              <a:t>OFF</a:t>
+            </a:r>
+          </a:p>
+        </p:txBody>
+      </p:sp>
+      <p:sp>
+        <p:nvSpPr>
+          <p:cNvPr id="163" name="순서도: 데이터 162"/>
+          <p:cNvSpPr/>
+          <p:nvPr/>
+        </p:nvSpPr>
+        <p:spPr>
+          <a:xfrm>
+            <a:off x="10142358" y="3078516"/>
+            <a:ext cx="1444703" cy="420167"/>
+          </a:xfrm>
+          <a:prstGeom prst="flowChartInputOutput">
+            <a:avLst/>
+          </a:prstGeom>
+          <a:noFill/>
+          <a:ln w="38100" cap="flat">
+            <a:solidFill>
+              <a:schemeClr val="tx1">
+                <a:lumMod val="50000"/>
+                <a:lumOff val="50000"/>
+              </a:schemeClr>
+            </a:solidFill>
+          </a:ln>
+          <a:effectLst/>
+        </p:spPr>
+        <p:style>
+          <a:lnRef idx="2">
+            <a:schemeClr val="accent1">
+              <a:shade val="50000"/>
+            </a:schemeClr>
+          </a:lnRef>
+          <a:fillRef idx="1">
+            <a:schemeClr val="accent1"/>
+          </a:fillRef>
+          <a:effectRef idx="0">
+            <a:schemeClr val="accent1"/>
+          </a:effectRef>
+          <a:fontRef idx="minor">
+            <a:schemeClr val="lt1"/>
+          </a:fontRef>
+        </p:style>
+        <p:txBody>
+          <a:bodyPr rtlCol="0" anchor="ctr"/>
+          <a:lstStyle/>
+          <a:p>
+            <a:pPr algn="ctr"/>
+            <a:r>
+              <a:rPr lang="en-US" altLang="ko-KR" sz="700" b="1" dirty="0" smtClean="0">
+                <a:solidFill>
+                  <a:schemeClr val="tx1"/>
+                </a:solidFill>
+              </a:rPr>
+              <a:t>INPUT BUTTON</a:t>
+            </a:r>
+            <a:endParaRPr lang="ko-KR" altLang="en-US" sz="700" b="1" dirty="0">
+              <a:solidFill>
+                <a:schemeClr val="tx1"/>
+              </a:solidFill>
+            </a:endParaRPr>
+          </a:p>
+        </p:txBody>
+      </p:sp>
+      <p:cxnSp>
+        <p:nvCxnSpPr>
+          <p:cNvPr id="164" name="직선 화살표 연결선 163"/>
+          <p:cNvCxnSpPr>
+            <a:stCxn id="161" idx="2"/>
+            <a:endCxn id="163" idx="1"/>
+          </p:cNvCxnSpPr>
+          <p:nvPr/>
+        </p:nvCxnSpPr>
+        <p:spPr>
+          <a:xfrm flipH="1">
+            <a:off x="10864709" y="2880537"/>
+            <a:ext cx="4396" cy="197980"/>
+          </a:xfrm>
+          <a:prstGeom prst="straightConnector1">
+            <a:avLst/>
+          </a:prstGeom>
+          <a:ln w="38100">
+            <a:solidFill>
+              <a:schemeClr val="tx1">
+                <a:lumMod val="50000"/>
+                <a:lumOff val="50000"/>
+              </a:schemeClr>
+            </a:solidFill>
+            <a:tailEnd type="triangle"/>
+          </a:ln>
+        </p:spPr>
+        <p:style>
+          <a:lnRef idx="1">
+            <a:schemeClr val="accent1"/>
+          </a:lnRef>
+          <a:fillRef idx="0">
+            <a:schemeClr val="accent1"/>
+          </a:fillRef>
+          <a:effectRef idx="0">
+            <a:schemeClr val="accent1"/>
+          </a:effectRef>
+          <a:fontRef idx="minor">
+            <a:schemeClr val="tx1"/>
+          </a:fontRef>
+        </p:style>
+      </p:cxnSp>
+      <p:sp>
+        <p:nvSpPr>
+          <p:cNvPr id="165" name="순서도: 판단 164"/>
+          <p:cNvSpPr/>
+          <p:nvPr/>
+        </p:nvSpPr>
+        <p:spPr>
+          <a:xfrm>
+            <a:off x="10047491" y="3698516"/>
+            <a:ext cx="1634436" cy="489930"/>
+          </a:xfrm>
+          <a:prstGeom prst="flowChartDecision">
+            <a:avLst/>
+          </a:prstGeom>
+          <a:noFill/>
+          <a:ln w="38100" cap="flat">
+            <a:solidFill>
+              <a:schemeClr val="tx1">
+                <a:lumMod val="50000"/>
+                <a:lumOff val="50000"/>
+              </a:schemeClr>
+            </a:solidFill>
+          </a:ln>
+          <a:effectLst/>
+        </p:spPr>
+        <p:style>
+          <a:lnRef idx="2">
+            <a:schemeClr val="accent1">
+              <a:shade val="50000"/>
+            </a:schemeClr>
+          </a:lnRef>
+          <a:fillRef idx="1">
+            <a:schemeClr val="accent1"/>
+          </a:fillRef>
+          <a:effectRef idx="0">
+            <a:schemeClr val="accent1"/>
+          </a:effectRef>
+          <a:fontRef idx="minor">
+            <a:schemeClr val="lt1"/>
+          </a:fontRef>
+        </p:style>
+        <p:txBody>
+          <a:bodyPr rtlCol="0" anchor="ctr"/>
+          <a:lstStyle/>
+          <a:p>
+            <a:pPr algn="ctr"/>
+            <a:r>
+              <a:rPr lang="en-US" altLang="ko-KR" sz="700" b="1" dirty="0" smtClean="0">
+                <a:solidFill>
+                  <a:schemeClr val="tx1"/>
+                </a:solidFill>
+              </a:rPr>
+              <a:t>BUTTON</a:t>
+            </a:r>
+            <a:r>
+              <a:rPr lang="ko-KR" altLang="en-US" sz="700" b="1" dirty="0" smtClean="0">
+                <a:solidFill>
+                  <a:schemeClr val="tx1"/>
+                </a:solidFill>
+              </a:rPr>
+              <a:t> </a:t>
+            </a:r>
+            <a:r>
+              <a:rPr lang="en-US" altLang="ko-KR" sz="700" b="1" dirty="0" smtClean="0">
+                <a:solidFill>
+                  <a:schemeClr val="tx1"/>
+                </a:solidFill>
+              </a:rPr>
+              <a:t>==</a:t>
+            </a:r>
+          </a:p>
+          <a:p>
+            <a:pPr algn="ctr"/>
+            <a:r>
+              <a:rPr lang="en-US" altLang="ko-KR" sz="700" b="1" dirty="0" smtClean="0">
+                <a:solidFill>
+                  <a:schemeClr val="tx1"/>
+                </a:solidFill>
+              </a:rPr>
+              <a:t>PRESSED</a:t>
+            </a:r>
+            <a:endParaRPr lang="ko-KR" altLang="en-US" sz="700" b="1" dirty="0">
+              <a:solidFill>
+                <a:schemeClr val="tx1"/>
+              </a:solidFill>
+            </a:endParaRPr>
+          </a:p>
+        </p:txBody>
+      </p:sp>
+      <p:cxnSp>
+        <p:nvCxnSpPr>
+          <p:cNvPr id="166" name="직선 화살표 연결선 165"/>
+          <p:cNvCxnSpPr>
+            <a:stCxn id="163" idx="4"/>
+            <a:endCxn id="165" idx="0"/>
+          </p:cNvCxnSpPr>
+          <p:nvPr/>
+        </p:nvCxnSpPr>
+        <p:spPr>
+          <a:xfrm>
+            <a:off x="10864709" y="3498683"/>
+            <a:ext cx="0" cy="199832"/>
+          </a:xfrm>
+          <a:prstGeom prst="straightConnector1">
+            <a:avLst/>
+          </a:prstGeom>
+          <a:ln w="38100">
+            <a:solidFill>
+              <a:schemeClr val="tx1">
+                <a:lumMod val="50000"/>
+                <a:lumOff val="50000"/>
+              </a:schemeClr>
+            </a:solidFill>
+            <a:tailEnd type="triangle"/>
+          </a:ln>
+        </p:spPr>
+        <p:style>
+          <a:lnRef idx="1">
+            <a:schemeClr val="accent1"/>
+          </a:lnRef>
+          <a:fillRef idx="0">
+            <a:schemeClr val="accent1"/>
+          </a:fillRef>
+          <a:effectRef idx="0">
+            <a:schemeClr val="accent1"/>
+          </a:effectRef>
+          <a:fontRef idx="minor">
+            <a:schemeClr val="tx1"/>
+          </a:fontRef>
+        </p:style>
+      </p:cxnSp>
+      <p:sp>
+        <p:nvSpPr>
+          <p:cNvPr id="167" name="TextBox 166"/>
+          <p:cNvSpPr txBox="1"/>
+          <p:nvPr/>
+        </p:nvSpPr>
+        <p:spPr>
+          <a:xfrm>
+            <a:off x="10853207" y="4141459"/>
+            <a:ext cx="338554" cy="200055"/>
+          </a:xfrm>
+          <a:prstGeom prst="rect">
+            <a:avLst/>
+          </a:prstGeom>
+          <a:noFill/>
+        </p:spPr>
+        <p:txBody>
+          <a:bodyPr wrap="none" rtlCol="0">
+            <a:spAutoFit/>
+          </a:bodyPr>
+          <a:lstStyle/>
+          <a:p>
+            <a:pPr algn="ctr"/>
+            <a:r>
+              <a:rPr lang="en-US" altLang="ko-KR" sz="700" b="1" dirty="0" smtClean="0"/>
+              <a:t>YES</a:t>
+            </a:r>
+            <a:endParaRPr lang="ko-KR" altLang="en-US" sz="700" b="1" dirty="0"/>
+          </a:p>
+        </p:txBody>
+      </p:sp>
+      <p:sp>
+        <p:nvSpPr>
+          <p:cNvPr id="168" name="순서도: 처리 167"/>
+          <p:cNvSpPr/>
+          <p:nvPr/>
+        </p:nvSpPr>
+        <p:spPr>
+          <a:xfrm>
+            <a:off x="10283868" y="4386426"/>
+            <a:ext cx="1161682" cy="241249"/>
+          </a:xfrm>
+          <a:prstGeom prst="flowChartProcess">
+            <a:avLst/>
+          </a:prstGeom>
+          <a:noFill/>
+          <a:ln w="38100" cap="flat">
+            <a:solidFill>
+              <a:schemeClr val="tx1">
+                <a:lumMod val="50000"/>
+                <a:lumOff val="50000"/>
+              </a:schemeClr>
+            </a:solidFill>
+          </a:ln>
+          <a:effectLst/>
+        </p:spPr>
+        <p:style>
+          <a:lnRef idx="2">
+            <a:schemeClr val="accent1">
+              <a:shade val="50000"/>
+            </a:schemeClr>
+          </a:lnRef>
+          <a:fillRef idx="1">
+            <a:schemeClr val="accent1"/>
+          </a:fillRef>
+          <a:effectRef idx="0">
+            <a:schemeClr val="accent1"/>
+          </a:effectRef>
+          <a:fontRef idx="minor">
+            <a:schemeClr val="lt1"/>
+          </a:fontRef>
+        </p:style>
+        <p:txBody>
+          <a:bodyPr rtlCol="0" anchor="ctr"/>
+          <a:lstStyle/>
+          <a:p>
+            <a:pPr algn="ctr"/>
+            <a:r>
+              <a:rPr lang="en-US" altLang="ko-KR" sz="700" b="1" dirty="0">
+                <a:solidFill>
+                  <a:srgbClr val="FF0000"/>
+                </a:solidFill>
+              </a:rPr>
+              <a:t>LED </a:t>
+            </a:r>
+            <a:r>
+              <a:rPr lang="en-US" altLang="ko-KR" sz="700" b="1" dirty="0" smtClean="0">
+                <a:solidFill>
+                  <a:schemeClr val="tx1"/>
+                </a:solidFill>
+              </a:rPr>
+              <a:t>← OFF</a:t>
+            </a:r>
+            <a:endParaRPr lang="en-US" altLang="ko-KR" sz="700" b="1" dirty="0">
+              <a:solidFill>
+                <a:schemeClr val="tx1"/>
+              </a:solidFill>
+            </a:endParaRPr>
+          </a:p>
+        </p:txBody>
+      </p:sp>
+      <p:cxnSp>
+        <p:nvCxnSpPr>
+          <p:cNvPr id="170" name="꺾인 연결선 169"/>
+          <p:cNvCxnSpPr>
+            <a:stCxn id="165" idx="1"/>
+            <a:endCxn id="161" idx="1"/>
+          </p:cNvCxnSpPr>
+          <p:nvPr/>
+        </p:nvCxnSpPr>
+        <p:spPr>
+          <a:xfrm rot="10800000" flipH="1">
+            <a:off x="10047491" y="2635573"/>
+            <a:ext cx="240773" cy="1307909"/>
+          </a:xfrm>
+          <a:prstGeom prst="bentConnector3">
+            <a:avLst>
+              <a:gd name="adj1" fmla="val -66941"/>
+            </a:avLst>
+          </a:prstGeom>
+          <a:ln w="38100">
+            <a:solidFill>
+              <a:schemeClr val="tx1">
+                <a:lumMod val="50000"/>
+                <a:lumOff val="50000"/>
+              </a:schemeClr>
+            </a:solidFill>
+            <a:tailEnd type="triangle"/>
+          </a:ln>
+        </p:spPr>
+        <p:style>
+          <a:lnRef idx="1">
+            <a:schemeClr val="accent1"/>
+          </a:lnRef>
+          <a:fillRef idx="0">
+            <a:schemeClr val="accent1"/>
+          </a:fillRef>
+          <a:effectRef idx="0">
+            <a:schemeClr val="accent1"/>
+          </a:effectRef>
+          <a:fontRef idx="minor">
+            <a:schemeClr val="tx1"/>
+          </a:fontRef>
+        </p:style>
+      </p:cxnSp>
+      <p:sp>
+        <p:nvSpPr>
+          <p:cNvPr id="171" name="TextBox 170"/>
+          <p:cNvSpPr txBox="1"/>
+          <p:nvPr/>
+        </p:nvSpPr>
+        <p:spPr>
+          <a:xfrm>
+            <a:off x="9854018" y="3736071"/>
+            <a:ext cx="325730" cy="200055"/>
+          </a:xfrm>
+          <a:prstGeom prst="rect">
+            <a:avLst/>
+          </a:prstGeom>
+          <a:noFill/>
+        </p:spPr>
+        <p:txBody>
+          <a:bodyPr wrap="none" rtlCol="0">
+            <a:spAutoFit/>
+          </a:bodyPr>
+          <a:lstStyle/>
+          <a:p>
+            <a:pPr algn="ctr"/>
+            <a:r>
+              <a:rPr lang="en-US" altLang="ko-KR" sz="700" b="1" dirty="0" smtClean="0"/>
+              <a:t>NO</a:t>
+            </a:r>
+            <a:endParaRPr lang="ko-KR" altLang="en-US" sz="700" b="1" dirty="0"/>
+          </a:p>
+        </p:txBody>
+      </p:sp>
+      <p:cxnSp>
+        <p:nvCxnSpPr>
+          <p:cNvPr id="172" name="직선 화살표 연결선 171"/>
+          <p:cNvCxnSpPr>
+            <a:stCxn id="165" idx="2"/>
+            <a:endCxn id="168" idx="0"/>
+          </p:cNvCxnSpPr>
+          <p:nvPr/>
+        </p:nvCxnSpPr>
+        <p:spPr>
+          <a:xfrm>
+            <a:off x="10864709" y="4188446"/>
+            <a:ext cx="0" cy="197980"/>
+          </a:xfrm>
+          <a:prstGeom prst="straightConnector1">
+            <a:avLst/>
+          </a:prstGeom>
+          <a:ln w="38100">
+            <a:solidFill>
+              <a:schemeClr val="accent4"/>
+            </a:solidFill>
+            <a:tailEnd type="triangle"/>
+          </a:ln>
+        </p:spPr>
+        <p:style>
+          <a:lnRef idx="1">
+            <a:schemeClr val="accent1"/>
+          </a:lnRef>
+          <a:fillRef idx="0">
+            <a:schemeClr val="accent1"/>
+          </a:fillRef>
+          <a:effectRef idx="0">
+            <a:schemeClr val="accent1"/>
+          </a:effectRef>
+          <a:fontRef idx="minor">
+            <a:schemeClr val="tx1"/>
+          </a:fontRef>
+        </p:style>
+      </p:cxnSp>
+      <p:cxnSp>
+        <p:nvCxnSpPr>
+          <p:cNvPr id="175" name="꺾인 연결선 174"/>
+          <p:cNvCxnSpPr/>
+          <p:nvPr/>
+        </p:nvCxnSpPr>
+        <p:spPr>
+          <a:xfrm rot="5400000" flipH="1" flipV="1">
+            <a:off x="2841980" y="1872237"/>
+            <a:ext cx="2798034" cy="3713564"/>
+          </a:xfrm>
+          <a:prstGeom prst="bentConnector5">
+            <a:avLst>
+              <a:gd name="adj1" fmla="val -8170"/>
+              <a:gd name="adj2" fmla="val 63851"/>
+              <a:gd name="adj3" fmla="val 108170"/>
+            </a:avLst>
+          </a:prstGeom>
+          <a:ln w="38100">
+            <a:solidFill>
+              <a:schemeClr val="tx1">
+                <a:lumMod val="50000"/>
+                <a:lumOff val="50000"/>
+              </a:schemeClr>
+            </a:solidFill>
+            <a:tailEnd type="triangle"/>
+          </a:ln>
+        </p:spPr>
+        <p:style>
+          <a:lnRef idx="1">
+            <a:schemeClr val="accent1"/>
+          </a:lnRef>
+          <a:fillRef idx="0">
+            <a:schemeClr val="accent1"/>
+          </a:fillRef>
+          <a:effectRef idx="0">
+            <a:schemeClr val="accent1"/>
+          </a:effectRef>
+          <a:fontRef idx="minor">
+            <a:schemeClr val="tx1"/>
+          </a:fontRef>
+        </p:style>
+      </p:cxnSp>
+      <p:cxnSp>
+        <p:nvCxnSpPr>
+          <p:cNvPr id="176" name="꺾인 연결선 175"/>
+          <p:cNvCxnSpPr/>
+          <p:nvPr/>
+        </p:nvCxnSpPr>
+        <p:spPr>
+          <a:xfrm rot="5400000" flipH="1" flipV="1">
+            <a:off x="7669163" y="1925410"/>
+            <a:ext cx="2734475" cy="3670777"/>
+          </a:xfrm>
+          <a:prstGeom prst="bentConnector5">
+            <a:avLst>
+              <a:gd name="adj1" fmla="val -8360"/>
+              <a:gd name="adj2" fmla="val 64272"/>
+              <a:gd name="adj3" fmla="val 108360"/>
+            </a:avLst>
+          </a:prstGeom>
+          <a:ln w="38100">
+            <a:solidFill>
+              <a:schemeClr val="tx1">
+                <a:lumMod val="50000"/>
+                <a:lumOff val="50000"/>
+              </a:schemeClr>
+            </a:solidFill>
+            <a:tailEnd type="triangle"/>
+          </a:ln>
+        </p:spPr>
+        <p:style>
+          <a:lnRef idx="1">
+            <a:schemeClr val="accent1"/>
+          </a:lnRef>
+          <a:fillRef idx="0">
+            <a:schemeClr val="accent1"/>
+          </a:fillRef>
+          <a:effectRef idx="0">
+            <a:schemeClr val="accent1"/>
+          </a:effectRef>
+          <a:fontRef idx="minor">
+            <a:schemeClr val="tx1"/>
+          </a:fontRef>
+        </p:style>
+      </p:cxnSp>
+      <p:cxnSp>
+        <p:nvCxnSpPr>
+          <p:cNvPr id="177" name="꺾인 연결선 176"/>
+          <p:cNvCxnSpPr/>
+          <p:nvPr/>
+        </p:nvCxnSpPr>
+        <p:spPr>
+          <a:xfrm rot="5400000" flipH="1" flipV="1">
+            <a:off x="10011111" y="2735880"/>
+            <a:ext cx="2752194" cy="1039634"/>
+          </a:xfrm>
+          <a:prstGeom prst="bentConnector3">
+            <a:avLst>
+              <a:gd name="adj1" fmla="val -8306"/>
+            </a:avLst>
+          </a:prstGeom>
+          <a:ln w="38100">
+            <a:solidFill>
+              <a:schemeClr val="tx1">
+                <a:lumMod val="50000"/>
+                <a:lumOff val="50000"/>
+              </a:schemeClr>
+            </a:solidFill>
+            <a:tailEnd type="none"/>
+          </a:ln>
+        </p:spPr>
+        <p:style>
+          <a:lnRef idx="1">
+            <a:schemeClr val="accent1"/>
+          </a:lnRef>
+          <a:fillRef idx="0">
+            <a:schemeClr val="accent1"/>
+          </a:fillRef>
+          <a:effectRef idx="0">
+            <a:schemeClr val="accent1"/>
+          </a:effectRef>
+          <a:fontRef idx="minor">
+            <a:schemeClr val="tx1"/>
+          </a:fontRef>
+        </p:style>
+      </p:cxnSp>
+      <p:cxnSp>
+        <p:nvCxnSpPr>
+          <p:cNvPr id="178" name="꺾인 연결선 177"/>
+          <p:cNvCxnSpPr/>
+          <p:nvPr/>
+        </p:nvCxnSpPr>
+        <p:spPr>
+          <a:xfrm rot="10800000" flipV="1">
+            <a:off x="1862128" y="1899920"/>
+            <a:ext cx="10055552" cy="503942"/>
+          </a:xfrm>
+          <a:prstGeom prst="bentConnector3">
+            <a:avLst>
+              <a:gd name="adj1" fmla="val 96629"/>
+            </a:avLst>
+          </a:prstGeom>
+          <a:ln w="38100">
+            <a:solidFill>
+              <a:schemeClr val="tx1">
+                <a:lumMod val="50000"/>
+                <a:lumOff val="50000"/>
+              </a:schemeClr>
+            </a:solidFill>
+            <a:tailEnd type="triangle"/>
+          </a:ln>
+        </p:spPr>
+        <p:style>
+          <a:lnRef idx="1">
+            <a:schemeClr val="accent1"/>
+          </a:lnRef>
+          <a:fillRef idx="0">
+            <a:schemeClr val="accent1"/>
+          </a:fillRef>
+          <a:effectRef idx="0">
+            <a:schemeClr val="accent1"/>
+          </a:effectRef>
+          <a:fontRef idx="minor">
+            <a:schemeClr val="tx1"/>
+          </a:fontRef>
+        </p:style>
+      </p:cxnSp>
     </p:spTree>
     <p:extLst>
       <p:ext uri="{BB962C8B-B14F-4D97-AF65-F5344CB8AC3E}">
@@ -33921,19 +33869,11 @@
             </a:r>
             <a:r>
               <a:rPr lang="en-US" altLang="ko-KR" dirty="0" smtClean="0"/>
-              <a:t> </a:t>
-            </a:r>
-            <a:r>
-              <a:rPr lang="en-US" altLang="ko-KR" dirty="0" smtClean="0"/>
-              <a:t>(</a:t>
+              <a:t> (</a:t>
             </a:r>
             <a:r>
               <a:rPr lang="ko-KR" altLang="en-US" dirty="0" smtClean="0"/>
-              <a:t>일반 </a:t>
-            </a:r>
-            <a:r>
-              <a:rPr lang="ko-KR" altLang="en-US" dirty="0" smtClean="0"/>
-              <a:t>작동</a:t>
+              <a:t>일반 작동</a:t>
             </a:r>
             <a:r>
               <a:rPr lang="en-US" altLang="ko-KR" dirty="0" smtClean="0"/>
@@ -33941,17 +33881,12 @@
             </a:r>
             <a:r>
               <a:rPr lang="ko-KR" altLang="en-US" dirty="0" smtClean="0"/>
-              <a:t>시험</a:t>
-            </a:r>
-            <a:r>
-              <a:rPr lang="ko-KR" altLang="en-US" dirty="0" smtClean="0"/>
-              <a:t>용</a:t>
+              <a:t>시험용</a:t>
             </a:r>
             <a:r>
               <a:rPr lang="en-US" altLang="ko-KR" dirty="0" smtClean="0"/>
               <a:t>)</a:t>
             </a:r>
-            <a:endParaRPr lang="en-US" altLang="ko-KR" dirty="0" smtClean="0"/>
           </a:p>
         </p:txBody>
       </p:sp>
@@ -35855,19 +35790,11 @@
             </a:r>
             <a:r>
               <a:rPr lang="en-US" altLang="ko-KR" dirty="0" smtClean="0"/>
-              <a:t> </a:t>
-            </a:r>
-            <a:r>
-              <a:rPr lang="en-US" altLang="ko-KR" dirty="0" smtClean="0"/>
-              <a:t>(</a:t>
+              <a:t> (</a:t>
             </a:r>
             <a:r>
               <a:rPr lang="ko-KR" altLang="en-US" dirty="0" smtClean="0"/>
-              <a:t>초과 </a:t>
-            </a:r>
-            <a:r>
-              <a:rPr lang="ko-KR" altLang="en-US" dirty="0" smtClean="0"/>
-              <a:t>작동</a:t>
+              <a:t>초과 작동</a:t>
             </a:r>
             <a:r>
               <a:rPr lang="en-US" altLang="ko-KR" dirty="0" smtClean="0"/>
